--- a/Report/ME751_simEngine3D_Figures.pptx
+++ b/Report/ME751_simEngine3D_Figures.pptx
@@ -6,6 +6,7 @@
   </p:sldMasterIdLst>
   <p:sldIdLst>
     <p:sldId id="256" r:id="rId2"/>
+    <p:sldId id="257" r:id="rId3"/>
   </p:sldIdLst>
   <p:sldSz cx="12192000" cy="6858000"/>
   <p:notesSz cx="6858000" cy="9144000"/>
@@ -104,6 +105,11 @@
       </a:defRPr>
     </a:lvl9pPr>
   </p:defaultTextStyle>
+  <p:extLst>
+    <p:ext uri="{EFAFB233-063F-42B5-8137-9DF3F51BA10A}">
+      <p15:sldGuideLst xmlns:p15="http://schemas.microsoft.com/office/powerpoint/2012/main"/>
+    </p:ext>
+  </p:extLst>
 </p:presentation>
 </file>
 
@@ -238,7 +244,7 @@
           <a:p>
             <a:fld id="{0A43AB49-A39C-4186-BD22-733D2FFD79FF}" type="datetimeFigureOut">
               <a:rPr lang="en-US" smtClean="0"/>
-              <a:t>12/12/2016</a:t>
+              <a:t>12/13/2016</a:t>
             </a:fld>
             <a:endParaRPr lang="en-US"/>
           </a:p>
@@ -408,7 +414,7 @@
           <a:p>
             <a:fld id="{0A43AB49-A39C-4186-BD22-733D2FFD79FF}" type="datetimeFigureOut">
               <a:rPr lang="en-US" smtClean="0"/>
-              <a:t>12/12/2016</a:t>
+              <a:t>12/13/2016</a:t>
             </a:fld>
             <a:endParaRPr lang="en-US"/>
           </a:p>
@@ -588,7 +594,7 @@
           <a:p>
             <a:fld id="{0A43AB49-A39C-4186-BD22-733D2FFD79FF}" type="datetimeFigureOut">
               <a:rPr lang="en-US" smtClean="0"/>
-              <a:t>12/12/2016</a:t>
+              <a:t>12/13/2016</a:t>
             </a:fld>
             <a:endParaRPr lang="en-US"/>
           </a:p>
@@ -758,7 +764,7 @@
           <a:p>
             <a:fld id="{0A43AB49-A39C-4186-BD22-733D2FFD79FF}" type="datetimeFigureOut">
               <a:rPr lang="en-US" smtClean="0"/>
-              <a:t>12/12/2016</a:t>
+              <a:t>12/13/2016</a:t>
             </a:fld>
             <a:endParaRPr lang="en-US"/>
           </a:p>
@@ -1004,7 +1010,7 @@
           <a:p>
             <a:fld id="{0A43AB49-A39C-4186-BD22-733D2FFD79FF}" type="datetimeFigureOut">
               <a:rPr lang="en-US" smtClean="0"/>
-              <a:t>12/12/2016</a:t>
+              <a:t>12/13/2016</a:t>
             </a:fld>
             <a:endParaRPr lang="en-US"/>
           </a:p>
@@ -1236,7 +1242,7 @@
           <a:p>
             <a:fld id="{0A43AB49-A39C-4186-BD22-733D2FFD79FF}" type="datetimeFigureOut">
               <a:rPr lang="en-US" smtClean="0"/>
-              <a:t>12/12/2016</a:t>
+              <a:t>12/13/2016</a:t>
             </a:fld>
             <a:endParaRPr lang="en-US"/>
           </a:p>
@@ -1603,7 +1609,7 @@
           <a:p>
             <a:fld id="{0A43AB49-A39C-4186-BD22-733D2FFD79FF}" type="datetimeFigureOut">
               <a:rPr lang="en-US" smtClean="0"/>
-              <a:t>12/12/2016</a:t>
+              <a:t>12/13/2016</a:t>
             </a:fld>
             <a:endParaRPr lang="en-US"/>
           </a:p>
@@ -1721,7 +1727,7 @@
           <a:p>
             <a:fld id="{0A43AB49-A39C-4186-BD22-733D2FFD79FF}" type="datetimeFigureOut">
               <a:rPr lang="en-US" smtClean="0"/>
-              <a:t>12/12/2016</a:t>
+              <a:t>12/13/2016</a:t>
             </a:fld>
             <a:endParaRPr lang="en-US"/>
           </a:p>
@@ -1816,7 +1822,7 @@
           <a:p>
             <a:fld id="{0A43AB49-A39C-4186-BD22-733D2FFD79FF}" type="datetimeFigureOut">
               <a:rPr lang="en-US" smtClean="0"/>
-              <a:t>12/12/2016</a:t>
+              <a:t>12/13/2016</a:t>
             </a:fld>
             <a:endParaRPr lang="en-US"/>
           </a:p>
@@ -2093,7 +2099,7 @@
           <a:p>
             <a:fld id="{0A43AB49-A39C-4186-BD22-733D2FFD79FF}" type="datetimeFigureOut">
               <a:rPr lang="en-US" smtClean="0"/>
-              <a:t>12/12/2016</a:t>
+              <a:t>12/13/2016</a:t>
             </a:fld>
             <a:endParaRPr lang="en-US"/>
           </a:p>
@@ -2346,7 +2352,7 @@
           <a:p>
             <a:fld id="{0A43AB49-A39C-4186-BD22-733D2FFD79FF}" type="datetimeFigureOut">
               <a:rPr lang="en-US" smtClean="0"/>
-              <a:t>12/12/2016</a:t>
+              <a:t>12/13/2016</a:t>
             </a:fld>
             <a:endParaRPr lang="en-US"/>
           </a:p>
@@ -2559,7 +2565,7 @@
           <a:p>
             <a:fld id="{0A43AB49-A39C-4186-BD22-733D2FFD79FF}" type="datetimeFigureOut">
               <a:rPr lang="en-US" smtClean="0"/>
-              <a:t>12/12/2016</a:t>
+              <a:t>12/13/2016</a:t>
             </a:fld>
             <a:endParaRPr lang="en-US"/>
           </a:p>
@@ -3198,6 +3204,586 @@
 </p:sld>
 </file>
 
+<file path=ppt/slides/slide2.xml><?xml version="1.0" encoding="utf-8"?>
+<p:sld xmlns:a="http://schemas.openxmlformats.org/drawingml/2006/main" xmlns:r="http://schemas.openxmlformats.org/officeDocument/2006/relationships" xmlns:p="http://schemas.openxmlformats.org/presentationml/2006/main">
+  <p:cSld>
+    <p:spTree>
+      <p:nvGrpSpPr>
+        <p:cNvPr id="1" name=""/>
+        <p:cNvGrpSpPr/>
+        <p:nvPr/>
+      </p:nvGrpSpPr>
+      <p:grpSpPr>
+        <a:xfrm>
+          <a:off x="0" y="0"/>
+          <a:ext cx="0" cy="0"/>
+          <a:chOff x="0" y="0"/>
+          <a:chExt cx="0" cy="0"/>
+        </a:xfrm>
+      </p:grpSpPr>
+      <p:grpSp>
+        <p:nvGrpSpPr>
+          <p:cNvPr id="34" name="Group 33"/>
+          <p:cNvGrpSpPr/>
+          <p:nvPr/>
+        </p:nvGrpSpPr>
+        <p:grpSpPr>
+          <a:xfrm>
+            <a:off x="3586480" y="937270"/>
+            <a:ext cx="3708400" cy="3888730"/>
+            <a:chOff x="2428240" y="22870"/>
+            <a:chExt cx="3708400" cy="3888730"/>
+          </a:xfrm>
+        </p:grpSpPr>
+        <p:cxnSp>
+          <p:nvCxnSpPr>
+            <p:cNvPr id="5" name="Straight Connector 4"/>
+            <p:cNvCxnSpPr>
+              <a:stCxn id="17" idx="1"/>
+            </p:cNvCxnSpPr>
+            <p:nvPr/>
+          </p:nvCxnSpPr>
+          <p:spPr>
+            <a:xfrm>
+              <a:off x="2855481" y="1204969"/>
+              <a:ext cx="3281159" cy="2442471"/>
+            </a:xfrm>
+            <a:prstGeom prst="line">
+              <a:avLst/>
+            </a:prstGeom>
+            <a:ln w="28575">
+              <a:solidFill>
+                <a:schemeClr val="tx1"/>
+              </a:solidFill>
+              <a:prstDash val="sysDash"/>
+            </a:ln>
+          </p:spPr>
+          <p:style>
+            <a:lnRef idx="1">
+              <a:schemeClr val="accent1"/>
+            </a:lnRef>
+            <a:fillRef idx="0">
+              <a:schemeClr val="accent1"/>
+            </a:fillRef>
+            <a:effectRef idx="0">
+              <a:schemeClr val="accent1"/>
+            </a:effectRef>
+            <a:fontRef idx="minor">
+              <a:schemeClr val="tx1"/>
+            </a:fontRef>
+          </p:style>
+        </p:cxnSp>
+        <p:cxnSp>
+          <p:nvCxnSpPr>
+            <p:cNvPr id="6" name="Straight Connector 5"/>
+            <p:cNvCxnSpPr/>
+            <p:nvPr/>
+          </p:nvCxnSpPr>
+          <p:spPr>
+            <a:xfrm>
+              <a:off x="5080000" y="3647440"/>
+              <a:ext cx="1056640" cy="0"/>
+            </a:xfrm>
+            <a:prstGeom prst="line">
+              <a:avLst/>
+            </a:prstGeom>
+            <a:ln w="28575">
+              <a:solidFill>
+                <a:schemeClr val="tx1"/>
+              </a:solidFill>
+              <a:prstDash val="sysDash"/>
+            </a:ln>
+          </p:spPr>
+          <p:style>
+            <a:lnRef idx="1">
+              <a:schemeClr val="accent1"/>
+            </a:lnRef>
+            <a:fillRef idx="0">
+              <a:schemeClr val="accent1"/>
+            </a:fillRef>
+            <a:effectRef idx="0">
+              <a:schemeClr val="accent1"/>
+            </a:effectRef>
+            <a:fontRef idx="minor">
+              <a:schemeClr val="tx1"/>
+            </a:fontRef>
+          </p:style>
+        </p:cxnSp>
+        <p:sp>
+          <p:nvSpPr>
+            <p:cNvPr id="10" name="Arc 9"/>
+            <p:cNvSpPr/>
+            <p:nvPr/>
+          </p:nvSpPr>
+          <p:spPr>
+            <a:xfrm rot="14794020">
+              <a:off x="5207503" y="3108960"/>
+              <a:ext cx="802640" cy="802640"/>
+            </a:xfrm>
+            <a:prstGeom prst="arc">
+              <a:avLst/>
+            </a:prstGeom>
+            <a:ln w="28575">
+              <a:solidFill>
+                <a:schemeClr val="tx1"/>
+              </a:solidFill>
+            </a:ln>
+          </p:spPr>
+          <p:style>
+            <a:lnRef idx="1">
+              <a:schemeClr val="accent1"/>
+            </a:lnRef>
+            <a:fillRef idx="0">
+              <a:schemeClr val="accent1"/>
+            </a:fillRef>
+            <a:effectRef idx="0">
+              <a:schemeClr val="accent1"/>
+            </a:effectRef>
+            <a:fontRef idx="minor">
+              <a:schemeClr val="tx1"/>
+            </a:fontRef>
+          </p:style>
+          <p:txBody>
+            <a:bodyPr rtlCol="0" anchor="ctr"/>
+            <a:lstStyle/>
+            <a:p>
+              <a:pPr algn="ctr"/>
+              <a:endParaRPr lang="en-US"/>
+            </a:p>
+          </p:txBody>
+        </p:sp>
+        <p:sp>
+          <p:nvSpPr>
+            <p:cNvPr id="11" name="TextBox 10"/>
+            <p:cNvSpPr txBox="1"/>
+            <p:nvPr/>
+          </p:nvSpPr>
+          <p:spPr>
+            <a:xfrm>
+              <a:off x="4709957" y="3140446"/>
+              <a:ext cx="601447" cy="461665"/>
+            </a:xfrm>
+            <a:prstGeom prst="rect">
+              <a:avLst/>
+            </a:prstGeom>
+            <a:noFill/>
+          </p:spPr>
+          <p:txBody>
+            <a:bodyPr wrap="none" rtlCol="0">
+              <a:spAutoFit/>
+            </a:bodyPr>
+            <a:lstStyle/>
+            <a:p>
+              <a:r>
+                <a:rPr lang="en-US" sz="2400" b="1" dirty="0" smtClean="0"/>
+                <a:t>45°</a:t>
+              </a:r>
+              <a:endParaRPr lang="en-US" sz="2400" b="1" dirty="0"/>
+            </a:p>
+          </p:txBody>
+        </p:sp>
+        <p:sp>
+          <p:nvSpPr>
+            <p:cNvPr id="17" name="Rectangle 16"/>
+            <p:cNvSpPr/>
+            <p:nvPr/>
+          </p:nvSpPr>
+          <p:spPr>
+            <a:xfrm rot="2193631">
+              <a:off x="2763518" y="1249682"/>
+              <a:ext cx="934720" cy="467360"/>
+            </a:xfrm>
+            <a:prstGeom prst="rect">
+              <a:avLst/>
+            </a:prstGeom>
+            <a:noFill/>
+            <a:ln w="57150">
+              <a:solidFill>
+                <a:schemeClr val="tx1"/>
+              </a:solidFill>
+            </a:ln>
+          </p:spPr>
+          <p:style>
+            <a:lnRef idx="2">
+              <a:schemeClr val="accent1">
+                <a:shade val="50000"/>
+              </a:schemeClr>
+            </a:lnRef>
+            <a:fillRef idx="1">
+              <a:schemeClr val="accent1"/>
+            </a:fillRef>
+            <a:effectRef idx="0">
+              <a:schemeClr val="accent1"/>
+            </a:effectRef>
+            <a:fontRef idx="minor">
+              <a:schemeClr val="lt1"/>
+            </a:fontRef>
+          </p:style>
+          <p:txBody>
+            <a:bodyPr rtlCol="0" anchor="ctr"/>
+            <a:lstStyle/>
+            <a:p>
+              <a:pPr algn="ctr"/>
+              <a:endParaRPr lang="en-US"/>
+            </a:p>
+          </p:txBody>
+        </p:sp>
+        <p:cxnSp>
+          <p:nvCxnSpPr>
+            <p:cNvPr id="21" name="Straight Arrow Connector 20"/>
+            <p:cNvCxnSpPr/>
+            <p:nvPr/>
+          </p:nvCxnSpPr>
+          <p:spPr>
+            <a:xfrm flipV="1">
+              <a:off x="3230878" y="878074"/>
+              <a:ext cx="471686" cy="605287"/>
+            </a:xfrm>
+            <a:prstGeom prst="straightConnector1">
+              <a:avLst/>
+            </a:prstGeom>
+            <a:ln w="38100">
+              <a:solidFill>
+                <a:srgbClr val="FF0000"/>
+              </a:solidFill>
+              <a:tailEnd type="triangle"/>
+            </a:ln>
+          </p:spPr>
+          <p:style>
+            <a:lnRef idx="1">
+              <a:schemeClr val="accent1"/>
+            </a:lnRef>
+            <a:fillRef idx="0">
+              <a:schemeClr val="accent1"/>
+            </a:fillRef>
+            <a:effectRef idx="0">
+              <a:schemeClr val="accent1"/>
+            </a:effectRef>
+            <a:fontRef idx="minor">
+              <a:schemeClr val="tx1"/>
+            </a:fontRef>
+          </p:style>
+        </p:cxnSp>
+        <p:cxnSp>
+          <p:nvCxnSpPr>
+            <p:cNvPr id="22" name="Straight Arrow Connector 21"/>
+            <p:cNvCxnSpPr/>
+            <p:nvPr/>
+          </p:nvCxnSpPr>
+          <p:spPr>
+            <a:xfrm>
+              <a:off x="3230877" y="1483360"/>
+              <a:ext cx="650243" cy="466094"/>
+            </a:xfrm>
+            <a:prstGeom prst="straightConnector1">
+              <a:avLst/>
+            </a:prstGeom>
+            <a:ln w="38100">
+              <a:solidFill>
+                <a:srgbClr val="FF0000"/>
+              </a:solidFill>
+              <a:tailEnd type="triangle"/>
+            </a:ln>
+          </p:spPr>
+          <p:style>
+            <a:lnRef idx="1">
+              <a:schemeClr val="accent1"/>
+            </a:lnRef>
+            <a:fillRef idx="0">
+              <a:schemeClr val="accent1"/>
+            </a:fillRef>
+            <a:effectRef idx="0">
+              <a:schemeClr val="accent1"/>
+            </a:effectRef>
+            <a:fontRef idx="minor">
+              <a:schemeClr val="tx1"/>
+            </a:fontRef>
+          </p:style>
+        </p:cxnSp>
+        <p:cxnSp>
+          <p:nvCxnSpPr>
+            <p:cNvPr id="13" name="Straight Arrow Connector 12"/>
+            <p:cNvCxnSpPr/>
+            <p:nvPr/>
+          </p:nvCxnSpPr>
+          <p:spPr>
+            <a:xfrm flipV="1">
+              <a:off x="3230880" y="284480"/>
+              <a:ext cx="0" cy="1198880"/>
+            </a:xfrm>
+            <a:prstGeom prst="straightConnector1">
+              <a:avLst/>
+            </a:prstGeom>
+            <a:ln w="38100">
+              <a:solidFill>
+                <a:schemeClr val="tx1"/>
+              </a:solidFill>
+              <a:tailEnd type="triangle"/>
+            </a:ln>
+          </p:spPr>
+          <p:style>
+            <a:lnRef idx="1">
+              <a:schemeClr val="accent1"/>
+            </a:lnRef>
+            <a:fillRef idx="0">
+              <a:schemeClr val="accent1"/>
+            </a:fillRef>
+            <a:effectRef idx="0">
+              <a:schemeClr val="accent1"/>
+            </a:effectRef>
+            <a:fontRef idx="minor">
+              <a:schemeClr val="tx1"/>
+            </a:fontRef>
+          </p:style>
+        </p:cxnSp>
+        <p:cxnSp>
+          <p:nvCxnSpPr>
+            <p:cNvPr id="14" name="Straight Arrow Connector 13"/>
+            <p:cNvCxnSpPr/>
+            <p:nvPr/>
+          </p:nvCxnSpPr>
+          <p:spPr>
+            <a:xfrm>
+              <a:off x="3220720" y="1483360"/>
+              <a:ext cx="1300480" cy="0"/>
+            </a:xfrm>
+            <a:prstGeom prst="straightConnector1">
+              <a:avLst/>
+            </a:prstGeom>
+            <a:ln w="38100">
+              <a:solidFill>
+                <a:schemeClr val="tx1"/>
+              </a:solidFill>
+              <a:tailEnd type="triangle"/>
+            </a:ln>
+          </p:spPr>
+          <p:style>
+            <a:lnRef idx="1">
+              <a:schemeClr val="accent1"/>
+            </a:lnRef>
+            <a:fillRef idx="0">
+              <a:schemeClr val="accent1"/>
+            </a:fillRef>
+            <a:effectRef idx="0">
+              <a:schemeClr val="accent1"/>
+            </a:effectRef>
+            <a:fontRef idx="minor">
+              <a:schemeClr val="tx1"/>
+            </a:fontRef>
+          </p:style>
+        </p:cxnSp>
+        <p:sp>
+          <p:nvSpPr>
+            <p:cNvPr id="27" name="TextBox 26"/>
+            <p:cNvSpPr txBox="1"/>
+            <p:nvPr/>
+          </p:nvSpPr>
+          <p:spPr>
+            <a:xfrm>
+              <a:off x="4485854" y="1225288"/>
+              <a:ext cx="381836" cy="523220"/>
+            </a:xfrm>
+            <a:prstGeom prst="rect">
+              <a:avLst/>
+            </a:prstGeom>
+            <a:noFill/>
+          </p:spPr>
+          <p:txBody>
+            <a:bodyPr wrap="none" rtlCol="0">
+              <a:spAutoFit/>
+            </a:bodyPr>
+            <a:lstStyle/>
+            <a:p>
+              <a:r>
+                <a:rPr lang="en-US" sz="2800" b="1" dirty="0" smtClean="0"/>
+                <a:t>X</a:t>
+              </a:r>
+              <a:endParaRPr lang="en-US" sz="2800" b="1" dirty="0"/>
+            </a:p>
+          </p:txBody>
+        </p:sp>
+        <p:sp>
+          <p:nvSpPr>
+            <p:cNvPr id="28" name="TextBox 27"/>
+            <p:cNvSpPr txBox="1"/>
+            <p:nvPr/>
+          </p:nvSpPr>
+          <p:spPr>
+            <a:xfrm>
+              <a:off x="2838884" y="22870"/>
+              <a:ext cx="370614" cy="523220"/>
+            </a:xfrm>
+            <a:prstGeom prst="rect">
+              <a:avLst/>
+            </a:prstGeom>
+            <a:noFill/>
+          </p:spPr>
+          <p:txBody>
+            <a:bodyPr wrap="none" rtlCol="0">
+              <a:spAutoFit/>
+            </a:bodyPr>
+            <a:lstStyle/>
+            <a:p>
+              <a:r>
+                <a:rPr lang="en-US" sz="2800" b="1" dirty="0"/>
+                <a:t>Y</a:t>
+              </a:r>
+              <a:endParaRPr lang="en-US" sz="2800" b="1" dirty="0"/>
+            </a:p>
+          </p:txBody>
+        </p:sp>
+        <p:sp>
+          <p:nvSpPr>
+            <p:cNvPr id="29" name="TextBox 28"/>
+            <p:cNvSpPr txBox="1"/>
+            <p:nvPr/>
+          </p:nvSpPr>
+          <p:spPr>
+            <a:xfrm>
+              <a:off x="3803849" y="1529323"/>
+              <a:ext cx="780983" cy="461665"/>
+            </a:xfrm>
+            <a:prstGeom prst="rect">
+              <a:avLst/>
+            </a:prstGeom>
+            <a:noFill/>
+          </p:spPr>
+          <p:txBody>
+            <a:bodyPr wrap="none" rtlCol="0">
+              <a:spAutoFit/>
+            </a:bodyPr>
+            <a:lstStyle/>
+            <a:p>
+              <a:r>
+                <a:rPr lang="en-US" sz="2400" b="1" dirty="0" err="1" smtClean="0"/>
+                <a:t>x</a:t>
+              </a:r>
+              <a:r>
+                <a:rPr lang="en-US" sz="2400" b="1" baseline="-25000" dirty="0" err="1" smtClean="0"/>
+                <a:t>block</a:t>
+              </a:r>
+              <a:endParaRPr lang="en-US" sz="2400" b="1" baseline="-25000" dirty="0"/>
+            </a:p>
+          </p:txBody>
+        </p:sp>
+        <p:sp>
+          <p:nvSpPr>
+            <p:cNvPr id="30" name="TextBox 29"/>
+            <p:cNvSpPr txBox="1"/>
+            <p:nvPr/>
+          </p:nvSpPr>
+          <p:spPr>
+            <a:xfrm>
+              <a:off x="3555998" y="463490"/>
+              <a:ext cx="785793" cy="461665"/>
+            </a:xfrm>
+            <a:prstGeom prst="rect">
+              <a:avLst/>
+            </a:prstGeom>
+            <a:noFill/>
+          </p:spPr>
+          <p:txBody>
+            <a:bodyPr wrap="none" rtlCol="0">
+              <a:spAutoFit/>
+            </a:bodyPr>
+            <a:lstStyle/>
+            <a:p>
+              <a:r>
+                <a:rPr lang="en-US" sz="2400" b="1" dirty="0" err="1"/>
+                <a:t>y</a:t>
+              </a:r>
+              <a:r>
+                <a:rPr lang="en-US" sz="2400" b="1" baseline="-25000" dirty="0" err="1" smtClean="0"/>
+                <a:t>block</a:t>
+              </a:r>
+              <a:endParaRPr lang="en-US" sz="2400" b="1" baseline="-25000" dirty="0"/>
+            </a:p>
+          </p:txBody>
+        </p:sp>
+        <p:cxnSp>
+          <p:nvCxnSpPr>
+            <p:cNvPr id="32" name="Straight Arrow Connector 31"/>
+            <p:cNvCxnSpPr/>
+            <p:nvPr/>
+          </p:nvCxnSpPr>
+          <p:spPr>
+            <a:xfrm>
+              <a:off x="2428240" y="1902395"/>
+              <a:ext cx="10160" cy="942405"/>
+            </a:xfrm>
+            <a:prstGeom prst="straightConnector1">
+              <a:avLst/>
+            </a:prstGeom>
+            <a:ln w="38100">
+              <a:solidFill>
+                <a:schemeClr val="tx1"/>
+              </a:solidFill>
+              <a:tailEnd type="triangle"/>
+            </a:ln>
+          </p:spPr>
+          <p:style>
+            <a:lnRef idx="1">
+              <a:schemeClr val="accent1"/>
+            </a:lnRef>
+            <a:fillRef idx="0">
+              <a:schemeClr val="accent1"/>
+            </a:fillRef>
+            <a:effectRef idx="0">
+              <a:schemeClr val="accent1"/>
+            </a:effectRef>
+            <a:fontRef idx="minor">
+              <a:schemeClr val="tx1"/>
+            </a:fontRef>
+          </p:style>
+        </p:cxnSp>
+        <p:sp>
+          <p:nvSpPr>
+            <p:cNvPr id="33" name="TextBox 32"/>
+            <p:cNvSpPr txBox="1"/>
+            <p:nvPr/>
+          </p:nvSpPr>
+          <p:spPr>
+            <a:xfrm>
+              <a:off x="2448407" y="2147313"/>
+              <a:ext cx="1547155" cy="400110"/>
+            </a:xfrm>
+            <a:prstGeom prst="rect">
+              <a:avLst/>
+            </a:prstGeom>
+            <a:noFill/>
+          </p:spPr>
+          <p:txBody>
+            <a:bodyPr wrap="none" rtlCol="0">
+              <a:spAutoFit/>
+            </a:bodyPr>
+            <a:lstStyle/>
+            <a:p>
+              <a:r>
+                <a:rPr lang="en-US" sz="2000" dirty="0" smtClean="0"/>
+                <a:t>g = 9.81 m/s</a:t>
+              </a:r>
+              <a:r>
+                <a:rPr lang="en-US" sz="2000" baseline="30000" dirty="0" smtClean="0"/>
+                <a:t>2</a:t>
+              </a:r>
+              <a:endParaRPr lang="en-US" sz="2000" dirty="0"/>
+            </a:p>
+          </p:txBody>
+        </p:sp>
+      </p:grpSp>
+    </p:spTree>
+    <p:extLst>
+      <p:ext uri="{BB962C8B-B14F-4D97-AF65-F5344CB8AC3E}">
+        <p14:creationId xmlns:p14="http://schemas.microsoft.com/office/powerpoint/2010/main" val="225329516"/>
+      </p:ext>
+    </p:extLst>
+  </p:cSld>
+  <p:clrMapOvr>
+    <a:masterClrMapping/>
+  </p:clrMapOvr>
+</p:sld>
+</file>
+
 <file path=ppt/theme/theme1.xml><?xml version="1.0" encoding="utf-8"?>
 <a:theme xmlns:a="http://schemas.openxmlformats.org/drawingml/2006/main" name="Office Theme">
   <a:themeElements>

--- a/Report/ME751_simEngine3D_Figures.pptx
+++ b/Report/ME751_simEngine3D_Figures.pptx
@@ -3628,7 +3628,6 @@
                 <a:rPr lang="en-US" sz="2800" b="1" dirty="0"/>
                 <a:t>Y</a:t>
               </a:r>
-              <a:endParaRPr lang="en-US" sz="2800" b="1" dirty="0"/>
             </a:p>
           </p:txBody>
         </p:sp>

--- a/Report/ME751_simEngine3D_Figures.pptx
+++ b/Report/ME751_simEngine3D_Figures.pptx
@@ -2,13 +2,19 @@
 <file path=ppt/presentation.xml><?xml version="1.0" encoding="utf-8"?>
 <p:presentation xmlns:a="http://schemas.openxmlformats.org/drawingml/2006/main" xmlns:r="http://schemas.openxmlformats.org/officeDocument/2006/relationships" xmlns:p="http://schemas.openxmlformats.org/presentationml/2006/main" saveSubsetFonts="1">
   <p:sldMasterIdLst>
-    <p:sldMasterId id="2147483648" r:id="rId1"/>
+    <p:sldMasterId id="2147483672" r:id="rId1"/>
   </p:sldMasterIdLst>
+  <p:notesMasterIdLst>
+    <p:notesMasterId r:id="rId7"/>
+  </p:notesMasterIdLst>
   <p:sldIdLst>
     <p:sldId id="256" r:id="rId2"/>
     <p:sldId id="257" r:id="rId3"/>
+    <p:sldId id="258" r:id="rId4"/>
+    <p:sldId id="259" r:id="rId5"/>
+    <p:sldId id="260" r:id="rId6"/>
   </p:sldIdLst>
-  <p:sldSz cx="12192000" cy="6858000"/>
+  <p:sldSz cx="6858000" cy="9144000" type="letter"/>
   <p:notesSz cx="6858000" cy="9144000"/>
   <p:defaultTextStyle>
     <a:defPPr>
@@ -113,6 +119,445 @@
 </p:presentation>
 </file>
 
+<file path=ppt/notesMasters/notesMaster1.xml><?xml version="1.0" encoding="utf-8"?>
+<p:notesMaster xmlns:a="http://schemas.openxmlformats.org/drawingml/2006/main" xmlns:r="http://schemas.openxmlformats.org/officeDocument/2006/relationships" xmlns:p="http://schemas.openxmlformats.org/presentationml/2006/main">
+  <p:cSld>
+    <p:bg>
+      <p:bgRef idx="1001">
+        <a:schemeClr val="bg1"/>
+      </p:bgRef>
+    </p:bg>
+    <p:spTree>
+      <p:nvGrpSpPr>
+        <p:cNvPr id="1" name=""/>
+        <p:cNvGrpSpPr/>
+        <p:nvPr/>
+      </p:nvGrpSpPr>
+      <p:grpSpPr>
+        <a:xfrm>
+          <a:off x="0" y="0"/>
+          <a:ext cx="0" cy="0"/>
+          <a:chOff x="0" y="0"/>
+          <a:chExt cx="0" cy="0"/>
+        </a:xfrm>
+      </p:grpSpPr>
+      <p:sp>
+        <p:nvSpPr>
+          <p:cNvPr id="2" name="Header Placeholder 1"/>
+          <p:cNvSpPr>
+            <a:spLocks noGrp="1"/>
+          </p:cNvSpPr>
+          <p:nvPr>
+            <p:ph type="hdr" sz="quarter"/>
+          </p:nvPr>
+        </p:nvSpPr>
+        <p:spPr>
+          <a:xfrm>
+            <a:off x="0" y="0"/>
+            <a:ext cx="2971800" cy="458788"/>
+          </a:xfrm>
+          <a:prstGeom prst="rect">
+            <a:avLst/>
+          </a:prstGeom>
+        </p:spPr>
+        <p:txBody>
+          <a:bodyPr vert="horz" lIns="91440" tIns="45720" rIns="91440" bIns="45720" rtlCol="0"/>
+          <a:lstStyle>
+            <a:lvl1pPr algn="l">
+              <a:defRPr sz="1200"/>
+            </a:lvl1pPr>
+          </a:lstStyle>
+          <a:p>
+            <a:endParaRPr lang="en-US"/>
+          </a:p>
+        </p:txBody>
+      </p:sp>
+      <p:sp>
+        <p:nvSpPr>
+          <p:cNvPr id="3" name="Date Placeholder 2"/>
+          <p:cNvSpPr>
+            <a:spLocks noGrp="1"/>
+          </p:cNvSpPr>
+          <p:nvPr>
+            <p:ph type="dt" idx="1"/>
+          </p:nvPr>
+        </p:nvSpPr>
+        <p:spPr>
+          <a:xfrm>
+            <a:off x="3884613" y="0"/>
+            <a:ext cx="2971800" cy="458788"/>
+          </a:xfrm>
+          <a:prstGeom prst="rect">
+            <a:avLst/>
+          </a:prstGeom>
+        </p:spPr>
+        <p:txBody>
+          <a:bodyPr vert="horz" lIns="91440" tIns="45720" rIns="91440" bIns="45720" rtlCol="0"/>
+          <a:lstStyle>
+            <a:lvl1pPr algn="r">
+              <a:defRPr sz="1200"/>
+            </a:lvl1pPr>
+          </a:lstStyle>
+          <a:p>
+            <a:fld id="{CA9BF98D-B652-476D-90AB-259FD4B345FA}" type="datetimeFigureOut">
+              <a:rPr lang="en-US" smtClean="0"/>
+              <a:t>12/14/2016</a:t>
+            </a:fld>
+            <a:endParaRPr lang="en-US"/>
+          </a:p>
+        </p:txBody>
+      </p:sp>
+      <p:sp>
+        <p:nvSpPr>
+          <p:cNvPr id="4" name="Slide Image Placeholder 3"/>
+          <p:cNvSpPr>
+            <a:spLocks noGrp="1" noRot="1" noChangeAspect="1"/>
+          </p:cNvSpPr>
+          <p:nvPr>
+            <p:ph type="sldImg" idx="2"/>
+          </p:nvPr>
+        </p:nvSpPr>
+        <p:spPr>
+          <a:xfrm>
+            <a:off x="2271713" y="1143000"/>
+            <a:ext cx="2314575" cy="3086100"/>
+          </a:xfrm>
+          <a:prstGeom prst="rect">
+            <a:avLst/>
+          </a:prstGeom>
+          <a:noFill/>
+          <a:ln w="12700">
+            <a:solidFill>
+              <a:prstClr val="black"/>
+            </a:solidFill>
+          </a:ln>
+        </p:spPr>
+        <p:txBody>
+          <a:bodyPr vert="horz" lIns="91440" tIns="45720" rIns="91440" bIns="45720" rtlCol="0" anchor="ctr"/>
+          <a:lstStyle/>
+          <a:p>
+            <a:endParaRPr lang="en-US"/>
+          </a:p>
+        </p:txBody>
+      </p:sp>
+      <p:sp>
+        <p:nvSpPr>
+          <p:cNvPr id="5" name="Notes Placeholder 4"/>
+          <p:cNvSpPr>
+            <a:spLocks noGrp="1"/>
+          </p:cNvSpPr>
+          <p:nvPr>
+            <p:ph type="body" sz="quarter" idx="3"/>
+          </p:nvPr>
+        </p:nvSpPr>
+        <p:spPr>
+          <a:xfrm>
+            <a:off x="685800" y="4400550"/>
+            <a:ext cx="5486400" cy="3600450"/>
+          </a:xfrm>
+          <a:prstGeom prst="rect">
+            <a:avLst/>
+          </a:prstGeom>
+        </p:spPr>
+        <p:txBody>
+          <a:bodyPr vert="horz" lIns="91440" tIns="45720" rIns="91440" bIns="45720" rtlCol="0"/>
+          <a:lstStyle/>
+          <a:p>
+            <a:pPr lvl="0"/>
+            <a:r>
+              <a:rPr lang="en-US" smtClean="0"/>
+              <a:t>Click to edit Master text styles</a:t>
+            </a:r>
+          </a:p>
+          <a:p>
+            <a:pPr lvl="1"/>
+            <a:r>
+              <a:rPr lang="en-US" smtClean="0"/>
+              <a:t>Second level</a:t>
+            </a:r>
+          </a:p>
+          <a:p>
+            <a:pPr lvl="2"/>
+            <a:r>
+              <a:rPr lang="en-US" smtClean="0"/>
+              <a:t>Third level</a:t>
+            </a:r>
+          </a:p>
+          <a:p>
+            <a:pPr lvl="3"/>
+            <a:r>
+              <a:rPr lang="en-US" smtClean="0"/>
+              <a:t>Fourth level</a:t>
+            </a:r>
+          </a:p>
+          <a:p>
+            <a:pPr lvl="4"/>
+            <a:r>
+              <a:rPr lang="en-US" smtClean="0"/>
+              <a:t>Fifth level</a:t>
+            </a:r>
+            <a:endParaRPr lang="en-US"/>
+          </a:p>
+        </p:txBody>
+      </p:sp>
+      <p:sp>
+        <p:nvSpPr>
+          <p:cNvPr id="6" name="Footer Placeholder 5"/>
+          <p:cNvSpPr>
+            <a:spLocks noGrp="1"/>
+          </p:cNvSpPr>
+          <p:nvPr>
+            <p:ph type="ftr" sz="quarter" idx="4"/>
+          </p:nvPr>
+        </p:nvSpPr>
+        <p:spPr>
+          <a:xfrm>
+            <a:off x="0" y="8685213"/>
+            <a:ext cx="2971800" cy="458787"/>
+          </a:xfrm>
+          <a:prstGeom prst="rect">
+            <a:avLst/>
+          </a:prstGeom>
+        </p:spPr>
+        <p:txBody>
+          <a:bodyPr vert="horz" lIns="91440" tIns="45720" rIns="91440" bIns="45720" rtlCol="0" anchor="b"/>
+          <a:lstStyle>
+            <a:lvl1pPr algn="l">
+              <a:defRPr sz="1200"/>
+            </a:lvl1pPr>
+          </a:lstStyle>
+          <a:p>
+            <a:endParaRPr lang="en-US"/>
+          </a:p>
+        </p:txBody>
+      </p:sp>
+      <p:sp>
+        <p:nvSpPr>
+          <p:cNvPr id="7" name="Slide Number Placeholder 6"/>
+          <p:cNvSpPr>
+            <a:spLocks noGrp="1"/>
+          </p:cNvSpPr>
+          <p:nvPr>
+            <p:ph type="sldNum" sz="quarter" idx="5"/>
+          </p:nvPr>
+        </p:nvSpPr>
+        <p:spPr>
+          <a:xfrm>
+            <a:off x="3884613" y="8685213"/>
+            <a:ext cx="2971800" cy="458787"/>
+          </a:xfrm>
+          <a:prstGeom prst="rect">
+            <a:avLst/>
+          </a:prstGeom>
+        </p:spPr>
+        <p:txBody>
+          <a:bodyPr vert="horz" lIns="91440" tIns="45720" rIns="91440" bIns="45720" rtlCol="0" anchor="b"/>
+          <a:lstStyle>
+            <a:lvl1pPr algn="r">
+              <a:defRPr sz="1200"/>
+            </a:lvl1pPr>
+          </a:lstStyle>
+          <a:p>
+            <a:fld id="{96F7EA77-1AF1-4547-9063-FB4F7F43B39A}" type="slidenum">
+              <a:rPr lang="en-US" smtClean="0"/>
+              <a:t>‹#›</a:t>
+            </a:fld>
+            <a:endParaRPr lang="en-US"/>
+          </a:p>
+        </p:txBody>
+      </p:sp>
+    </p:spTree>
+    <p:extLst>
+      <p:ext uri="{BB962C8B-B14F-4D97-AF65-F5344CB8AC3E}">
+        <p14:creationId xmlns:p14="http://schemas.microsoft.com/office/powerpoint/2010/main" val="2816668552"/>
+      </p:ext>
+    </p:extLst>
+  </p:cSld>
+  <p:clrMap bg1="lt1" tx1="dk1" bg2="lt2" tx2="dk2" accent1="accent1" accent2="accent2" accent3="accent3" accent4="accent4" accent5="accent5" accent6="accent6" hlink="hlink" folHlink="folHlink"/>
+  <p:notesStyle>
+    <a:lvl1pPr marL="0" algn="l" defTabSz="914400" rtl="0" eaLnBrk="1" latinLnBrk="0" hangingPunct="1">
+      <a:defRPr sz="1200" kern="1200">
+        <a:solidFill>
+          <a:schemeClr val="tx1"/>
+        </a:solidFill>
+        <a:latin typeface="+mn-lt"/>
+        <a:ea typeface="+mn-ea"/>
+        <a:cs typeface="+mn-cs"/>
+      </a:defRPr>
+    </a:lvl1pPr>
+    <a:lvl2pPr marL="457200" algn="l" defTabSz="914400" rtl="0" eaLnBrk="1" latinLnBrk="0" hangingPunct="1">
+      <a:defRPr sz="1200" kern="1200">
+        <a:solidFill>
+          <a:schemeClr val="tx1"/>
+        </a:solidFill>
+        <a:latin typeface="+mn-lt"/>
+        <a:ea typeface="+mn-ea"/>
+        <a:cs typeface="+mn-cs"/>
+      </a:defRPr>
+    </a:lvl2pPr>
+    <a:lvl3pPr marL="914400" algn="l" defTabSz="914400" rtl="0" eaLnBrk="1" latinLnBrk="0" hangingPunct="1">
+      <a:defRPr sz="1200" kern="1200">
+        <a:solidFill>
+          <a:schemeClr val="tx1"/>
+        </a:solidFill>
+        <a:latin typeface="+mn-lt"/>
+        <a:ea typeface="+mn-ea"/>
+        <a:cs typeface="+mn-cs"/>
+      </a:defRPr>
+    </a:lvl3pPr>
+    <a:lvl4pPr marL="1371600" algn="l" defTabSz="914400" rtl="0" eaLnBrk="1" latinLnBrk="0" hangingPunct="1">
+      <a:defRPr sz="1200" kern="1200">
+        <a:solidFill>
+          <a:schemeClr val="tx1"/>
+        </a:solidFill>
+        <a:latin typeface="+mn-lt"/>
+        <a:ea typeface="+mn-ea"/>
+        <a:cs typeface="+mn-cs"/>
+      </a:defRPr>
+    </a:lvl4pPr>
+    <a:lvl5pPr marL="1828800" algn="l" defTabSz="914400" rtl="0" eaLnBrk="1" latinLnBrk="0" hangingPunct="1">
+      <a:defRPr sz="1200" kern="1200">
+        <a:solidFill>
+          <a:schemeClr val="tx1"/>
+        </a:solidFill>
+        <a:latin typeface="+mn-lt"/>
+        <a:ea typeface="+mn-ea"/>
+        <a:cs typeface="+mn-cs"/>
+      </a:defRPr>
+    </a:lvl5pPr>
+    <a:lvl6pPr marL="2286000" algn="l" defTabSz="914400" rtl="0" eaLnBrk="1" latinLnBrk="0" hangingPunct="1">
+      <a:defRPr sz="1200" kern="1200">
+        <a:solidFill>
+          <a:schemeClr val="tx1"/>
+        </a:solidFill>
+        <a:latin typeface="+mn-lt"/>
+        <a:ea typeface="+mn-ea"/>
+        <a:cs typeface="+mn-cs"/>
+      </a:defRPr>
+    </a:lvl6pPr>
+    <a:lvl7pPr marL="2743200" algn="l" defTabSz="914400" rtl="0" eaLnBrk="1" latinLnBrk="0" hangingPunct="1">
+      <a:defRPr sz="1200" kern="1200">
+        <a:solidFill>
+          <a:schemeClr val="tx1"/>
+        </a:solidFill>
+        <a:latin typeface="+mn-lt"/>
+        <a:ea typeface="+mn-ea"/>
+        <a:cs typeface="+mn-cs"/>
+      </a:defRPr>
+    </a:lvl7pPr>
+    <a:lvl8pPr marL="3200400" algn="l" defTabSz="914400" rtl="0" eaLnBrk="1" latinLnBrk="0" hangingPunct="1">
+      <a:defRPr sz="1200" kern="1200">
+        <a:solidFill>
+          <a:schemeClr val="tx1"/>
+        </a:solidFill>
+        <a:latin typeface="+mn-lt"/>
+        <a:ea typeface="+mn-ea"/>
+        <a:cs typeface="+mn-cs"/>
+      </a:defRPr>
+    </a:lvl8pPr>
+    <a:lvl9pPr marL="3657600" algn="l" defTabSz="914400" rtl="0" eaLnBrk="1" latinLnBrk="0" hangingPunct="1">
+      <a:defRPr sz="1200" kern="1200">
+        <a:solidFill>
+          <a:schemeClr val="tx1"/>
+        </a:solidFill>
+        <a:latin typeface="+mn-lt"/>
+        <a:ea typeface="+mn-ea"/>
+        <a:cs typeface="+mn-cs"/>
+      </a:defRPr>
+    </a:lvl9pPr>
+  </p:notesStyle>
+</p:notesMaster>
+</file>
+
+<file path=ppt/notesSlides/notesSlide1.xml><?xml version="1.0" encoding="utf-8"?>
+<p:notes xmlns:a="http://schemas.openxmlformats.org/drawingml/2006/main" xmlns:r="http://schemas.openxmlformats.org/officeDocument/2006/relationships" xmlns:p="http://schemas.openxmlformats.org/presentationml/2006/main">
+  <p:cSld>
+    <p:spTree>
+      <p:nvGrpSpPr>
+        <p:cNvPr id="1" name=""/>
+        <p:cNvGrpSpPr/>
+        <p:nvPr/>
+      </p:nvGrpSpPr>
+      <p:grpSpPr>
+        <a:xfrm>
+          <a:off x="0" y="0"/>
+          <a:ext cx="0" cy="0"/>
+          <a:chOff x="0" y="0"/>
+          <a:chExt cx="0" cy="0"/>
+        </a:xfrm>
+      </p:grpSpPr>
+      <p:sp>
+        <p:nvSpPr>
+          <p:cNvPr id="2" name="Slide Image Placeholder 1"/>
+          <p:cNvSpPr>
+            <a:spLocks noGrp="1" noRot="1" noChangeAspect="1"/>
+          </p:cNvSpPr>
+          <p:nvPr>
+            <p:ph type="sldImg"/>
+          </p:nvPr>
+        </p:nvSpPr>
+        <p:spPr>
+          <a:xfrm>
+            <a:off x="2271713" y="1143000"/>
+            <a:ext cx="2314575" cy="3086100"/>
+          </a:xfrm>
+        </p:spPr>
+      </p:sp>
+      <p:sp>
+        <p:nvSpPr>
+          <p:cNvPr id="3" name="Notes Placeholder 2"/>
+          <p:cNvSpPr>
+            <a:spLocks noGrp="1"/>
+          </p:cNvSpPr>
+          <p:nvPr>
+            <p:ph type="body" idx="1"/>
+          </p:nvPr>
+        </p:nvSpPr>
+        <p:spPr/>
+        <p:txBody>
+          <a:bodyPr/>
+          <a:lstStyle/>
+          <a:p>
+            <a:endParaRPr lang="en-US" dirty="0"/>
+          </a:p>
+        </p:txBody>
+      </p:sp>
+      <p:sp>
+        <p:nvSpPr>
+          <p:cNvPr id="4" name="Slide Number Placeholder 3"/>
+          <p:cNvSpPr>
+            <a:spLocks noGrp="1"/>
+          </p:cNvSpPr>
+          <p:nvPr>
+            <p:ph type="sldNum" sz="quarter" idx="10"/>
+          </p:nvPr>
+        </p:nvSpPr>
+        <p:spPr/>
+        <p:txBody>
+          <a:bodyPr/>
+          <a:lstStyle/>
+          <a:p>
+            <a:fld id="{96F7EA77-1AF1-4547-9063-FB4F7F43B39A}" type="slidenum">
+              <a:rPr lang="en-US" smtClean="0"/>
+              <a:t>3</a:t>
+            </a:fld>
+            <a:endParaRPr lang="en-US"/>
+          </a:p>
+        </p:txBody>
+      </p:sp>
+    </p:spTree>
+    <p:extLst>
+      <p:ext uri="{BB962C8B-B14F-4D97-AF65-F5344CB8AC3E}">
+        <p14:creationId xmlns:p14="http://schemas.microsoft.com/office/powerpoint/2010/main" val="430895039"/>
+      </p:ext>
+    </p:extLst>
+  </p:cSld>
+  <p:clrMapOvr>
+    <a:masterClrMapping/>
+  </p:clrMapOvr>
+</p:notes>
+</file>
+
 <file path=ppt/slideLayouts/slideLayout1.xml><?xml version="1.0" encoding="utf-8"?>
 <p:sldLayout xmlns:a="http://schemas.openxmlformats.org/drawingml/2006/main" xmlns:r="http://schemas.openxmlformats.org/officeDocument/2006/relationships" xmlns:p="http://schemas.openxmlformats.org/presentationml/2006/main" type="title" preserve="1">
   <p:cSld name="Title Slide">
@@ -142,15 +587,15 @@
         </p:nvSpPr>
         <p:spPr>
           <a:xfrm>
-            <a:off x="1524000" y="1122363"/>
-            <a:ext cx="9144000" cy="2387600"/>
+            <a:off x="514350" y="1496484"/>
+            <a:ext cx="5829300" cy="3183467"/>
           </a:xfrm>
         </p:spPr>
         <p:txBody>
           <a:bodyPr anchor="b"/>
           <a:lstStyle>
             <a:lvl1pPr algn="ctr">
-              <a:defRPr sz="6000"/>
+              <a:defRPr sz="4500"/>
             </a:lvl1pPr>
           </a:lstStyle>
           <a:p>
@@ -158,7 +603,7 @@
               <a:rPr lang="en-US" smtClean="0"/>
               <a:t>Click to edit Master title style</a:t>
             </a:r>
-            <a:endParaRPr lang="en-US"/>
+            <a:endParaRPr lang="en-US" dirty="0"/>
           </a:p>
         </p:txBody>
       </p:sp>
@@ -174,8 +619,8 @@
         </p:nvSpPr>
         <p:spPr>
           <a:xfrm>
-            <a:off x="1524000" y="3602038"/>
-            <a:ext cx="9144000" cy="1655762"/>
+            <a:off x="857250" y="4802717"/>
+            <a:ext cx="5143500" cy="2207683"/>
           </a:xfrm>
         </p:spPr>
         <p:txBody>
@@ -183,39 +628,39 @@
           <a:lstStyle>
             <a:lvl1pPr marL="0" indent="0" algn="ctr">
               <a:buNone/>
-              <a:defRPr sz="2400"/>
+              <a:defRPr sz="1800"/>
             </a:lvl1pPr>
-            <a:lvl2pPr marL="457200" indent="0" algn="ctr">
+            <a:lvl2pPr marL="342900" indent="0" algn="ctr">
               <a:buNone/>
-              <a:defRPr sz="2000"/>
+              <a:defRPr sz="1500"/>
             </a:lvl2pPr>
-            <a:lvl3pPr marL="914400" indent="0" algn="ctr">
+            <a:lvl3pPr marL="685800" indent="0" algn="ctr">
               <a:buNone/>
-              <a:defRPr sz="1800"/>
+              <a:defRPr sz="1350"/>
             </a:lvl3pPr>
-            <a:lvl4pPr marL="1371600" indent="0" algn="ctr">
+            <a:lvl4pPr marL="1028700" indent="0" algn="ctr">
               <a:buNone/>
-              <a:defRPr sz="1600"/>
+              <a:defRPr sz="1200"/>
             </a:lvl4pPr>
-            <a:lvl5pPr marL="1828800" indent="0" algn="ctr">
+            <a:lvl5pPr marL="1371600" indent="0" algn="ctr">
               <a:buNone/>
-              <a:defRPr sz="1600"/>
+              <a:defRPr sz="1200"/>
             </a:lvl5pPr>
-            <a:lvl6pPr marL="2286000" indent="0" algn="ctr">
+            <a:lvl6pPr marL="1714500" indent="0" algn="ctr">
               <a:buNone/>
-              <a:defRPr sz="1600"/>
+              <a:defRPr sz="1200"/>
             </a:lvl6pPr>
-            <a:lvl7pPr marL="2743200" indent="0" algn="ctr">
+            <a:lvl7pPr marL="2057400" indent="0" algn="ctr">
               <a:buNone/>
-              <a:defRPr sz="1600"/>
+              <a:defRPr sz="1200"/>
             </a:lvl7pPr>
-            <a:lvl8pPr marL="3200400" indent="0" algn="ctr">
+            <a:lvl8pPr marL="2400300" indent="0" algn="ctr">
               <a:buNone/>
-              <a:defRPr sz="1600"/>
+              <a:defRPr sz="1200"/>
             </a:lvl8pPr>
-            <a:lvl9pPr marL="3657600" indent="0" algn="ctr">
+            <a:lvl9pPr marL="2743200" indent="0" algn="ctr">
               <a:buNone/>
-              <a:defRPr sz="1600"/>
+              <a:defRPr sz="1200"/>
             </a:lvl9pPr>
           </a:lstStyle>
           <a:p>
@@ -223,7 +668,7 @@
               <a:rPr lang="en-US" smtClean="0"/>
               <a:t>Click to edit Master subtitle style</a:t>
             </a:r>
-            <a:endParaRPr lang="en-US"/>
+            <a:endParaRPr lang="en-US" dirty="0"/>
           </a:p>
         </p:txBody>
       </p:sp>
@@ -295,7 +740,7 @@
     </p:spTree>
     <p:extLst>
       <p:ext uri="{BB962C8B-B14F-4D97-AF65-F5344CB8AC3E}">
-        <p14:creationId xmlns:p14="http://schemas.microsoft.com/office/powerpoint/2010/main" val="964655512"/>
+        <p14:creationId xmlns:p14="http://schemas.microsoft.com/office/powerpoint/2010/main" val="2826628654"/>
       </p:ext>
     </p:extLst>
   </p:cSld>
@@ -341,7 +786,7 @@
               <a:rPr lang="en-US" smtClean="0"/>
               <a:t>Click to edit Master title style</a:t>
             </a:r>
-            <a:endParaRPr lang="en-US"/>
+            <a:endParaRPr lang="en-US" dirty="0"/>
           </a:p>
         </p:txBody>
       </p:sp>
@@ -393,7 +838,7 @@
               <a:rPr lang="en-US" smtClean="0"/>
               <a:t>Fifth level</a:t>
             </a:r>
-            <a:endParaRPr lang="en-US"/>
+            <a:endParaRPr lang="en-US" dirty="0"/>
           </a:p>
         </p:txBody>
       </p:sp>
@@ -465,7 +910,7 @@
     </p:spTree>
     <p:extLst>
       <p:ext uri="{BB962C8B-B14F-4D97-AF65-F5344CB8AC3E}">
-        <p14:creationId xmlns:p14="http://schemas.microsoft.com/office/powerpoint/2010/main" val="1890544939"/>
+        <p14:creationId xmlns:p14="http://schemas.microsoft.com/office/powerpoint/2010/main" val="3013926031"/>
       </p:ext>
     </p:extLst>
   </p:cSld>
@@ -504,8 +949,8 @@
         </p:nvSpPr>
         <p:spPr>
           <a:xfrm>
-            <a:off x="8724900" y="365125"/>
-            <a:ext cx="2628900" cy="5811838"/>
+            <a:off x="4907757" y="486834"/>
+            <a:ext cx="1478756" cy="7749117"/>
           </a:xfrm>
         </p:spPr>
         <p:txBody>
@@ -516,7 +961,7 @@
               <a:rPr lang="en-US" smtClean="0"/>
               <a:t>Click to edit Master title style</a:t>
             </a:r>
-            <a:endParaRPr lang="en-US"/>
+            <a:endParaRPr lang="en-US" dirty="0"/>
           </a:p>
         </p:txBody>
       </p:sp>
@@ -532,8 +977,8 @@
         </p:nvSpPr>
         <p:spPr>
           <a:xfrm>
-            <a:off x="838200" y="365125"/>
-            <a:ext cx="7734300" cy="5811838"/>
+            <a:off x="471488" y="486834"/>
+            <a:ext cx="4350544" cy="7749117"/>
           </a:xfrm>
         </p:spPr>
         <p:txBody>
@@ -573,7 +1018,7 @@
               <a:rPr lang="en-US" smtClean="0"/>
               <a:t>Fifth level</a:t>
             </a:r>
-            <a:endParaRPr lang="en-US"/>
+            <a:endParaRPr lang="en-US" dirty="0"/>
           </a:p>
         </p:txBody>
       </p:sp>
@@ -645,7 +1090,7 @@
     </p:spTree>
     <p:extLst>
       <p:ext uri="{BB962C8B-B14F-4D97-AF65-F5344CB8AC3E}">
-        <p14:creationId xmlns:p14="http://schemas.microsoft.com/office/powerpoint/2010/main" val="3764694134"/>
+        <p14:creationId xmlns:p14="http://schemas.microsoft.com/office/powerpoint/2010/main" val="102247889"/>
       </p:ext>
     </p:extLst>
   </p:cSld>
@@ -691,7 +1136,7 @@
               <a:rPr lang="en-US" smtClean="0"/>
               <a:t>Click to edit Master title style</a:t>
             </a:r>
-            <a:endParaRPr lang="en-US"/>
+            <a:endParaRPr lang="en-US" dirty="0"/>
           </a:p>
         </p:txBody>
       </p:sp>
@@ -743,7 +1188,7 @@
               <a:rPr lang="en-US" smtClean="0"/>
               <a:t>Fifth level</a:t>
             </a:r>
-            <a:endParaRPr lang="en-US"/>
+            <a:endParaRPr lang="en-US" dirty="0"/>
           </a:p>
         </p:txBody>
       </p:sp>
@@ -815,7 +1260,7 @@
     </p:spTree>
     <p:extLst>
       <p:ext uri="{BB962C8B-B14F-4D97-AF65-F5344CB8AC3E}">
-        <p14:creationId xmlns:p14="http://schemas.microsoft.com/office/powerpoint/2010/main" val="198815962"/>
+        <p14:creationId xmlns:p14="http://schemas.microsoft.com/office/powerpoint/2010/main" val="1165415204"/>
       </p:ext>
     </p:extLst>
   </p:cSld>
@@ -854,15 +1299,15 @@
         </p:nvSpPr>
         <p:spPr>
           <a:xfrm>
-            <a:off x="831850" y="1709738"/>
-            <a:ext cx="10515600" cy="2852737"/>
+            <a:off x="467916" y="2279653"/>
+            <a:ext cx="5915025" cy="3803649"/>
           </a:xfrm>
         </p:spPr>
         <p:txBody>
           <a:bodyPr anchor="b"/>
           <a:lstStyle>
             <a:lvl1pPr>
-              <a:defRPr sz="6000"/>
+              <a:defRPr sz="4500"/>
             </a:lvl1pPr>
           </a:lstStyle>
           <a:p>
@@ -870,7 +1315,7 @@
               <a:rPr lang="en-US" smtClean="0"/>
               <a:t>Click to edit Master title style</a:t>
             </a:r>
-            <a:endParaRPr lang="en-US"/>
+            <a:endParaRPr lang="en-US" dirty="0"/>
           </a:p>
         </p:txBody>
       </p:sp>
@@ -886,8 +1331,8 @@
         </p:nvSpPr>
         <p:spPr>
           <a:xfrm>
-            <a:off x="831850" y="4589463"/>
-            <a:ext cx="10515600" cy="1500187"/>
+            <a:off x="467916" y="6119286"/>
+            <a:ext cx="5915025" cy="2000249"/>
           </a:xfrm>
         </p:spPr>
         <p:txBody>
@@ -895,17 +1340,15 @@
           <a:lstStyle>
             <a:lvl1pPr marL="0" indent="0">
               <a:buNone/>
-              <a:defRPr sz="2400">
+              <a:defRPr sz="1800">
                 <a:solidFill>
-                  <a:schemeClr val="tx1">
-                    <a:tint val="75000"/>
-                  </a:schemeClr>
+                  <a:schemeClr val="tx1"/>
                 </a:solidFill>
               </a:defRPr>
             </a:lvl1pPr>
-            <a:lvl2pPr marL="457200" indent="0">
+            <a:lvl2pPr marL="342900" indent="0">
               <a:buNone/>
-              <a:defRPr sz="2000">
+              <a:defRPr sz="1500">
                 <a:solidFill>
                   <a:schemeClr val="tx1">
                     <a:tint val="75000"/>
@@ -913,9 +1356,9 @@
                 </a:solidFill>
               </a:defRPr>
             </a:lvl2pPr>
-            <a:lvl3pPr marL="914400" indent="0">
+            <a:lvl3pPr marL="685800" indent="0">
               <a:buNone/>
-              <a:defRPr sz="1800">
+              <a:defRPr sz="1350">
                 <a:solidFill>
                   <a:schemeClr val="tx1">
                     <a:tint val="75000"/>
@@ -923,9 +1366,9 @@
                 </a:solidFill>
               </a:defRPr>
             </a:lvl3pPr>
-            <a:lvl4pPr marL="1371600" indent="0">
+            <a:lvl4pPr marL="1028700" indent="0">
               <a:buNone/>
-              <a:defRPr sz="1600">
+              <a:defRPr sz="1200">
                 <a:solidFill>
                   <a:schemeClr val="tx1">
                     <a:tint val="75000"/>
@@ -933,9 +1376,9 @@
                 </a:solidFill>
               </a:defRPr>
             </a:lvl4pPr>
-            <a:lvl5pPr marL="1828800" indent="0">
+            <a:lvl5pPr marL="1371600" indent="0">
               <a:buNone/>
-              <a:defRPr sz="1600">
+              <a:defRPr sz="1200">
                 <a:solidFill>
                   <a:schemeClr val="tx1">
                     <a:tint val="75000"/>
@@ -943,9 +1386,9 @@
                 </a:solidFill>
               </a:defRPr>
             </a:lvl5pPr>
-            <a:lvl6pPr marL="2286000" indent="0">
+            <a:lvl6pPr marL="1714500" indent="0">
               <a:buNone/>
-              <a:defRPr sz="1600">
+              <a:defRPr sz="1200">
                 <a:solidFill>
                   <a:schemeClr val="tx1">
                     <a:tint val="75000"/>
@@ -953,9 +1396,9 @@
                 </a:solidFill>
               </a:defRPr>
             </a:lvl6pPr>
-            <a:lvl7pPr marL="2743200" indent="0">
+            <a:lvl7pPr marL="2057400" indent="0">
               <a:buNone/>
-              <a:defRPr sz="1600">
+              <a:defRPr sz="1200">
                 <a:solidFill>
                   <a:schemeClr val="tx1">
                     <a:tint val="75000"/>
@@ -963,9 +1406,9 @@
                 </a:solidFill>
               </a:defRPr>
             </a:lvl7pPr>
-            <a:lvl8pPr marL="3200400" indent="0">
+            <a:lvl8pPr marL="2400300" indent="0">
               <a:buNone/>
-              <a:defRPr sz="1600">
+              <a:defRPr sz="1200">
                 <a:solidFill>
                   <a:schemeClr val="tx1">
                     <a:tint val="75000"/>
@@ -973,9 +1416,9 @@
                 </a:solidFill>
               </a:defRPr>
             </a:lvl8pPr>
-            <a:lvl9pPr marL="3657600" indent="0">
+            <a:lvl9pPr marL="2743200" indent="0">
               <a:buNone/>
-              <a:defRPr sz="1600">
+              <a:defRPr sz="1200">
                 <a:solidFill>
                   <a:schemeClr val="tx1">
                     <a:tint val="75000"/>
@@ -1061,7 +1504,7 @@
     </p:spTree>
     <p:extLst>
       <p:ext uri="{BB962C8B-B14F-4D97-AF65-F5344CB8AC3E}">
-        <p14:creationId xmlns:p14="http://schemas.microsoft.com/office/powerpoint/2010/main" val="3078139377"/>
+        <p14:creationId xmlns:p14="http://schemas.microsoft.com/office/powerpoint/2010/main" val="1061663622"/>
       </p:ext>
     </p:extLst>
   </p:cSld>
@@ -1107,7 +1550,7 @@
               <a:rPr lang="en-US" smtClean="0"/>
               <a:t>Click to edit Master title style</a:t>
             </a:r>
-            <a:endParaRPr lang="en-US"/>
+            <a:endParaRPr lang="en-US" dirty="0"/>
           </a:p>
         </p:txBody>
       </p:sp>
@@ -1123,8 +1566,8 @@
         </p:nvSpPr>
         <p:spPr>
           <a:xfrm>
-            <a:off x="838200" y="1825625"/>
-            <a:ext cx="5181600" cy="4351338"/>
+            <a:off x="471488" y="2434167"/>
+            <a:ext cx="2914650" cy="5801784"/>
           </a:xfrm>
         </p:spPr>
         <p:txBody>
@@ -1164,7 +1607,7 @@
               <a:rPr lang="en-US" smtClean="0"/>
               <a:t>Fifth level</a:t>
             </a:r>
-            <a:endParaRPr lang="en-US"/>
+            <a:endParaRPr lang="en-US" dirty="0"/>
           </a:p>
         </p:txBody>
       </p:sp>
@@ -1180,8 +1623,8 @@
         </p:nvSpPr>
         <p:spPr>
           <a:xfrm>
-            <a:off x="6172200" y="1825625"/>
-            <a:ext cx="5181600" cy="4351338"/>
+            <a:off x="3471863" y="2434167"/>
+            <a:ext cx="2914650" cy="5801784"/>
           </a:xfrm>
         </p:spPr>
         <p:txBody>
@@ -1221,7 +1664,7 @@
               <a:rPr lang="en-US" smtClean="0"/>
               <a:t>Fifth level</a:t>
             </a:r>
-            <a:endParaRPr lang="en-US"/>
+            <a:endParaRPr lang="en-US" dirty="0"/>
           </a:p>
         </p:txBody>
       </p:sp>
@@ -1293,7 +1736,7 @@
     </p:spTree>
     <p:extLst>
       <p:ext uri="{BB962C8B-B14F-4D97-AF65-F5344CB8AC3E}">
-        <p14:creationId xmlns:p14="http://schemas.microsoft.com/office/powerpoint/2010/main" val="38139753"/>
+        <p14:creationId xmlns:p14="http://schemas.microsoft.com/office/powerpoint/2010/main" val="2431754651"/>
       </p:ext>
     </p:extLst>
   </p:cSld>
@@ -1332,8 +1775,8 @@
         </p:nvSpPr>
         <p:spPr>
           <a:xfrm>
-            <a:off x="839788" y="365125"/>
-            <a:ext cx="10515600" cy="1325563"/>
+            <a:off x="472381" y="486836"/>
+            <a:ext cx="5915025" cy="1767417"/>
           </a:xfrm>
         </p:spPr>
         <p:txBody>
@@ -1344,7 +1787,7 @@
               <a:rPr lang="en-US" smtClean="0"/>
               <a:t>Click to edit Master title style</a:t>
             </a:r>
-            <a:endParaRPr lang="en-US"/>
+            <a:endParaRPr lang="en-US" dirty="0"/>
           </a:p>
         </p:txBody>
       </p:sp>
@@ -1360,8 +1803,8 @@
         </p:nvSpPr>
         <p:spPr>
           <a:xfrm>
-            <a:off x="839788" y="1681163"/>
-            <a:ext cx="5157787" cy="823912"/>
+            <a:off x="472381" y="2241551"/>
+            <a:ext cx="2901255" cy="1098549"/>
           </a:xfrm>
         </p:spPr>
         <p:txBody>
@@ -1369,39 +1812,39 @@
           <a:lstStyle>
             <a:lvl1pPr marL="0" indent="0">
               <a:buNone/>
-              <a:defRPr sz="2400" b="1"/>
+              <a:defRPr sz="1800" b="1"/>
             </a:lvl1pPr>
-            <a:lvl2pPr marL="457200" indent="0">
+            <a:lvl2pPr marL="342900" indent="0">
               <a:buNone/>
-              <a:defRPr sz="2000" b="1"/>
+              <a:defRPr sz="1500" b="1"/>
             </a:lvl2pPr>
-            <a:lvl3pPr marL="914400" indent="0">
+            <a:lvl3pPr marL="685800" indent="0">
               <a:buNone/>
-              <a:defRPr sz="1800" b="1"/>
+              <a:defRPr sz="1350" b="1"/>
             </a:lvl3pPr>
-            <a:lvl4pPr marL="1371600" indent="0">
+            <a:lvl4pPr marL="1028700" indent="0">
               <a:buNone/>
-              <a:defRPr sz="1600" b="1"/>
+              <a:defRPr sz="1200" b="1"/>
             </a:lvl4pPr>
-            <a:lvl5pPr marL="1828800" indent="0">
+            <a:lvl5pPr marL="1371600" indent="0">
               <a:buNone/>
-              <a:defRPr sz="1600" b="1"/>
+              <a:defRPr sz="1200" b="1"/>
             </a:lvl5pPr>
-            <a:lvl6pPr marL="2286000" indent="0">
+            <a:lvl6pPr marL="1714500" indent="0">
               <a:buNone/>
-              <a:defRPr sz="1600" b="1"/>
+              <a:defRPr sz="1200" b="1"/>
             </a:lvl6pPr>
-            <a:lvl7pPr marL="2743200" indent="0">
+            <a:lvl7pPr marL="2057400" indent="0">
               <a:buNone/>
-              <a:defRPr sz="1600" b="1"/>
+              <a:defRPr sz="1200" b="1"/>
             </a:lvl7pPr>
-            <a:lvl8pPr marL="3200400" indent="0">
+            <a:lvl8pPr marL="2400300" indent="0">
               <a:buNone/>
-              <a:defRPr sz="1600" b="1"/>
+              <a:defRPr sz="1200" b="1"/>
             </a:lvl8pPr>
-            <a:lvl9pPr marL="3657600" indent="0">
+            <a:lvl9pPr marL="2743200" indent="0">
               <a:buNone/>
-              <a:defRPr sz="1600" b="1"/>
+              <a:defRPr sz="1200" b="1"/>
             </a:lvl9pPr>
           </a:lstStyle>
           <a:p>
@@ -1425,8 +1868,8 @@
         </p:nvSpPr>
         <p:spPr>
           <a:xfrm>
-            <a:off x="839788" y="2505075"/>
-            <a:ext cx="5157787" cy="3684588"/>
+            <a:off x="472381" y="3340100"/>
+            <a:ext cx="2901255" cy="4912784"/>
           </a:xfrm>
         </p:spPr>
         <p:txBody>
@@ -1466,7 +1909,7 @@
               <a:rPr lang="en-US" smtClean="0"/>
               <a:t>Fifth level</a:t>
             </a:r>
-            <a:endParaRPr lang="en-US"/>
+            <a:endParaRPr lang="en-US" dirty="0"/>
           </a:p>
         </p:txBody>
       </p:sp>
@@ -1482,8 +1925,8 @@
         </p:nvSpPr>
         <p:spPr>
           <a:xfrm>
-            <a:off x="6172200" y="1681163"/>
-            <a:ext cx="5183188" cy="823912"/>
+            <a:off x="3471863" y="2241551"/>
+            <a:ext cx="2915543" cy="1098549"/>
           </a:xfrm>
         </p:spPr>
         <p:txBody>
@@ -1491,39 +1934,39 @@
           <a:lstStyle>
             <a:lvl1pPr marL="0" indent="0">
               <a:buNone/>
-              <a:defRPr sz="2400" b="1"/>
+              <a:defRPr sz="1800" b="1"/>
             </a:lvl1pPr>
-            <a:lvl2pPr marL="457200" indent="0">
+            <a:lvl2pPr marL="342900" indent="0">
               <a:buNone/>
-              <a:defRPr sz="2000" b="1"/>
+              <a:defRPr sz="1500" b="1"/>
             </a:lvl2pPr>
-            <a:lvl3pPr marL="914400" indent="0">
+            <a:lvl3pPr marL="685800" indent="0">
               <a:buNone/>
-              <a:defRPr sz="1800" b="1"/>
+              <a:defRPr sz="1350" b="1"/>
             </a:lvl3pPr>
-            <a:lvl4pPr marL="1371600" indent="0">
+            <a:lvl4pPr marL="1028700" indent="0">
               <a:buNone/>
-              <a:defRPr sz="1600" b="1"/>
+              <a:defRPr sz="1200" b="1"/>
             </a:lvl4pPr>
-            <a:lvl5pPr marL="1828800" indent="0">
+            <a:lvl5pPr marL="1371600" indent="0">
               <a:buNone/>
-              <a:defRPr sz="1600" b="1"/>
+              <a:defRPr sz="1200" b="1"/>
             </a:lvl5pPr>
-            <a:lvl6pPr marL="2286000" indent="0">
+            <a:lvl6pPr marL="1714500" indent="0">
               <a:buNone/>
-              <a:defRPr sz="1600" b="1"/>
+              <a:defRPr sz="1200" b="1"/>
             </a:lvl6pPr>
-            <a:lvl7pPr marL="2743200" indent="0">
+            <a:lvl7pPr marL="2057400" indent="0">
               <a:buNone/>
-              <a:defRPr sz="1600" b="1"/>
+              <a:defRPr sz="1200" b="1"/>
             </a:lvl7pPr>
-            <a:lvl8pPr marL="3200400" indent="0">
+            <a:lvl8pPr marL="2400300" indent="0">
               <a:buNone/>
-              <a:defRPr sz="1600" b="1"/>
+              <a:defRPr sz="1200" b="1"/>
             </a:lvl8pPr>
-            <a:lvl9pPr marL="3657600" indent="0">
+            <a:lvl9pPr marL="2743200" indent="0">
               <a:buNone/>
-              <a:defRPr sz="1600" b="1"/>
+              <a:defRPr sz="1200" b="1"/>
             </a:lvl9pPr>
           </a:lstStyle>
           <a:p>
@@ -1547,8 +1990,8 @@
         </p:nvSpPr>
         <p:spPr>
           <a:xfrm>
-            <a:off x="6172200" y="2505075"/>
-            <a:ext cx="5183188" cy="3684588"/>
+            <a:off x="3471863" y="3340100"/>
+            <a:ext cx="2915543" cy="4912784"/>
           </a:xfrm>
         </p:spPr>
         <p:txBody>
@@ -1588,7 +2031,7 @@
               <a:rPr lang="en-US" smtClean="0"/>
               <a:t>Fifth level</a:t>
             </a:r>
-            <a:endParaRPr lang="en-US"/>
+            <a:endParaRPr lang="en-US" dirty="0"/>
           </a:p>
         </p:txBody>
       </p:sp>
@@ -1660,7 +2103,7 @@
     </p:spTree>
     <p:extLst>
       <p:ext uri="{BB962C8B-B14F-4D97-AF65-F5344CB8AC3E}">
-        <p14:creationId xmlns:p14="http://schemas.microsoft.com/office/powerpoint/2010/main" val="1678229055"/>
+        <p14:creationId xmlns:p14="http://schemas.microsoft.com/office/powerpoint/2010/main" val="653744193"/>
       </p:ext>
     </p:extLst>
   </p:cSld>
@@ -1706,7 +2149,7 @@
               <a:rPr lang="en-US" smtClean="0"/>
               <a:t>Click to edit Master title style</a:t>
             </a:r>
-            <a:endParaRPr lang="en-US"/>
+            <a:endParaRPr lang="en-US" dirty="0"/>
           </a:p>
         </p:txBody>
       </p:sp>
@@ -1778,7 +2221,7 @@
     </p:spTree>
     <p:extLst>
       <p:ext uri="{BB962C8B-B14F-4D97-AF65-F5344CB8AC3E}">
-        <p14:creationId xmlns:p14="http://schemas.microsoft.com/office/powerpoint/2010/main" val="1946766173"/>
+        <p14:creationId xmlns:p14="http://schemas.microsoft.com/office/powerpoint/2010/main" val="203164773"/>
       </p:ext>
     </p:extLst>
   </p:cSld>
@@ -1873,7 +2316,7 @@
     </p:spTree>
     <p:extLst>
       <p:ext uri="{BB962C8B-B14F-4D97-AF65-F5344CB8AC3E}">
-        <p14:creationId xmlns:p14="http://schemas.microsoft.com/office/powerpoint/2010/main" val="1389911142"/>
+        <p14:creationId xmlns:p14="http://schemas.microsoft.com/office/powerpoint/2010/main" val="2494355472"/>
       </p:ext>
     </p:extLst>
   </p:cSld>
@@ -1912,15 +2355,15 @@
         </p:nvSpPr>
         <p:spPr>
           <a:xfrm>
-            <a:off x="839788" y="457200"/>
-            <a:ext cx="3932237" cy="1600200"/>
+            <a:off x="472381" y="609600"/>
+            <a:ext cx="2211884" cy="2133600"/>
           </a:xfrm>
         </p:spPr>
         <p:txBody>
           <a:bodyPr anchor="b"/>
           <a:lstStyle>
             <a:lvl1pPr>
-              <a:defRPr sz="3200"/>
+              <a:defRPr sz="2400"/>
             </a:lvl1pPr>
           </a:lstStyle>
           <a:p>
@@ -1928,7 +2371,7 @@
               <a:rPr lang="en-US" smtClean="0"/>
               <a:t>Click to edit Master title style</a:t>
             </a:r>
-            <a:endParaRPr lang="en-US"/>
+            <a:endParaRPr lang="en-US" dirty="0"/>
           </a:p>
         </p:txBody>
       </p:sp>
@@ -1944,39 +2387,39 @@
         </p:nvSpPr>
         <p:spPr>
           <a:xfrm>
-            <a:off x="5183188" y="987425"/>
-            <a:ext cx="6172200" cy="4873625"/>
+            <a:off x="2915543" y="1316569"/>
+            <a:ext cx="3471863" cy="6498167"/>
           </a:xfrm>
         </p:spPr>
         <p:txBody>
           <a:bodyPr/>
           <a:lstStyle>
             <a:lvl1pPr>
-              <a:defRPr sz="3200"/>
+              <a:defRPr sz="2400"/>
             </a:lvl1pPr>
             <a:lvl2pPr>
-              <a:defRPr sz="2800"/>
+              <a:defRPr sz="2100"/>
             </a:lvl2pPr>
             <a:lvl3pPr>
-              <a:defRPr sz="2400"/>
+              <a:defRPr sz="1800"/>
             </a:lvl3pPr>
             <a:lvl4pPr>
-              <a:defRPr sz="2000"/>
+              <a:defRPr sz="1500"/>
             </a:lvl4pPr>
             <a:lvl5pPr>
-              <a:defRPr sz="2000"/>
+              <a:defRPr sz="1500"/>
             </a:lvl5pPr>
             <a:lvl6pPr>
-              <a:defRPr sz="2000"/>
+              <a:defRPr sz="1500"/>
             </a:lvl6pPr>
             <a:lvl7pPr>
-              <a:defRPr sz="2000"/>
+              <a:defRPr sz="1500"/>
             </a:lvl7pPr>
             <a:lvl8pPr>
-              <a:defRPr sz="2000"/>
+              <a:defRPr sz="1500"/>
             </a:lvl8pPr>
             <a:lvl9pPr>
-              <a:defRPr sz="2000"/>
+              <a:defRPr sz="1500"/>
             </a:lvl9pPr>
           </a:lstStyle>
           <a:p>
@@ -2013,7 +2456,7 @@
               <a:rPr lang="en-US" smtClean="0"/>
               <a:t>Fifth level</a:t>
             </a:r>
-            <a:endParaRPr lang="en-US"/>
+            <a:endParaRPr lang="en-US" dirty="0"/>
           </a:p>
         </p:txBody>
       </p:sp>
@@ -2029,8 +2472,8 @@
         </p:nvSpPr>
         <p:spPr>
           <a:xfrm>
-            <a:off x="839788" y="2057400"/>
-            <a:ext cx="3932237" cy="3811588"/>
+            <a:off x="472381" y="2743200"/>
+            <a:ext cx="2211884" cy="5082117"/>
           </a:xfrm>
         </p:spPr>
         <p:txBody>
@@ -2038,39 +2481,39 @@
           <a:lstStyle>
             <a:lvl1pPr marL="0" indent="0">
               <a:buNone/>
-              <a:defRPr sz="1600"/>
+              <a:defRPr sz="1200"/>
             </a:lvl1pPr>
-            <a:lvl2pPr marL="457200" indent="0">
+            <a:lvl2pPr marL="342900" indent="0">
               <a:buNone/>
-              <a:defRPr sz="1400"/>
+              <a:defRPr sz="1050"/>
             </a:lvl2pPr>
-            <a:lvl3pPr marL="914400" indent="0">
+            <a:lvl3pPr marL="685800" indent="0">
               <a:buNone/>
-              <a:defRPr sz="1200"/>
+              <a:defRPr sz="900"/>
             </a:lvl3pPr>
-            <a:lvl4pPr marL="1371600" indent="0">
+            <a:lvl4pPr marL="1028700" indent="0">
               <a:buNone/>
-              <a:defRPr sz="1000"/>
+              <a:defRPr sz="750"/>
             </a:lvl4pPr>
-            <a:lvl5pPr marL="1828800" indent="0">
+            <a:lvl5pPr marL="1371600" indent="0">
               <a:buNone/>
-              <a:defRPr sz="1000"/>
+              <a:defRPr sz="750"/>
             </a:lvl5pPr>
-            <a:lvl6pPr marL="2286000" indent="0">
+            <a:lvl6pPr marL="1714500" indent="0">
               <a:buNone/>
-              <a:defRPr sz="1000"/>
+              <a:defRPr sz="750"/>
             </a:lvl6pPr>
-            <a:lvl7pPr marL="2743200" indent="0">
+            <a:lvl7pPr marL="2057400" indent="0">
               <a:buNone/>
-              <a:defRPr sz="1000"/>
+              <a:defRPr sz="750"/>
             </a:lvl7pPr>
-            <a:lvl8pPr marL="3200400" indent="0">
+            <a:lvl8pPr marL="2400300" indent="0">
               <a:buNone/>
-              <a:defRPr sz="1000"/>
+              <a:defRPr sz="750"/>
             </a:lvl8pPr>
-            <a:lvl9pPr marL="3657600" indent="0">
+            <a:lvl9pPr marL="2743200" indent="0">
               <a:buNone/>
-              <a:defRPr sz="1000"/>
+              <a:defRPr sz="750"/>
             </a:lvl9pPr>
           </a:lstStyle>
           <a:p>
@@ -2150,7 +2593,7 @@
     </p:spTree>
     <p:extLst>
       <p:ext uri="{BB962C8B-B14F-4D97-AF65-F5344CB8AC3E}">
-        <p14:creationId xmlns:p14="http://schemas.microsoft.com/office/powerpoint/2010/main" val="58235688"/>
+        <p14:creationId xmlns:p14="http://schemas.microsoft.com/office/powerpoint/2010/main" val="3739200496"/>
       </p:ext>
     </p:extLst>
   </p:cSld>
@@ -2189,15 +2632,15 @@
         </p:nvSpPr>
         <p:spPr>
           <a:xfrm>
-            <a:off x="839788" y="457200"/>
-            <a:ext cx="3932237" cy="1600200"/>
+            <a:off x="472381" y="609600"/>
+            <a:ext cx="2211884" cy="2133600"/>
           </a:xfrm>
         </p:spPr>
         <p:txBody>
           <a:bodyPr anchor="b"/>
           <a:lstStyle>
             <a:lvl1pPr>
-              <a:defRPr sz="3200"/>
+              <a:defRPr sz="2400"/>
             </a:lvl1pPr>
           </a:lstStyle>
           <a:p>
@@ -2205,7 +2648,7 @@
               <a:rPr lang="en-US" smtClean="0"/>
               <a:t>Click to edit Master title style</a:t>
             </a:r>
-            <a:endParaRPr lang="en-US"/>
+            <a:endParaRPr lang="en-US" dirty="0"/>
           </a:p>
         </p:txBody>
       </p:sp>
@@ -2213,7 +2656,7 @@
         <p:nvSpPr>
           <p:cNvPr id="3" name="Picture Placeholder 2"/>
           <p:cNvSpPr>
-            <a:spLocks noGrp="1"/>
+            <a:spLocks noGrp="1" noChangeAspect="1"/>
           </p:cNvSpPr>
           <p:nvPr>
             <p:ph type="pic" idx="1"/>
@@ -2221,52 +2664,56 @@
         </p:nvSpPr>
         <p:spPr>
           <a:xfrm>
-            <a:off x="5183188" y="987425"/>
-            <a:ext cx="6172200" cy="4873625"/>
+            <a:off x="2915543" y="1316569"/>
+            <a:ext cx="3471863" cy="6498167"/>
           </a:xfrm>
         </p:spPr>
         <p:txBody>
-          <a:bodyPr/>
+          <a:bodyPr anchor="t"/>
           <a:lstStyle>
             <a:lvl1pPr marL="0" indent="0">
               <a:buNone/>
-              <a:defRPr sz="3200"/>
+              <a:defRPr sz="2400"/>
             </a:lvl1pPr>
-            <a:lvl2pPr marL="457200" indent="0">
+            <a:lvl2pPr marL="342900" indent="0">
               <a:buNone/>
-              <a:defRPr sz="2800"/>
+              <a:defRPr sz="2100"/>
             </a:lvl2pPr>
-            <a:lvl3pPr marL="914400" indent="0">
+            <a:lvl3pPr marL="685800" indent="0">
               <a:buNone/>
-              <a:defRPr sz="2400"/>
+              <a:defRPr sz="1800"/>
             </a:lvl3pPr>
-            <a:lvl4pPr marL="1371600" indent="0">
+            <a:lvl4pPr marL="1028700" indent="0">
               <a:buNone/>
-              <a:defRPr sz="2000"/>
+              <a:defRPr sz="1500"/>
             </a:lvl4pPr>
-            <a:lvl5pPr marL="1828800" indent="0">
+            <a:lvl5pPr marL="1371600" indent="0">
               <a:buNone/>
-              <a:defRPr sz="2000"/>
+              <a:defRPr sz="1500"/>
             </a:lvl5pPr>
-            <a:lvl6pPr marL="2286000" indent="0">
+            <a:lvl6pPr marL="1714500" indent="0">
               <a:buNone/>
-              <a:defRPr sz="2000"/>
+              <a:defRPr sz="1500"/>
             </a:lvl6pPr>
-            <a:lvl7pPr marL="2743200" indent="0">
+            <a:lvl7pPr marL="2057400" indent="0">
               <a:buNone/>
-              <a:defRPr sz="2000"/>
+              <a:defRPr sz="1500"/>
             </a:lvl7pPr>
-            <a:lvl8pPr marL="3200400" indent="0">
+            <a:lvl8pPr marL="2400300" indent="0">
               <a:buNone/>
-              <a:defRPr sz="2000"/>
+              <a:defRPr sz="1500"/>
             </a:lvl8pPr>
-            <a:lvl9pPr marL="3657600" indent="0">
+            <a:lvl9pPr marL="2743200" indent="0">
               <a:buNone/>
-              <a:defRPr sz="2000"/>
+              <a:defRPr sz="1500"/>
             </a:lvl9pPr>
           </a:lstStyle>
           <a:p>
-            <a:endParaRPr lang="en-US"/>
+            <a:r>
+              <a:rPr lang="en-US" smtClean="0"/>
+              <a:t>Click icon to add picture</a:t>
+            </a:r>
+            <a:endParaRPr lang="en-US" dirty="0"/>
           </a:p>
         </p:txBody>
       </p:sp>
@@ -2282,8 +2729,8 @@
         </p:nvSpPr>
         <p:spPr>
           <a:xfrm>
-            <a:off x="839788" y="2057400"/>
-            <a:ext cx="3932237" cy="3811588"/>
+            <a:off x="472381" y="2743200"/>
+            <a:ext cx="2211884" cy="5082117"/>
           </a:xfrm>
         </p:spPr>
         <p:txBody>
@@ -2291,39 +2738,39 @@
           <a:lstStyle>
             <a:lvl1pPr marL="0" indent="0">
               <a:buNone/>
-              <a:defRPr sz="1600"/>
+              <a:defRPr sz="1200"/>
             </a:lvl1pPr>
-            <a:lvl2pPr marL="457200" indent="0">
+            <a:lvl2pPr marL="342900" indent="0">
               <a:buNone/>
-              <a:defRPr sz="1400"/>
+              <a:defRPr sz="1050"/>
             </a:lvl2pPr>
-            <a:lvl3pPr marL="914400" indent="0">
+            <a:lvl3pPr marL="685800" indent="0">
               <a:buNone/>
-              <a:defRPr sz="1200"/>
+              <a:defRPr sz="900"/>
             </a:lvl3pPr>
-            <a:lvl4pPr marL="1371600" indent="0">
+            <a:lvl4pPr marL="1028700" indent="0">
               <a:buNone/>
-              <a:defRPr sz="1000"/>
+              <a:defRPr sz="750"/>
             </a:lvl4pPr>
-            <a:lvl5pPr marL="1828800" indent="0">
+            <a:lvl5pPr marL="1371600" indent="0">
               <a:buNone/>
-              <a:defRPr sz="1000"/>
+              <a:defRPr sz="750"/>
             </a:lvl5pPr>
-            <a:lvl6pPr marL="2286000" indent="0">
+            <a:lvl6pPr marL="1714500" indent="0">
               <a:buNone/>
-              <a:defRPr sz="1000"/>
+              <a:defRPr sz="750"/>
             </a:lvl6pPr>
-            <a:lvl7pPr marL="2743200" indent="0">
+            <a:lvl7pPr marL="2057400" indent="0">
               <a:buNone/>
-              <a:defRPr sz="1000"/>
+              <a:defRPr sz="750"/>
             </a:lvl7pPr>
-            <a:lvl8pPr marL="3200400" indent="0">
+            <a:lvl8pPr marL="2400300" indent="0">
               <a:buNone/>
-              <a:defRPr sz="1000"/>
+              <a:defRPr sz="750"/>
             </a:lvl8pPr>
-            <a:lvl9pPr marL="3657600" indent="0">
+            <a:lvl9pPr marL="2743200" indent="0">
               <a:buNone/>
-              <a:defRPr sz="1000"/>
+              <a:defRPr sz="750"/>
             </a:lvl9pPr>
           </a:lstStyle>
           <a:p>
@@ -2403,7 +2850,7 @@
     </p:spTree>
     <p:extLst>
       <p:ext uri="{BB962C8B-B14F-4D97-AF65-F5344CB8AC3E}">
-        <p14:creationId xmlns:p14="http://schemas.microsoft.com/office/powerpoint/2010/main" val="179733995"/>
+        <p14:creationId xmlns:p14="http://schemas.microsoft.com/office/powerpoint/2010/main" val="3235529770"/>
       </p:ext>
     </p:extLst>
   </p:cSld>
@@ -2447,8 +2894,8 @@
         </p:nvSpPr>
         <p:spPr>
           <a:xfrm>
-            <a:off x="838200" y="365125"/>
-            <a:ext cx="10515600" cy="1325563"/>
+            <a:off x="471488" y="486836"/>
+            <a:ext cx="5915025" cy="1767417"/>
           </a:xfrm>
           <a:prstGeom prst="rect">
             <a:avLst/>
@@ -2464,7 +2911,7 @@
               <a:rPr lang="en-US" smtClean="0"/>
               <a:t>Click to edit Master title style</a:t>
             </a:r>
-            <a:endParaRPr lang="en-US"/>
+            <a:endParaRPr lang="en-US" dirty="0"/>
           </a:p>
         </p:txBody>
       </p:sp>
@@ -2480,8 +2927,8 @@
         </p:nvSpPr>
         <p:spPr>
           <a:xfrm>
-            <a:off x="838200" y="1825625"/>
-            <a:ext cx="10515600" cy="4351338"/>
+            <a:off x="471488" y="2434167"/>
+            <a:ext cx="5915025" cy="5801784"/>
           </a:xfrm>
           <a:prstGeom prst="rect">
             <a:avLst/>
@@ -2526,7 +2973,7 @@
               <a:rPr lang="en-US" smtClean="0"/>
               <a:t>Fifth level</a:t>
             </a:r>
-            <a:endParaRPr lang="en-US"/>
+            <a:endParaRPr lang="en-US" dirty="0"/>
           </a:p>
         </p:txBody>
       </p:sp>
@@ -2542,8 +2989,8 @@
         </p:nvSpPr>
         <p:spPr>
           <a:xfrm>
-            <a:off x="838200" y="6356350"/>
-            <a:ext cx="2743200" cy="365125"/>
+            <a:off x="471488" y="8475136"/>
+            <a:ext cx="1543050" cy="486833"/>
           </a:xfrm>
           <a:prstGeom prst="rect">
             <a:avLst/>
@@ -2553,7 +3000,7 @@
           <a:bodyPr vert="horz" lIns="91440" tIns="45720" rIns="91440" bIns="45720" rtlCol="0" anchor="ctr"/>
           <a:lstStyle>
             <a:lvl1pPr algn="l">
-              <a:defRPr sz="1200">
+              <a:defRPr sz="900">
                 <a:solidFill>
                   <a:schemeClr val="tx1">
                     <a:tint val="75000"/>
@@ -2583,8 +3030,8 @@
         </p:nvSpPr>
         <p:spPr>
           <a:xfrm>
-            <a:off x="4038600" y="6356350"/>
-            <a:ext cx="4114800" cy="365125"/>
+            <a:off x="2271713" y="8475136"/>
+            <a:ext cx="2314575" cy="486833"/>
           </a:xfrm>
           <a:prstGeom prst="rect">
             <a:avLst/>
@@ -2594,7 +3041,7 @@
           <a:bodyPr vert="horz" lIns="91440" tIns="45720" rIns="91440" bIns="45720" rtlCol="0" anchor="ctr"/>
           <a:lstStyle>
             <a:lvl1pPr algn="ctr">
-              <a:defRPr sz="1200">
+              <a:defRPr sz="900">
                 <a:solidFill>
                   <a:schemeClr val="tx1">
                     <a:tint val="75000"/>
@@ -2620,8 +3067,8 @@
         </p:nvSpPr>
         <p:spPr>
           <a:xfrm>
-            <a:off x="8610600" y="6356350"/>
-            <a:ext cx="2743200" cy="365125"/>
+            <a:off x="4843463" y="8475136"/>
+            <a:ext cx="1543050" cy="486833"/>
           </a:xfrm>
           <a:prstGeom prst="rect">
             <a:avLst/>
@@ -2631,7 +3078,7 @@
           <a:bodyPr vert="horz" lIns="91440" tIns="45720" rIns="91440" bIns="45720" rtlCol="0" anchor="ctr"/>
           <a:lstStyle>
             <a:lvl1pPr algn="r">
-              <a:defRPr sz="1200">
+              <a:defRPr sz="900">
                 <a:solidFill>
                   <a:schemeClr val="tx1">
                     <a:tint val="75000"/>
@@ -2652,27 +3099,27 @@
     </p:spTree>
     <p:extLst>
       <p:ext uri="{BB962C8B-B14F-4D97-AF65-F5344CB8AC3E}">
-        <p14:creationId xmlns:p14="http://schemas.microsoft.com/office/powerpoint/2010/main" val="1567897819"/>
+        <p14:creationId xmlns:p14="http://schemas.microsoft.com/office/powerpoint/2010/main" val="3960598970"/>
       </p:ext>
     </p:extLst>
   </p:cSld>
   <p:clrMap bg1="lt1" tx1="dk1" bg2="lt2" tx2="dk2" accent1="accent1" accent2="accent2" accent3="accent3" accent4="accent4" accent5="accent5" accent6="accent6" hlink="hlink" folHlink="folHlink"/>
   <p:sldLayoutIdLst>
-    <p:sldLayoutId id="2147483649" r:id="rId1"/>
-    <p:sldLayoutId id="2147483650" r:id="rId2"/>
-    <p:sldLayoutId id="2147483651" r:id="rId3"/>
-    <p:sldLayoutId id="2147483652" r:id="rId4"/>
-    <p:sldLayoutId id="2147483653" r:id="rId5"/>
-    <p:sldLayoutId id="2147483654" r:id="rId6"/>
-    <p:sldLayoutId id="2147483655" r:id="rId7"/>
-    <p:sldLayoutId id="2147483656" r:id="rId8"/>
-    <p:sldLayoutId id="2147483657" r:id="rId9"/>
-    <p:sldLayoutId id="2147483658" r:id="rId10"/>
-    <p:sldLayoutId id="2147483659" r:id="rId11"/>
+    <p:sldLayoutId id="2147483673" r:id="rId1"/>
+    <p:sldLayoutId id="2147483674" r:id="rId2"/>
+    <p:sldLayoutId id="2147483675" r:id="rId3"/>
+    <p:sldLayoutId id="2147483676" r:id="rId4"/>
+    <p:sldLayoutId id="2147483677" r:id="rId5"/>
+    <p:sldLayoutId id="2147483678" r:id="rId6"/>
+    <p:sldLayoutId id="2147483679" r:id="rId7"/>
+    <p:sldLayoutId id="2147483680" r:id="rId8"/>
+    <p:sldLayoutId id="2147483681" r:id="rId9"/>
+    <p:sldLayoutId id="2147483682" r:id="rId10"/>
+    <p:sldLayoutId id="2147483683" r:id="rId11"/>
   </p:sldLayoutIdLst>
   <p:txStyles>
     <p:titleStyle>
-      <a:lvl1pPr algn="l" defTabSz="914400" rtl="0" eaLnBrk="1" latinLnBrk="0" hangingPunct="1">
+      <a:lvl1pPr algn="l" defTabSz="685800" rtl="0" eaLnBrk="1" latinLnBrk="0" hangingPunct="1">
         <a:lnSpc>
           <a:spcPct val="90000"/>
         </a:lnSpc>
@@ -2680,7 +3127,7 @@
           <a:spcPct val="0"/>
         </a:spcBef>
         <a:buNone/>
-        <a:defRPr sz="4400" kern="1200">
+        <a:defRPr sz="3300" kern="1200">
           <a:solidFill>
             <a:schemeClr val="tx1"/>
           </a:solidFill>
@@ -2691,16 +3138,16 @@
       </a:lvl1pPr>
     </p:titleStyle>
     <p:bodyStyle>
-      <a:lvl1pPr marL="228600" indent="-228600" algn="l" defTabSz="914400" rtl="0" eaLnBrk="1" latinLnBrk="0" hangingPunct="1">
+      <a:lvl1pPr marL="171450" indent="-171450" algn="l" defTabSz="685800" rtl="0" eaLnBrk="1" latinLnBrk="0" hangingPunct="1">
         <a:lnSpc>
           <a:spcPct val="90000"/>
         </a:lnSpc>
         <a:spcBef>
-          <a:spcPts val="1000"/>
+          <a:spcPts val="750"/>
         </a:spcBef>
         <a:buFont typeface="Arial" panose="020B0604020202020204" pitchFamily="34" charset="0"/>
         <a:buChar char="•"/>
-        <a:defRPr sz="2800" kern="1200">
+        <a:defRPr sz="2100" kern="1200">
           <a:solidFill>
             <a:schemeClr val="tx1"/>
           </a:solidFill>
@@ -2709,48 +3156,12 @@
           <a:cs typeface="+mn-cs"/>
         </a:defRPr>
       </a:lvl1pPr>
-      <a:lvl2pPr marL="685800" indent="-228600" algn="l" defTabSz="914400" rtl="0" eaLnBrk="1" latinLnBrk="0" hangingPunct="1">
+      <a:lvl2pPr marL="514350" indent="-171450" algn="l" defTabSz="685800" rtl="0" eaLnBrk="1" latinLnBrk="0" hangingPunct="1">
         <a:lnSpc>
           <a:spcPct val="90000"/>
         </a:lnSpc>
         <a:spcBef>
-          <a:spcPts val="500"/>
-        </a:spcBef>
-        <a:buFont typeface="Arial" panose="020B0604020202020204" pitchFamily="34" charset="0"/>
-        <a:buChar char="•"/>
-        <a:defRPr sz="2400" kern="1200">
-          <a:solidFill>
-            <a:schemeClr val="tx1"/>
-          </a:solidFill>
-          <a:latin typeface="+mn-lt"/>
-          <a:ea typeface="+mn-ea"/>
-          <a:cs typeface="+mn-cs"/>
-        </a:defRPr>
-      </a:lvl2pPr>
-      <a:lvl3pPr marL="1143000" indent="-228600" algn="l" defTabSz="914400" rtl="0" eaLnBrk="1" latinLnBrk="0" hangingPunct="1">
-        <a:lnSpc>
-          <a:spcPct val="90000"/>
-        </a:lnSpc>
-        <a:spcBef>
-          <a:spcPts val="500"/>
-        </a:spcBef>
-        <a:buFont typeface="Arial" panose="020B0604020202020204" pitchFamily="34" charset="0"/>
-        <a:buChar char="•"/>
-        <a:defRPr sz="2000" kern="1200">
-          <a:solidFill>
-            <a:schemeClr val="tx1"/>
-          </a:solidFill>
-          <a:latin typeface="+mn-lt"/>
-          <a:ea typeface="+mn-ea"/>
-          <a:cs typeface="+mn-cs"/>
-        </a:defRPr>
-      </a:lvl3pPr>
-      <a:lvl4pPr marL="1600200" indent="-228600" algn="l" defTabSz="914400" rtl="0" eaLnBrk="1" latinLnBrk="0" hangingPunct="1">
-        <a:lnSpc>
-          <a:spcPct val="90000"/>
-        </a:lnSpc>
-        <a:spcBef>
-          <a:spcPts val="500"/>
+          <a:spcPts val="375"/>
         </a:spcBef>
         <a:buFont typeface="Arial" panose="020B0604020202020204" pitchFamily="34" charset="0"/>
         <a:buChar char="•"/>
@@ -2762,17 +3173,53 @@
           <a:ea typeface="+mn-ea"/>
           <a:cs typeface="+mn-cs"/>
         </a:defRPr>
-      </a:lvl4pPr>
-      <a:lvl5pPr marL="2057400" indent="-228600" algn="l" defTabSz="914400" rtl="0" eaLnBrk="1" latinLnBrk="0" hangingPunct="1">
+      </a:lvl2pPr>
+      <a:lvl3pPr marL="857250" indent="-171450" algn="l" defTabSz="685800" rtl="0" eaLnBrk="1" latinLnBrk="0" hangingPunct="1">
         <a:lnSpc>
           <a:spcPct val="90000"/>
         </a:lnSpc>
         <a:spcBef>
-          <a:spcPts val="500"/>
+          <a:spcPts val="375"/>
         </a:spcBef>
         <a:buFont typeface="Arial" panose="020B0604020202020204" pitchFamily="34" charset="0"/>
         <a:buChar char="•"/>
-        <a:defRPr sz="1800" kern="1200">
+        <a:defRPr sz="1500" kern="1200">
+          <a:solidFill>
+            <a:schemeClr val="tx1"/>
+          </a:solidFill>
+          <a:latin typeface="+mn-lt"/>
+          <a:ea typeface="+mn-ea"/>
+          <a:cs typeface="+mn-cs"/>
+        </a:defRPr>
+      </a:lvl3pPr>
+      <a:lvl4pPr marL="1200150" indent="-171450" algn="l" defTabSz="685800" rtl="0" eaLnBrk="1" latinLnBrk="0" hangingPunct="1">
+        <a:lnSpc>
+          <a:spcPct val="90000"/>
+        </a:lnSpc>
+        <a:spcBef>
+          <a:spcPts val="375"/>
+        </a:spcBef>
+        <a:buFont typeface="Arial" panose="020B0604020202020204" pitchFamily="34" charset="0"/>
+        <a:buChar char="•"/>
+        <a:defRPr sz="1350" kern="1200">
+          <a:solidFill>
+            <a:schemeClr val="tx1"/>
+          </a:solidFill>
+          <a:latin typeface="+mn-lt"/>
+          <a:ea typeface="+mn-ea"/>
+          <a:cs typeface="+mn-cs"/>
+        </a:defRPr>
+      </a:lvl4pPr>
+      <a:lvl5pPr marL="1543050" indent="-171450" algn="l" defTabSz="685800" rtl="0" eaLnBrk="1" latinLnBrk="0" hangingPunct="1">
+        <a:lnSpc>
+          <a:spcPct val="90000"/>
+        </a:lnSpc>
+        <a:spcBef>
+          <a:spcPts val="375"/>
+        </a:spcBef>
+        <a:buFont typeface="Arial" panose="020B0604020202020204" pitchFamily="34" charset="0"/>
+        <a:buChar char="•"/>
+        <a:defRPr sz="1350" kern="1200">
           <a:solidFill>
             <a:schemeClr val="tx1"/>
           </a:solidFill>
@@ -2781,16 +3228,16 @@
           <a:cs typeface="+mn-cs"/>
         </a:defRPr>
       </a:lvl5pPr>
-      <a:lvl6pPr marL="2514600" indent="-228600" algn="l" defTabSz="914400" rtl="0" eaLnBrk="1" latinLnBrk="0" hangingPunct="1">
+      <a:lvl6pPr marL="1885950" indent="-171450" algn="l" defTabSz="685800" rtl="0" eaLnBrk="1" latinLnBrk="0" hangingPunct="1">
         <a:lnSpc>
           <a:spcPct val="90000"/>
         </a:lnSpc>
         <a:spcBef>
-          <a:spcPts val="500"/>
+          <a:spcPts val="375"/>
         </a:spcBef>
         <a:buFont typeface="Arial" panose="020B0604020202020204" pitchFamily="34" charset="0"/>
         <a:buChar char="•"/>
-        <a:defRPr sz="1800" kern="1200">
+        <a:defRPr sz="1350" kern="1200">
           <a:solidFill>
             <a:schemeClr val="tx1"/>
           </a:solidFill>
@@ -2799,16 +3246,16 @@
           <a:cs typeface="+mn-cs"/>
         </a:defRPr>
       </a:lvl6pPr>
-      <a:lvl7pPr marL="2971800" indent="-228600" algn="l" defTabSz="914400" rtl="0" eaLnBrk="1" latinLnBrk="0" hangingPunct="1">
+      <a:lvl7pPr marL="2228850" indent="-171450" algn="l" defTabSz="685800" rtl="0" eaLnBrk="1" latinLnBrk="0" hangingPunct="1">
         <a:lnSpc>
           <a:spcPct val="90000"/>
         </a:lnSpc>
         <a:spcBef>
-          <a:spcPts val="500"/>
+          <a:spcPts val="375"/>
         </a:spcBef>
         <a:buFont typeface="Arial" panose="020B0604020202020204" pitchFamily="34" charset="0"/>
         <a:buChar char="•"/>
-        <a:defRPr sz="1800" kern="1200">
+        <a:defRPr sz="1350" kern="1200">
           <a:solidFill>
             <a:schemeClr val="tx1"/>
           </a:solidFill>
@@ -2817,16 +3264,16 @@
           <a:cs typeface="+mn-cs"/>
         </a:defRPr>
       </a:lvl7pPr>
-      <a:lvl8pPr marL="3429000" indent="-228600" algn="l" defTabSz="914400" rtl="0" eaLnBrk="1" latinLnBrk="0" hangingPunct="1">
+      <a:lvl8pPr marL="2571750" indent="-171450" algn="l" defTabSz="685800" rtl="0" eaLnBrk="1" latinLnBrk="0" hangingPunct="1">
         <a:lnSpc>
           <a:spcPct val="90000"/>
         </a:lnSpc>
         <a:spcBef>
-          <a:spcPts val="500"/>
+          <a:spcPts val="375"/>
         </a:spcBef>
         <a:buFont typeface="Arial" panose="020B0604020202020204" pitchFamily="34" charset="0"/>
         <a:buChar char="•"/>
-        <a:defRPr sz="1800" kern="1200">
+        <a:defRPr sz="1350" kern="1200">
           <a:solidFill>
             <a:schemeClr val="tx1"/>
           </a:solidFill>
@@ -2835,16 +3282,16 @@
           <a:cs typeface="+mn-cs"/>
         </a:defRPr>
       </a:lvl8pPr>
-      <a:lvl9pPr marL="3886200" indent="-228600" algn="l" defTabSz="914400" rtl="0" eaLnBrk="1" latinLnBrk="0" hangingPunct="1">
+      <a:lvl9pPr marL="2914650" indent="-171450" algn="l" defTabSz="685800" rtl="0" eaLnBrk="1" latinLnBrk="0" hangingPunct="1">
         <a:lnSpc>
           <a:spcPct val="90000"/>
         </a:lnSpc>
         <a:spcBef>
-          <a:spcPts val="500"/>
+          <a:spcPts val="375"/>
         </a:spcBef>
         <a:buFont typeface="Arial" panose="020B0604020202020204" pitchFamily="34" charset="0"/>
         <a:buChar char="•"/>
-        <a:defRPr sz="1800" kern="1200">
+        <a:defRPr sz="1350" kern="1200">
           <a:solidFill>
             <a:schemeClr val="tx1"/>
           </a:solidFill>
@@ -2858,8 +3305,8 @@
       <a:defPPr>
         <a:defRPr lang="en-US"/>
       </a:defPPr>
-      <a:lvl1pPr marL="0" algn="l" defTabSz="914400" rtl="0" eaLnBrk="1" latinLnBrk="0" hangingPunct="1">
-        <a:defRPr sz="1800" kern="1200">
+      <a:lvl1pPr marL="0" algn="l" defTabSz="685800" rtl="0" eaLnBrk="1" latinLnBrk="0" hangingPunct="1">
+        <a:defRPr sz="1350" kern="1200">
           <a:solidFill>
             <a:schemeClr val="tx1"/>
           </a:solidFill>
@@ -2868,8 +3315,8 @@
           <a:cs typeface="+mn-cs"/>
         </a:defRPr>
       </a:lvl1pPr>
-      <a:lvl2pPr marL="457200" algn="l" defTabSz="914400" rtl="0" eaLnBrk="1" latinLnBrk="0" hangingPunct="1">
-        <a:defRPr sz="1800" kern="1200">
+      <a:lvl2pPr marL="342900" algn="l" defTabSz="685800" rtl="0" eaLnBrk="1" latinLnBrk="0" hangingPunct="1">
+        <a:defRPr sz="1350" kern="1200">
           <a:solidFill>
             <a:schemeClr val="tx1"/>
           </a:solidFill>
@@ -2878,8 +3325,8 @@
           <a:cs typeface="+mn-cs"/>
         </a:defRPr>
       </a:lvl2pPr>
-      <a:lvl3pPr marL="914400" algn="l" defTabSz="914400" rtl="0" eaLnBrk="1" latinLnBrk="0" hangingPunct="1">
-        <a:defRPr sz="1800" kern="1200">
+      <a:lvl3pPr marL="685800" algn="l" defTabSz="685800" rtl="0" eaLnBrk="1" latinLnBrk="0" hangingPunct="1">
+        <a:defRPr sz="1350" kern="1200">
           <a:solidFill>
             <a:schemeClr val="tx1"/>
           </a:solidFill>
@@ -2888,8 +3335,8 @@
           <a:cs typeface="+mn-cs"/>
         </a:defRPr>
       </a:lvl3pPr>
-      <a:lvl4pPr marL="1371600" algn="l" defTabSz="914400" rtl="0" eaLnBrk="1" latinLnBrk="0" hangingPunct="1">
-        <a:defRPr sz="1800" kern="1200">
+      <a:lvl4pPr marL="1028700" algn="l" defTabSz="685800" rtl="0" eaLnBrk="1" latinLnBrk="0" hangingPunct="1">
+        <a:defRPr sz="1350" kern="1200">
           <a:solidFill>
             <a:schemeClr val="tx1"/>
           </a:solidFill>
@@ -2898,8 +3345,8 @@
           <a:cs typeface="+mn-cs"/>
         </a:defRPr>
       </a:lvl4pPr>
-      <a:lvl5pPr marL="1828800" algn="l" defTabSz="914400" rtl="0" eaLnBrk="1" latinLnBrk="0" hangingPunct="1">
-        <a:defRPr sz="1800" kern="1200">
+      <a:lvl5pPr marL="1371600" algn="l" defTabSz="685800" rtl="0" eaLnBrk="1" latinLnBrk="0" hangingPunct="1">
+        <a:defRPr sz="1350" kern="1200">
           <a:solidFill>
             <a:schemeClr val="tx1"/>
           </a:solidFill>
@@ -2908,8 +3355,8 @@
           <a:cs typeface="+mn-cs"/>
         </a:defRPr>
       </a:lvl5pPr>
-      <a:lvl6pPr marL="2286000" algn="l" defTabSz="914400" rtl="0" eaLnBrk="1" latinLnBrk="0" hangingPunct="1">
-        <a:defRPr sz="1800" kern="1200">
+      <a:lvl6pPr marL="1714500" algn="l" defTabSz="685800" rtl="0" eaLnBrk="1" latinLnBrk="0" hangingPunct="1">
+        <a:defRPr sz="1350" kern="1200">
           <a:solidFill>
             <a:schemeClr val="tx1"/>
           </a:solidFill>
@@ -2918,8 +3365,8 @@
           <a:cs typeface="+mn-cs"/>
         </a:defRPr>
       </a:lvl6pPr>
-      <a:lvl7pPr marL="2743200" algn="l" defTabSz="914400" rtl="0" eaLnBrk="1" latinLnBrk="0" hangingPunct="1">
-        <a:defRPr sz="1800" kern="1200">
+      <a:lvl7pPr marL="2057400" algn="l" defTabSz="685800" rtl="0" eaLnBrk="1" latinLnBrk="0" hangingPunct="1">
+        <a:defRPr sz="1350" kern="1200">
           <a:solidFill>
             <a:schemeClr val="tx1"/>
           </a:solidFill>
@@ -2928,8 +3375,8 @@
           <a:cs typeface="+mn-cs"/>
         </a:defRPr>
       </a:lvl7pPr>
-      <a:lvl8pPr marL="3200400" algn="l" defTabSz="914400" rtl="0" eaLnBrk="1" latinLnBrk="0" hangingPunct="1">
-        <a:defRPr sz="1800" kern="1200">
+      <a:lvl8pPr marL="2400300" algn="l" defTabSz="685800" rtl="0" eaLnBrk="1" latinLnBrk="0" hangingPunct="1">
+        <a:defRPr sz="1350" kern="1200">
           <a:solidFill>
             <a:schemeClr val="tx1"/>
           </a:solidFill>
@@ -2938,8 +3385,8 @@
           <a:cs typeface="+mn-cs"/>
         </a:defRPr>
       </a:lvl8pPr>
-      <a:lvl9pPr marL="3657600" algn="l" defTabSz="914400" rtl="0" eaLnBrk="1" latinLnBrk="0" hangingPunct="1">
-        <a:defRPr sz="1800" kern="1200">
+      <a:lvl9pPr marL="2743200" algn="l" defTabSz="685800" rtl="0" eaLnBrk="1" latinLnBrk="0" hangingPunct="1">
+        <a:defRPr sz="1350" kern="1200">
           <a:solidFill>
             <a:schemeClr val="tx1"/>
           </a:solidFill>
@@ -2978,8 +3425,8 @@
         </p:nvGrpSpPr>
         <p:grpSpPr>
           <a:xfrm>
-            <a:off x="2425764" y="-95250"/>
-            <a:ext cx="5896316" cy="7086600"/>
+            <a:off x="676323" y="1928813"/>
+            <a:ext cx="4422237" cy="5314950"/>
             <a:chOff x="606489" y="-961053"/>
             <a:chExt cx="5896316" cy="7086600"/>
           </a:xfrm>
@@ -3075,8 +3522,8 @@
         </p:nvSpPr>
         <p:spPr bwMode="auto">
           <a:xfrm>
-            <a:off x="606489" y="-1418253"/>
-            <a:ext cx="12192000" cy="457200"/>
+            <a:off x="-688133" y="-1030739"/>
+            <a:ext cx="138564" cy="276999"/>
           </a:xfrm>
           <a:prstGeom prst="rect">
             <a:avLst/>
@@ -3116,7 +3563,7 @@
           </a:extLst>
         </p:spPr>
         <p:txBody>
-          <a:bodyPr vert="horz" wrap="none" lIns="91440" tIns="45720" rIns="91440" bIns="45720" numCol="1" anchor="ctr" anchorCtr="0" compatLnSpc="1">
+          <a:bodyPr vert="horz" wrap="none" lIns="68580" tIns="34290" rIns="68580" bIns="34290" numCol="1" anchor="ctr" anchorCtr="0" compatLnSpc="1">
             <a:prstTxWarp prst="textNoShape">
               <a:avLst/>
             </a:prstTxWarp>
@@ -3124,7 +3571,7 @@
           </a:bodyPr>
           <a:lstStyle/>
           <a:p>
-            <a:endParaRPr lang="en-US"/>
+            <a:endParaRPr lang="en-US" sz="1350"/>
           </a:p>
         </p:txBody>
       </p:sp>
@@ -3138,8 +3585,8 @@
         </p:nvSpPr>
         <p:spPr bwMode="auto">
           <a:xfrm>
-            <a:off x="606489" y="4201497"/>
-            <a:ext cx="12192000" cy="457200"/>
+            <a:off x="-688133" y="5184324"/>
+            <a:ext cx="138564" cy="276999"/>
           </a:xfrm>
           <a:prstGeom prst="rect">
             <a:avLst/>
@@ -3179,7 +3626,7 @@
           </a:extLst>
         </p:spPr>
         <p:txBody>
-          <a:bodyPr vert="horz" wrap="none" lIns="91440" tIns="45720" rIns="91440" bIns="45720" numCol="1" anchor="ctr" anchorCtr="0" compatLnSpc="1">
+          <a:bodyPr vert="horz" wrap="none" lIns="68580" tIns="34290" rIns="68580" bIns="34290" numCol="1" anchor="ctr" anchorCtr="0" compatLnSpc="1">
             <a:prstTxWarp prst="textNoShape">
               <a:avLst/>
             </a:prstTxWarp>
@@ -3187,7 +3634,7 @@
           </a:bodyPr>
           <a:lstStyle/>
           <a:p>
-            <a:endParaRPr lang="en-US"/>
+            <a:endParaRPr lang="en-US" sz="1350"/>
           </a:p>
         </p:txBody>
       </p:sp>
@@ -3229,8 +3676,8 @@
         </p:nvGrpSpPr>
         <p:grpSpPr>
           <a:xfrm>
-            <a:off x="3586480" y="937270"/>
-            <a:ext cx="3708400" cy="3888730"/>
+            <a:off x="1546860" y="2703202"/>
+            <a:ext cx="2781300" cy="2916548"/>
             <a:chOff x="2428240" y="22870"/>
             <a:chExt cx="3708400" cy="3888730"/>
           </a:xfrm>
@@ -3348,7 +3795,7 @@
             <a:lstStyle/>
             <a:p>
               <a:pPr algn="ctr"/>
-              <a:endParaRPr lang="en-US"/>
+              <a:endParaRPr lang="en-US" sz="1350"/>
             </a:p>
           </p:txBody>
         </p:sp>
@@ -3360,8 +3807,8 @@
           </p:nvSpPr>
           <p:spPr>
             <a:xfrm>
-              <a:off x="4709957" y="3140446"/>
-              <a:ext cx="601447" cy="461665"/>
+              <a:off x="4709957" y="3140445"/>
+              <a:ext cx="663003" cy="492443"/>
             </a:xfrm>
             <a:prstGeom prst="rect">
               <a:avLst/>
@@ -3375,10 +3822,10 @@
             <a:lstStyle/>
             <a:p>
               <a:r>
-                <a:rPr lang="en-US" sz="2400" b="1" dirty="0" smtClean="0"/>
+                <a:rPr lang="en-US" b="1" dirty="0"/>
                 <a:t>45°</a:t>
               </a:r>
-              <a:endParaRPr lang="en-US" sz="2400" b="1" dirty="0"/>
+              <a:endParaRPr lang="en-US" b="1" dirty="0"/>
             </a:p>
           </p:txBody>
         </p:sp>
@@ -3424,7 +3871,7 @@
             <a:lstStyle/>
             <a:p>
               <a:pPr algn="ctr"/>
-              <a:endParaRPr lang="en-US"/>
+              <a:endParaRPr lang="en-US" sz="1350"/>
             </a:p>
           </p:txBody>
         </p:sp>
@@ -3580,8 +4027,8 @@
           </p:nvSpPr>
           <p:spPr>
             <a:xfrm>
-              <a:off x="4485854" y="1225288"/>
-              <a:ext cx="381836" cy="523220"/>
+              <a:off x="4485855" y="1225288"/>
+              <a:ext cx="444995" cy="553997"/>
             </a:xfrm>
             <a:prstGeom prst="rect">
               <a:avLst/>
@@ -3595,10 +4042,10 @@
             <a:lstStyle/>
             <a:p>
               <a:r>
-                <a:rPr lang="en-US" sz="2800" b="1" dirty="0" smtClean="0"/>
+                <a:rPr lang="en-US" sz="2100" b="1" dirty="0"/>
                 <a:t>X</a:t>
               </a:r>
-              <a:endParaRPr lang="en-US" sz="2800" b="1" dirty="0"/>
+              <a:endParaRPr lang="en-US" sz="2100" b="1" dirty="0"/>
             </a:p>
           </p:txBody>
         </p:sp>
@@ -3611,7 +4058,7 @@
           <p:spPr>
             <a:xfrm>
               <a:off x="2838884" y="22870"/>
-              <a:ext cx="370614" cy="523220"/>
+              <a:ext cx="432171" cy="553997"/>
             </a:xfrm>
             <a:prstGeom prst="rect">
               <a:avLst/>
@@ -3625,7 +4072,7 @@
             <a:lstStyle/>
             <a:p>
               <a:r>
-                <a:rPr lang="en-US" sz="2800" b="1" dirty="0"/>
+                <a:rPr lang="en-US" sz="2100" b="1" dirty="0"/>
                 <a:t>Y</a:t>
               </a:r>
             </a:p>
@@ -3640,7 +4087,7 @@
           <p:spPr>
             <a:xfrm>
               <a:off x="3803849" y="1529323"/>
-              <a:ext cx="780983" cy="461665"/>
+              <a:ext cx="844676" cy="492443"/>
             </a:xfrm>
             <a:prstGeom prst="rect">
               <a:avLst/>
@@ -3654,14 +4101,14 @@
             <a:lstStyle/>
             <a:p>
               <a:r>
-                <a:rPr lang="en-US" sz="2400" b="1" dirty="0" err="1" smtClean="0"/>
+                <a:rPr lang="en-US" b="1" dirty="0" err="1"/>
                 <a:t>x</a:t>
               </a:r>
               <a:r>
-                <a:rPr lang="en-US" sz="2400" b="1" baseline="-25000" dirty="0" err="1" smtClean="0"/>
+                <a:rPr lang="en-US" b="1" baseline="-25000" dirty="0" err="1"/>
                 <a:t>block</a:t>
               </a:r>
-              <a:endParaRPr lang="en-US" sz="2400" b="1" baseline="-25000" dirty="0"/>
+              <a:endParaRPr lang="en-US" b="1" baseline="-25000" dirty="0"/>
             </a:p>
           </p:txBody>
         </p:sp>
@@ -3673,8 +4120,8 @@
           </p:nvSpPr>
           <p:spPr>
             <a:xfrm>
-              <a:off x="3555998" y="463490"/>
-              <a:ext cx="785793" cy="461665"/>
+              <a:off x="3555999" y="463490"/>
+              <a:ext cx="848951" cy="492443"/>
             </a:xfrm>
             <a:prstGeom prst="rect">
               <a:avLst/>
@@ -3688,14 +4135,14 @@
             <a:lstStyle/>
             <a:p>
               <a:r>
-                <a:rPr lang="en-US" sz="2400" b="1" dirty="0" err="1"/>
+                <a:rPr lang="en-US" b="1" dirty="0" err="1"/>
                 <a:t>y</a:t>
               </a:r>
               <a:r>
-                <a:rPr lang="en-US" sz="2400" b="1" baseline="-25000" dirty="0" err="1" smtClean="0"/>
+                <a:rPr lang="en-US" b="1" baseline="-25000" dirty="0" err="1"/>
                 <a:t>block</a:t>
               </a:r>
-              <a:endParaRPr lang="en-US" sz="2400" b="1" baseline="-25000" dirty="0"/>
+              <a:endParaRPr lang="en-US" b="1" baseline="-25000" dirty="0"/>
             </a:p>
           </p:txBody>
         </p:sp>
@@ -3743,8 +4190,8 @@
           </p:nvSpPr>
           <p:spPr>
             <a:xfrm>
-              <a:off x="2448407" y="2147313"/>
-              <a:ext cx="1547155" cy="400110"/>
+              <a:off x="2448407" y="2147314"/>
+              <a:ext cx="1609244" cy="430887"/>
             </a:xfrm>
             <a:prstGeom prst="rect">
               <a:avLst/>
@@ -3758,14 +4205,14 @@
             <a:lstStyle/>
             <a:p>
               <a:r>
-                <a:rPr lang="en-US" sz="2000" dirty="0" smtClean="0"/>
+                <a:rPr lang="en-US" sz="1500" dirty="0"/>
                 <a:t>g = 9.81 m/s</a:t>
               </a:r>
               <a:r>
-                <a:rPr lang="en-US" sz="2000" baseline="30000" dirty="0" smtClean="0"/>
+                <a:rPr lang="en-US" sz="1500" baseline="30000" dirty="0"/>
                 <a:t>2</a:t>
               </a:r>
-              <a:endParaRPr lang="en-US" sz="2000" dirty="0"/>
+              <a:endParaRPr lang="en-US" sz="1500" dirty="0"/>
             </a:p>
           </p:txBody>
         </p:sp>
@@ -3783,7 +4230,2922 @@
 </p:sld>
 </file>
 
+<file path=ppt/slides/slide3.xml><?xml version="1.0" encoding="utf-8"?>
+<p:sld xmlns:a="http://schemas.openxmlformats.org/drawingml/2006/main" xmlns:r="http://schemas.openxmlformats.org/officeDocument/2006/relationships" xmlns:p="http://schemas.openxmlformats.org/presentationml/2006/main">
+  <p:cSld>
+    <p:spTree>
+      <p:nvGrpSpPr>
+        <p:cNvPr id="1" name=""/>
+        <p:cNvGrpSpPr/>
+        <p:nvPr/>
+      </p:nvGrpSpPr>
+      <p:grpSpPr>
+        <a:xfrm>
+          <a:off x="0" y="0"/>
+          <a:ext cx="0" cy="0"/>
+          <a:chOff x="0" y="0"/>
+          <a:chExt cx="0" cy="0"/>
+        </a:xfrm>
+      </p:grpSpPr>
+      <p:grpSp>
+        <p:nvGrpSpPr>
+          <p:cNvPr id="111" name="Group 110"/>
+          <p:cNvGrpSpPr/>
+          <p:nvPr/>
+        </p:nvGrpSpPr>
+        <p:grpSpPr>
+          <a:xfrm>
+            <a:off x="-1766119" y="2262280"/>
+            <a:ext cx="9852844" cy="3772998"/>
+            <a:chOff x="-1116575" y="97914"/>
+            <a:chExt cx="13137125" cy="5030663"/>
+          </a:xfrm>
+        </p:grpSpPr>
+        <p:sp>
+          <p:nvSpPr>
+            <p:cNvPr id="5" name="Rectangle 4"/>
+            <p:cNvSpPr/>
+            <p:nvPr/>
+          </p:nvSpPr>
+          <p:spPr>
+            <a:xfrm>
+              <a:off x="4789170" y="171450"/>
+              <a:ext cx="2320290" cy="1005840"/>
+            </a:xfrm>
+            <a:prstGeom prst="rect">
+              <a:avLst/>
+            </a:prstGeom>
+            <a:noFill/>
+            <a:ln w="38100">
+              <a:solidFill>
+                <a:schemeClr val="tx1"/>
+              </a:solidFill>
+            </a:ln>
+          </p:spPr>
+          <p:style>
+            <a:lnRef idx="2">
+              <a:schemeClr val="accent1">
+                <a:shade val="50000"/>
+              </a:schemeClr>
+            </a:lnRef>
+            <a:fillRef idx="1">
+              <a:schemeClr val="accent1"/>
+            </a:fillRef>
+            <a:effectRef idx="0">
+              <a:schemeClr val="accent1"/>
+            </a:effectRef>
+            <a:fontRef idx="minor">
+              <a:schemeClr val="lt1"/>
+            </a:fontRef>
+          </p:style>
+          <p:txBody>
+            <a:bodyPr rot="0" spcFirstLastPara="0" vertOverflow="overflow" horzOverflow="overflow" vert="horz" wrap="square" lIns="68580" tIns="34290" rIns="68580" bIns="34290" numCol="1" spcCol="0" rtlCol="0" fromWordArt="0" anchor="ctr" anchorCtr="0" forceAA="0" compatLnSpc="1">
+              <a:prstTxWarp prst="textNoShape">
+                <a:avLst/>
+              </a:prstTxWarp>
+              <a:noAutofit/>
+            </a:bodyPr>
+            <a:lstStyle/>
+            <a:p>
+              <a:pPr algn="ctr"/>
+              <a:r>
+                <a:rPr lang="en-US" sz="1350" b="1" dirty="0">
+                  <a:solidFill>
+                    <a:schemeClr val="tx1"/>
+                  </a:solidFill>
+                  <a:latin typeface="Arial" panose="020B0604020202020204" pitchFamily="34" charset="0"/>
+                  <a:cs typeface="Arial" panose="020B0604020202020204" pitchFamily="34" charset="0"/>
+                </a:rPr>
+                <a:t>Multibody System</a:t>
+              </a:r>
+            </a:p>
+          </p:txBody>
+        </p:sp>
+        <p:sp>
+          <p:nvSpPr>
+            <p:cNvPr id="6" name="Rectangle 5"/>
+            <p:cNvSpPr/>
+            <p:nvPr/>
+          </p:nvSpPr>
+          <p:spPr>
+            <a:xfrm>
+              <a:off x="182880" y="1863090"/>
+              <a:ext cx="1851660" cy="948690"/>
+            </a:xfrm>
+            <a:prstGeom prst="rect">
+              <a:avLst/>
+            </a:prstGeom>
+            <a:noFill/>
+            <a:ln w="38100">
+              <a:solidFill>
+                <a:srgbClr val="00B050"/>
+              </a:solidFill>
+            </a:ln>
+          </p:spPr>
+          <p:style>
+            <a:lnRef idx="2">
+              <a:schemeClr val="accent1">
+                <a:shade val="50000"/>
+              </a:schemeClr>
+            </a:lnRef>
+            <a:fillRef idx="1">
+              <a:schemeClr val="accent1"/>
+            </a:fillRef>
+            <a:effectRef idx="0">
+              <a:schemeClr val="accent1"/>
+            </a:effectRef>
+            <a:fontRef idx="minor">
+              <a:schemeClr val="lt1"/>
+            </a:fontRef>
+          </p:style>
+          <p:txBody>
+            <a:bodyPr rot="0" spcFirstLastPara="0" vertOverflow="overflow" horzOverflow="overflow" vert="horz" wrap="square" lIns="68580" tIns="34290" rIns="68580" bIns="34290" numCol="1" spcCol="0" rtlCol="0" fromWordArt="0" anchor="ctr" anchorCtr="0" forceAA="0" compatLnSpc="1">
+              <a:prstTxWarp prst="textNoShape">
+                <a:avLst/>
+              </a:prstTxWarp>
+              <a:noAutofit/>
+            </a:bodyPr>
+            <a:lstStyle/>
+            <a:p>
+              <a:pPr algn="ctr"/>
+              <a:r>
+                <a:rPr lang="en-US" sz="1350" b="1" dirty="0">
+                  <a:solidFill>
+                    <a:schemeClr val="tx1"/>
+                  </a:solidFill>
+                  <a:latin typeface="Arial" panose="020B0604020202020204" pitchFamily="34" charset="0"/>
+                  <a:cs typeface="Arial" panose="020B0604020202020204" pitchFamily="34" charset="0"/>
+                </a:rPr>
+                <a:t>Body 1</a:t>
+              </a:r>
+            </a:p>
+          </p:txBody>
+        </p:sp>
+        <p:sp>
+          <p:nvSpPr>
+            <p:cNvPr id="7" name="Rectangle 6"/>
+            <p:cNvSpPr/>
+            <p:nvPr/>
+          </p:nvSpPr>
+          <p:spPr>
+            <a:xfrm>
+              <a:off x="2868930" y="1863090"/>
+              <a:ext cx="1851660" cy="948690"/>
+            </a:xfrm>
+            <a:prstGeom prst="rect">
+              <a:avLst/>
+            </a:prstGeom>
+            <a:noFill/>
+            <a:ln w="38100">
+              <a:solidFill>
+                <a:srgbClr val="00B050"/>
+              </a:solidFill>
+            </a:ln>
+          </p:spPr>
+          <p:style>
+            <a:lnRef idx="2">
+              <a:schemeClr val="accent1">
+                <a:shade val="50000"/>
+              </a:schemeClr>
+            </a:lnRef>
+            <a:fillRef idx="1">
+              <a:schemeClr val="accent1"/>
+            </a:fillRef>
+            <a:effectRef idx="0">
+              <a:schemeClr val="accent1"/>
+            </a:effectRef>
+            <a:fontRef idx="minor">
+              <a:schemeClr val="lt1"/>
+            </a:fontRef>
+          </p:style>
+          <p:txBody>
+            <a:bodyPr rot="0" spcFirstLastPara="0" vertOverflow="overflow" horzOverflow="overflow" vert="horz" wrap="square" lIns="68580" tIns="34290" rIns="68580" bIns="34290" numCol="1" spcCol="0" rtlCol="0" fromWordArt="0" anchor="ctr" anchorCtr="0" forceAA="0" compatLnSpc="1">
+              <a:prstTxWarp prst="textNoShape">
+                <a:avLst/>
+              </a:prstTxWarp>
+              <a:noAutofit/>
+            </a:bodyPr>
+            <a:lstStyle/>
+            <a:p>
+              <a:pPr algn="ctr"/>
+              <a:r>
+                <a:rPr lang="en-US" sz="1350" b="1" dirty="0">
+                  <a:solidFill>
+                    <a:schemeClr val="tx1"/>
+                  </a:solidFill>
+                  <a:latin typeface="Arial" panose="020B0604020202020204" pitchFamily="34" charset="0"/>
+                  <a:cs typeface="Arial" panose="020B0604020202020204" pitchFamily="34" charset="0"/>
+                </a:rPr>
+                <a:t>Body 2</a:t>
+              </a:r>
+            </a:p>
+          </p:txBody>
+        </p:sp>
+        <p:sp>
+          <p:nvSpPr>
+            <p:cNvPr id="8" name="Rectangle 7"/>
+            <p:cNvSpPr/>
+            <p:nvPr/>
+          </p:nvSpPr>
+          <p:spPr>
+            <a:xfrm>
+              <a:off x="7261860" y="1863090"/>
+              <a:ext cx="1851660" cy="948690"/>
+            </a:xfrm>
+            <a:prstGeom prst="rect">
+              <a:avLst/>
+            </a:prstGeom>
+            <a:noFill/>
+            <a:ln w="38100">
+              <a:solidFill>
+                <a:srgbClr val="00B050"/>
+              </a:solidFill>
+            </a:ln>
+          </p:spPr>
+          <p:style>
+            <a:lnRef idx="2">
+              <a:schemeClr val="accent1">
+                <a:shade val="50000"/>
+              </a:schemeClr>
+            </a:lnRef>
+            <a:fillRef idx="1">
+              <a:schemeClr val="accent1"/>
+            </a:fillRef>
+            <a:effectRef idx="0">
+              <a:schemeClr val="accent1"/>
+            </a:effectRef>
+            <a:fontRef idx="minor">
+              <a:schemeClr val="lt1"/>
+            </a:fontRef>
+          </p:style>
+          <p:txBody>
+            <a:bodyPr rot="0" spcFirstLastPara="0" vertOverflow="overflow" horzOverflow="overflow" vert="horz" wrap="square" lIns="68580" tIns="34290" rIns="68580" bIns="34290" numCol="1" spcCol="0" rtlCol="0" fromWordArt="0" anchor="ctr" anchorCtr="0" forceAA="0" compatLnSpc="1">
+              <a:prstTxWarp prst="textNoShape">
+                <a:avLst/>
+              </a:prstTxWarp>
+              <a:noAutofit/>
+            </a:bodyPr>
+            <a:lstStyle/>
+            <a:p>
+              <a:pPr algn="ctr"/>
+              <a:r>
+                <a:rPr lang="en-US" sz="1350" b="1" dirty="0">
+                  <a:solidFill>
+                    <a:schemeClr val="tx1"/>
+                  </a:solidFill>
+                  <a:latin typeface="Arial" panose="020B0604020202020204" pitchFamily="34" charset="0"/>
+                  <a:cs typeface="Arial" panose="020B0604020202020204" pitchFamily="34" charset="0"/>
+                </a:rPr>
+                <a:t>Body N-1</a:t>
+              </a:r>
+            </a:p>
+          </p:txBody>
+        </p:sp>
+        <p:sp>
+          <p:nvSpPr>
+            <p:cNvPr id="9" name="Rectangle 8"/>
+            <p:cNvSpPr/>
+            <p:nvPr/>
+          </p:nvSpPr>
+          <p:spPr>
+            <a:xfrm>
+              <a:off x="10168890" y="1863090"/>
+              <a:ext cx="1851660" cy="948690"/>
+            </a:xfrm>
+            <a:prstGeom prst="rect">
+              <a:avLst/>
+            </a:prstGeom>
+            <a:noFill/>
+            <a:ln w="38100">
+              <a:solidFill>
+                <a:srgbClr val="00B050"/>
+              </a:solidFill>
+            </a:ln>
+          </p:spPr>
+          <p:style>
+            <a:lnRef idx="2">
+              <a:schemeClr val="accent1">
+                <a:shade val="50000"/>
+              </a:schemeClr>
+            </a:lnRef>
+            <a:fillRef idx="1">
+              <a:schemeClr val="accent1"/>
+            </a:fillRef>
+            <a:effectRef idx="0">
+              <a:schemeClr val="accent1"/>
+            </a:effectRef>
+            <a:fontRef idx="minor">
+              <a:schemeClr val="lt1"/>
+            </a:fontRef>
+          </p:style>
+          <p:txBody>
+            <a:bodyPr rot="0" spcFirstLastPara="0" vertOverflow="overflow" horzOverflow="overflow" vert="horz" wrap="square" lIns="68580" tIns="34290" rIns="68580" bIns="34290" numCol="1" spcCol="0" rtlCol="0" fromWordArt="0" anchor="ctr" anchorCtr="0" forceAA="0" compatLnSpc="1">
+              <a:prstTxWarp prst="textNoShape">
+                <a:avLst/>
+              </a:prstTxWarp>
+              <a:noAutofit/>
+            </a:bodyPr>
+            <a:lstStyle/>
+            <a:p>
+              <a:pPr algn="ctr"/>
+              <a:r>
+                <a:rPr lang="en-US" sz="1350" b="1" dirty="0">
+                  <a:solidFill>
+                    <a:schemeClr val="tx1"/>
+                  </a:solidFill>
+                  <a:latin typeface="Arial" panose="020B0604020202020204" pitchFamily="34" charset="0"/>
+                  <a:cs typeface="Arial" panose="020B0604020202020204" pitchFamily="34" charset="0"/>
+                </a:rPr>
+                <a:t>Body N</a:t>
+              </a:r>
+              <a:endParaRPr lang="en-US" sz="1350" b="1" dirty="0">
+                <a:solidFill>
+                  <a:schemeClr val="tx1"/>
+                </a:solidFill>
+                <a:latin typeface="Arial" panose="020B0604020202020204" pitchFamily="34" charset="0"/>
+                <a:cs typeface="Arial" panose="020B0604020202020204" pitchFamily="34" charset="0"/>
+              </a:endParaRPr>
+            </a:p>
+          </p:txBody>
+        </p:sp>
+        <p:sp>
+          <p:nvSpPr>
+            <p:cNvPr id="10" name="Rectangle 9"/>
+            <p:cNvSpPr/>
+            <p:nvPr/>
+          </p:nvSpPr>
+          <p:spPr>
+            <a:xfrm>
+              <a:off x="1440180" y="3074670"/>
+              <a:ext cx="1851660" cy="891540"/>
+            </a:xfrm>
+            <a:prstGeom prst="rect">
+              <a:avLst/>
+            </a:prstGeom>
+            <a:noFill/>
+            <a:ln w="38100">
+              <a:solidFill>
+                <a:schemeClr val="tx1"/>
+              </a:solidFill>
+            </a:ln>
+          </p:spPr>
+          <p:style>
+            <a:lnRef idx="2">
+              <a:schemeClr val="accent1">
+                <a:shade val="50000"/>
+              </a:schemeClr>
+            </a:lnRef>
+            <a:fillRef idx="1">
+              <a:schemeClr val="accent1"/>
+            </a:fillRef>
+            <a:effectRef idx="0">
+              <a:schemeClr val="accent1"/>
+            </a:effectRef>
+            <a:fontRef idx="minor">
+              <a:schemeClr val="lt1"/>
+            </a:fontRef>
+          </p:style>
+          <p:txBody>
+            <a:bodyPr rot="0" spcFirstLastPara="0" vertOverflow="overflow" horzOverflow="overflow" vert="horz" wrap="square" lIns="68580" tIns="34290" rIns="68580" bIns="34290" numCol="1" spcCol="0" rtlCol="0" fromWordArt="0" anchor="ctr" anchorCtr="0" forceAA="0" compatLnSpc="1">
+              <a:prstTxWarp prst="textNoShape">
+                <a:avLst/>
+              </a:prstTxWarp>
+              <a:noAutofit/>
+            </a:bodyPr>
+            <a:lstStyle/>
+            <a:p>
+              <a:pPr algn="ctr"/>
+              <a:r>
+                <a:rPr lang="en-US" sz="1350" b="1" dirty="0">
+                  <a:solidFill>
+                    <a:schemeClr val="tx1"/>
+                  </a:solidFill>
+                  <a:latin typeface="Arial" panose="020B0604020202020204" pitchFamily="34" charset="0"/>
+                  <a:cs typeface="Arial" panose="020B0604020202020204" pitchFamily="34" charset="0"/>
+                </a:rPr>
+                <a:t>Joint 1</a:t>
+              </a:r>
+            </a:p>
+          </p:txBody>
+        </p:sp>
+        <p:sp>
+          <p:nvSpPr>
+            <p:cNvPr id="11" name="Rectangle 10"/>
+            <p:cNvSpPr/>
+            <p:nvPr/>
+          </p:nvSpPr>
+          <p:spPr>
+            <a:xfrm>
+              <a:off x="735080" y="4400550"/>
+              <a:ext cx="1337310" cy="676910"/>
+            </a:xfrm>
+            <a:prstGeom prst="rect">
+              <a:avLst/>
+            </a:prstGeom>
+            <a:noFill/>
+            <a:ln w="38100">
+              <a:solidFill>
+                <a:srgbClr val="FF0000"/>
+              </a:solidFill>
+            </a:ln>
+          </p:spPr>
+          <p:style>
+            <a:lnRef idx="2">
+              <a:schemeClr val="accent1">
+                <a:shade val="50000"/>
+              </a:schemeClr>
+            </a:lnRef>
+            <a:fillRef idx="1">
+              <a:schemeClr val="accent1"/>
+            </a:fillRef>
+            <a:effectRef idx="0">
+              <a:schemeClr val="accent1"/>
+            </a:effectRef>
+            <a:fontRef idx="minor">
+              <a:schemeClr val="lt1"/>
+            </a:fontRef>
+          </p:style>
+          <p:txBody>
+            <a:bodyPr rot="0" spcFirstLastPara="0" vertOverflow="overflow" horzOverflow="overflow" vert="horz" wrap="square" lIns="68580" tIns="34290" rIns="68580" bIns="34290" numCol="1" spcCol="0" rtlCol="0" fromWordArt="0" anchor="ctr" anchorCtr="0" forceAA="0" compatLnSpc="1">
+              <a:prstTxWarp prst="textNoShape">
+                <a:avLst/>
+              </a:prstTxWarp>
+              <a:noAutofit/>
+            </a:bodyPr>
+            <a:lstStyle/>
+            <a:p>
+              <a:pPr algn="ctr"/>
+              <a:r>
+                <a:rPr lang="en-US" sz="1050" dirty="0">
+                  <a:solidFill>
+                    <a:schemeClr val="tx1"/>
+                  </a:solidFill>
+                  <a:latin typeface="Arial" panose="020B0604020202020204" pitchFamily="34" charset="0"/>
+                  <a:cs typeface="Arial" panose="020B0604020202020204" pitchFamily="34" charset="0"/>
+                </a:rPr>
+                <a:t>Constraint 1 Used to Define Joint 1</a:t>
+              </a:r>
+            </a:p>
+          </p:txBody>
+        </p:sp>
+        <p:sp>
+          <p:nvSpPr>
+            <p:cNvPr id="12" name="Rectangle 11"/>
+            <p:cNvSpPr/>
+            <p:nvPr/>
+          </p:nvSpPr>
+          <p:spPr>
+            <a:xfrm>
+              <a:off x="5021580" y="3074670"/>
+              <a:ext cx="1851660" cy="891540"/>
+            </a:xfrm>
+            <a:prstGeom prst="rect">
+              <a:avLst/>
+            </a:prstGeom>
+            <a:noFill/>
+            <a:ln w="38100">
+              <a:solidFill>
+                <a:schemeClr val="tx1"/>
+              </a:solidFill>
+            </a:ln>
+          </p:spPr>
+          <p:style>
+            <a:lnRef idx="2">
+              <a:schemeClr val="accent1">
+                <a:shade val="50000"/>
+              </a:schemeClr>
+            </a:lnRef>
+            <a:fillRef idx="1">
+              <a:schemeClr val="accent1"/>
+            </a:fillRef>
+            <a:effectRef idx="0">
+              <a:schemeClr val="accent1"/>
+            </a:effectRef>
+            <a:fontRef idx="minor">
+              <a:schemeClr val="lt1"/>
+            </a:fontRef>
+          </p:style>
+          <p:txBody>
+            <a:bodyPr rot="0" spcFirstLastPara="0" vertOverflow="overflow" horzOverflow="overflow" vert="horz" wrap="square" lIns="68580" tIns="34290" rIns="68580" bIns="34290" numCol="1" spcCol="0" rtlCol="0" fromWordArt="0" anchor="ctr" anchorCtr="0" forceAA="0" compatLnSpc="1">
+              <a:prstTxWarp prst="textNoShape">
+                <a:avLst/>
+              </a:prstTxWarp>
+              <a:noAutofit/>
+            </a:bodyPr>
+            <a:lstStyle/>
+            <a:p>
+              <a:pPr algn="ctr"/>
+              <a:r>
+                <a:rPr lang="en-US" sz="1350" b="1" dirty="0">
+                  <a:solidFill>
+                    <a:schemeClr val="tx1"/>
+                  </a:solidFill>
+                  <a:latin typeface="Arial" panose="020B0604020202020204" pitchFamily="34" charset="0"/>
+                  <a:cs typeface="Arial" panose="020B0604020202020204" pitchFamily="34" charset="0"/>
+                </a:rPr>
+                <a:t>Joint 2</a:t>
+              </a:r>
+              <a:endParaRPr lang="en-US" sz="1350" b="1" dirty="0">
+                <a:solidFill>
+                  <a:schemeClr val="tx1"/>
+                </a:solidFill>
+                <a:latin typeface="Arial" panose="020B0604020202020204" pitchFamily="34" charset="0"/>
+                <a:cs typeface="Arial" panose="020B0604020202020204" pitchFamily="34" charset="0"/>
+              </a:endParaRPr>
+            </a:p>
+          </p:txBody>
+        </p:sp>
+        <p:sp>
+          <p:nvSpPr>
+            <p:cNvPr id="13" name="Rectangle 12"/>
+            <p:cNvSpPr/>
+            <p:nvPr/>
+          </p:nvSpPr>
+          <p:spPr>
+            <a:xfrm>
+              <a:off x="8934450" y="3074670"/>
+              <a:ext cx="1851660" cy="891540"/>
+            </a:xfrm>
+            <a:prstGeom prst="rect">
+              <a:avLst/>
+            </a:prstGeom>
+            <a:noFill/>
+            <a:ln w="38100">
+              <a:solidFill>
+                <a:schemeClr val="tx1"/>
+              </a:solidFill>
+            </a:ln>
+          </p:spPr>
+          <p:style>
+            <a:lnRef idx="2">
+              <a:schemeClr val="accent1">
+                <a:shade val="50000"/>
+              </a:schemeClr>
+            </a:lnRef>
+            <a:fillRef idx="1">
+              <a:schemeClr val="accent1"/>
+            </a:fillRef>
+            <a:effectRef idx="0">
+              <a:schemeClr val="accent1"/>
+            </a:effectRef>
+            <a:fontRef idx="minor">
+              <a:schemeClr val="lt1"/>
+            </a:fontRef>
+          </p:style>
+          <p:txBody>
+            <a:bodyPr rot="0" spcFirstLastPara="0" vertOverflow="overflow" horzOverflow="overflow" vert="horz" wrap="square" lIns="68580" tIns="34290" rIns="68580" bIns="34290" numCol="1" spcCol="0" rtlCol="0" fromWordArt="0" anchor="ctr" anchorCtr="0" forceAA="0" compatLnSpc="1">
+              <a:prstTxWarp prst="textNoShape">
+                <a:avLst/>
+              </a:prstTxWarp>
+              <a:noAutofit/>
+            </a:bodyPr>
+            <a:lstStyle/>
+            <a:p>
+              <a:pPr algn="ctr"/>
+              <a:r>
+                <a:rPr lang="en-US" sz="1350" b="1" dirty="0">
+                  <a:solidFill>
+                    <a:schemeClr val="tx1"/>
+                  </a:solidFill>
+                  <a:latin typeface="Arial" panose="020B0604020202020204" pitchFamily="34" charset="0"/>
+                  <a:cs typeface="Arial" panose="020B0604020202020204" pitchFamily="34" charset="0"/>
+                </a:rPr>
+                <a:t>Joint M</a:t>
+              </a:r>
+              <a:endParaRPr lang="en-US" sz="1350" b="1" dirty="0">
+                <a:solidFill>
+                  <a:schemeClr val="tx1"/>
+                </a:solidFill>
+                <a:latin typeface="Arial" panose="020B0604020202020204" pitchFamily="34" charset="0"/>
+                <a:cs typeface="Arial" panose="020B0604020202020204" pitchFamily="34" charset="0"/>
+              </a:endParaRPr>
+            </a:p>
+          </p:txBody>
+        </p:sp>
+        <p:sp>
+          <p:nvSpPr>
+            <p:cNvPr id="21" name="TextBox 20"/>
+            <p:cNvSpPr txBox="1"/>
+            <p:nvPr/>
+          </p:nvSpPr>
+          <p:spPr>
+            <a:xfrm>
+              <a:off x="5335905" y="2045047"/>
+              <a:ext cx="1223011" cy="615553"/>
+            </a:xfrm>
+            <a:prstGeom prst="rect">
+              <a:avLst/>
+            </a:prstGeom>
+            <a:noFill/>
+          </p:spPr>
+          <p:txBody>
+            <a:bodyPr wrap="square" rtlCol="0">
+              <a:spAutoFit/>
+            </a:bodyPr>
+            <a:lstStyle/>
+            <a:p>
+              <a:pPr algn="ctr"/>
+              <a:r>
+                <a:rPr lang="en-US" sz="2400" dirty="0"/>
+                <a:t>• • •</a:t>
+              </a:r>
+            </a:p>
+          </p:txBody>
+        </p:sp>
+        <p:sp>
+          <p:nvSpPr>
+            <p:cNvPr id="22" name="TextBox 21"/>
+            <p:cNvSpPr txBox="1"/>
+            <p:nvPr/>
+          </p:nvSpPr>
+          <p:spPr>
+            <a:xfrm>
+              <a:off x="7518785" y="3209955"/>
+              <a:ext cx="1223011" cy="615553"/>
+            </a:xfrm>
+            <a:prstGeom prst="rect">
+              <a:avLst/>
+            </a:prstGeom>
+            <a:noFill/>
+          </p:spPr>
+          <p:txBody>
+            <a:bodyPr wrap="square" rtlCol="0">
+              <a:spAutoFit/>
+            </a:bodyPr>
+            <a:lstStyle/>
+            <a:p>
+              <a:pPr algn="ctr"/>
+              <a:r>
+                <a:rPr lang="en-US" sz="2400" dirty="0"/>
+                <a:t>• • •</a:t>
+              </a:r>
+            </a:p>
+          </p:txBody>
+        </p:sp>
+        <p:sp>
+          <p:nvSpPr>
+            <p:cNvPr id="23" name="Rectangle 22"/>
+            <p:cNvSpPr/>
+            <p:nvPr/>
+          </p:nvSpPr>
+          <p:spPr>
+            <a:xfrm>
+              <a:off x="2588389" y="4400550"/>
+              <a:ext cx="1405890" cy="676910"/>
+            </a:xfrm>
+            <a:prstGeom prst="rect">
+              <a:avLst/>
+            </a:prstGeom>
+            <a:noFill/>
+            <a:ln w="38100">
+              <a:solidFill>
+                <a:srgbClr val="FF0000"/>
+              </a:solidFill>
+            </a:ln>
+          </p:spPr>
+          <p:style>
+            <a:lnRef idx="2">
+              <a:schemeClr val="accent1">
+                <a:shade val="50000"/>
+              </a:schemeClr>
+            </a:lnRef>
+            <a:fillRef idx="1">
+              <a:schemeClr val="accent1"/>
+            </a:fillRef>
+            <a:effectRef idx="0">
+              <a:schemeClr val="accent1"/>
+            </a:effectRef>
+            <a:fontRef idx="minor">
+              <a:schemeClr val="lt1"/>
+            </a:fontRef>
+          </p:style>
+          <p:txBody>
+            <a:bodyPr rot="0" spcFirstLastPara="0" vertOverflow="overflow" horzOverflow="overflow" vert="horz" wrap="square" lIns="68580" tIns="34290" rIns="68580" bIns="34290" numCol="1" spcCol="0" rtlCol="0" fromWordArt="0" anchor="ctr" anchorCtr="0" forceAA="0" compatLnSpc="1">
+              <a:prstTxWarp prst="textNoShape">
+                <a:avLst/>
+              </a:prstTxWarp>
+              <a:noAutofit/>
+            </a:bodyPr>
+            <a:lstStyle/>
+            <a:p>
+              <a:pPr algn="ctr"/>
+              <a:r>
+                <a:rPr lang="en-US" sz="1050" dirty="0">
+                  <a:solidFill>
+                    <a:schemeClr val="tx1"/>
+                  </a:solidFill>
+                  <a:latin typeface="Arial" panose="020B0604020202020204" pitchFamily="34" charset="0"/>
+                  <a:cs typeface="Arial" panose="020B0604020202020204" pitchFamily="34" charset="0"/>
+                </a:rPr>
+                <a:t>Constraint P</a:t>
+              </a:r>
+              <a:r>
+                <a:rPr lang="en-US" sz="1050" baseline="-25000" dirty="0">
+                  <a:solidFill>
+                    <a:schemeClr val="tx1"/>
+                  </a:solidFill>
+                  <a:latin typeface="Arial" panose="020B0604020202020204" pitchFamily="34" charset="0"/>
+                  <a:cs typeface="Arial" panose="020B0604020202020204" pitchFamily="34" charset="0"/>
+                </a:rPr>
+                <a:t>1</a:t>
+              </a:r>
+              <a:r>
+                <a:rPr lang="en-US" sz="1050" dirty="0">
+                  <a:solidFill>
+                    <a:schemeClr val="tx1"/>
+                  </a:solidFill>
+                  <a:latin typeface="Arial" panose="020B0604020202020204" pitchFamily="34" charset="0"/>
+                  <a:cs typeface="Arial" panose="020B0604020202020204" pitchFamily="34" charset="0"/>
+                </a:rPr>
+                <a:t> Used to Define Joint 1</a:t>
+              </a:r>
+              <a:endParaRPr lang="en-US" sz="1050" dirty="0">
+                <a:solidFill>
+                  <a:schemeClr val="tx1"/>
+                </a:solidFill>
+                <a:latin typeface="Arial" panose="020B0604020202020204" pitchFamily="34" charset="0"/>
+                <a:cs typeface="Arial" panose="020B0604020202020204" pitchFamily="34" charset="0"/>
+              </a:endParaRPr>
+            </a:p>
+          </p:txBody>
+        </p:sp>
+        <p:sp>
+          <p:nvSpPr>
+            <p:cNvPr id="24" name="Rectangle 23"/>
+            <p:cNvSpPr/>
+            <p:nvPr/>
+          </p:nvSpPr>
+          <p:spPr>
+            <a:xfrm>
+              <a:off x="4289993" y="4400550"/>
+              <a:ext cx="1405890" cy="676910"/>
+            </a:xfrm>
+            <a:prstGeom prst="rect">
+              <a:avLst/>
+            </a:prstGeom>
+            <a:noFill/>
+            <a:ln w="38100">
+              <a:solidFill>
+                <a:srgbClr val="FF0000"/>
+              </a:solidFill>
+            </a:ln>
+          </p:spPr>
+          <p:style>
+            <a:lnRef idx="2">
+              <a:schemeClr val="accent1">
+                <a:shade val="50000"/>
+              </a:schemeClr>
+            </a:lnRef>
+            <a:fillRef idx="1">
+              <a:schemeClr val="accent1"/>
+            </a:fillRef>
+            <a:effectRef idx="0">
+              <a:schemeClr val="accent1"/>
+            </a:effectRef>
+            <a:fontRef idx="minor">
+              <a:schemeClr val="lt1"/>
+            </a:fontRef>
+          </p:style>
+          <p:txBody>
+            <a:bodyPr rot="0" spcFirstLastPara="0" vertOverflow="overflow" horzOverflow="overflow" vert="horz" wrap="square" lIns="68580" tIns="34290" rIns="68580" bIns="34290" numCol="1" spcCol="0" rtlCol="0" fromWordArt="0" anchor="ctr" anchorCtr="0" forceAA="0" compatLnSpc="1">
+              <a:prstTxWarp prst="textNoShape">
+                <a:avLst/>
+              </a:prstTxWarp>
+              <a:noAutofit/>
+            </a:bodyPr>
+            <a:lstStyle/>
+            <a:p>
+              <a:pPr algn="ctr"/>
+              <a:r>
+                <a:rPr lang="en-US" sz="1050" dirty="0">
+                  <a:solidFill>
+                    <a:schemeClr val="tx1"/>
+                  </a:solidFill>
+                  <a:latin typeface="Arial" panose="020B0604020202020204" pitchFamily="34" charset="0"/>
+                  <a:cs typeface="Arial" panose="020B0604020202020204" pitchFamily="34" charset="0"/>
+                </a:rPr>
+                <a:t>Constraint 1 Used to Define Joint 2</a:t>
+              </a:r>
+              <a:endParaRPr lang="en-US" sz="1050" dirty="0">
+                <a:solidFill>
+                  <a:schemeClr val="tx1"/>
+                </a:solidFill>
+                <a:latin typeface="Arial" panose="020B0604020202020204" pitchFamily="34" charset="0"/>
+                <a:cs typeface="Arial" panose="020B0604020202020204" pitchFamily="34" charset="0"/>
+              </a:endParaRPr>
+            </a:p>
+          </p:txBody>
+        </p:sp>
+        <p:sp>
+          <p:nvSpPr>
+            <p:cNvPr id="25" name="Rectangle 24"/>
+            <p:cNvSpPr/>
+            <p:nvPr/>
+          </p:nvSpPr>
+          <p:spPr>
+            <a:xfrm>
+              <a:off x="6188132" y="4400550"/>
+              <a:ext cx="1405890" cy="676910"/>
+            </a:xfrm>
+            <a:prstGeom prst="rect">
+              <a:avLst/>
+            </a:prstGeom>
+            <a:noFill/>
+            <a:ln w="38100">
+              <a:solidFill>
+                <a:srgbClr val="FF0000"/>
+              </a:solidFill>
+            </a:ln>
+          </p:spPr>
+          <p:style>
+            <a:lnRef idx="2">
+              <a:schemeClr val="accent1">
+                <a:shade val="50000"/>
+              </a:schemeClr>
+            </a:lnRef>
+            <a:fillRef idx="1">
+              <a:schemeClr val="accent1"/>
+            </a:fillRef>
+            <a:effectRef idx="0">
+              <a:schemeClr val="accent1"/>
+            </a:effectRef>
+            <a:fontRef idx="minor">
+              <a:schemeClr val="lt1"/>
+            </a:fontRef>
+          </p:style>
+          <p:txBody>
+            <a:bodyPr rot="0" spcFirstLastPara="0" vertOverflow="overflow" horzOverflow="overflow" vert="horz" wrap="square" lIns="68580" tIns="34290" rIns="68580" bIns="34290" numCol="1" spcCol="0" rtlCol="0" fromWordArt="0" anchor="ctr" anchorCtr="0" forceAA="0" compatLnSpc="1">
+              <a:prstTxWarp prst="textNoShape">
+                <a:avLst/>
+              </a:prstTxWarp>
+              <a:noAutofit/>
+            </a:bodyPr>
+            <a:lstStyle/>
+            <a:p>
+              <a:pPr algn="ctr"/>
+              <a:r>
+                <a:rPr lang="en-US" sz="1050" dirty="0">
+                  <a:solidFill>
+                    <a:schemeClr val="tx1"/>
+                  </a:solidFill>
+                  <a:latin typeface="Arial" panose="020B0604020202020204" pitchFamily="34" charset="0"/>
+                  <a:cs typeface="Arial" panose="020B0604020202020204" pitchFamily="34" charset="0"/>
+                </a:rPr>
+                <a:t>Constraint P</a:t>
+              </a:r>
+              <a:r>
+                <a:rPr lang="en-US" sz="1050" baseline="-25000" dirty="0">
+                  <a:solidFill>
+                    <a:schemeClr val="tx1"/>
+                  </a:solidFill>
+                  <a:latin typeface="Arial" panose="020B0604020202020204" pitchFamily="34" charset="0"/>
+                  <a:cs typeface="Arial" panose="020B0604020202020204" pitchFamily="34" charset="0"/>
+                </a:rPr>
+                <a:t>2</a:t>
+              </a:r>
+              <a:r>
+                <a:rPr lang="en-US" sz="1050" dirty="0">
+                  <a:solidFill>
+                    <a:schemeClr val="tx1"/>
+                  </a:solidFill>
+                  <a:latin typeface="Arial" panose="020B0604020202020204" pitchFamily="34" charset="0"/>
+                  <a:cs typeface="Arial" panose="020B0604020202020204" pitchFamily="34" charset="0"/>
+                </a:rPr>
+                <a:t> Used to Define Joint 2</a:t>
+              </a:r>
+              <a:endParaRPr lang="en-US" sz="1050" dirty="0">
+                <a:solidFill>
+                  <a:schemeClr val="tx1"/>
+                </a:solidFill>
+                <a:latin typeface="Arial" panose="020B0604020202020204" pitchFamily="34" charset="0"/>
+                <a:cs typeface="Arial" panose="020B0604020202020204" pitchFamily="34" charset="0"/>
+              </a:endParaRPr>
+            </a:p>
+          </p:txBody>
+        </p:sp>
+        <p:sp>
+          <p:nvSpPr>
+            <p:cNvPr id="26" name="Rectangle 25"/>
+            <p:cNvSpPr/>
+            <p:nvPr/>
+          </p:nvSpPr>
+          <p:spPr>
+            <a:xfrm>
+              <a:off x="8186166" y="4400550"/>
+              <a:ext cx="1405890" cy="676910"/>
+            </a:xfrm>
+            <a:prstGeom prst="rect">
+              <a:avLst/>
+            </a:prstGeom>
+            <a:noFill/>
+            <a:ln w="38100">
+              <a:solidFill>
+                <a:srgbClr val="FF0000"/>
+              </a:solidFill>
+            </a:ln>
+          </p:spPr>
+          <p:style>
+            <a:lnRef idx="2">
+              <a:schemeClr val="accent1">
+                <a:shade val="50000"/>
+              </a:schemeClr>
+            </a:lnRef>
+            <a:fillRef idx="1">
+              <a:schemeClr val="accent1"/>
+            </a:fillRef>
+            <a:effectRef idx="0">
+              <a:schemeClr val="accent1"/>
+            </a:effectRef>
+            <a:fontRef idx="minor">
+              <a:schemeClr val="lt1"/>
+            </a:fontRef>
+          </p:style>
+          <p:txBody>
+            <a:bodyPr rot="0" spcFirstLastPara="0" vertOverflow="overflow" horzOverflow="overflow" vert="horz" wrap="square" lIns="68580" tIns="34290" rIns="68580" bIns="34290" numCol="1" spcCol="0" rtlCol="0" fromWordArt="0" anchor="ctr" anchorCtr="0" forceAA="0" compatLnSpc="1">
+              <a:prstTxWarp prst="textNoShape">
+                <a:avLst/>
+              </a:prstTxWarp>
+              <a:noAutofit/>
+            </a:bodyPr>
+            <a:lstStyle/>
+            <a:p>
+              <a:pPr algn="ctr"/>
+              <a:r>
+                <a:rPr lang="en-US" sz="1050" dirty="0">
+                  <a:solidFill>
+                    <a:schemeClr val="tx1"/>
+                  </a:solidFill>
+                  <a:latin typeface="Arial" panose="020B0604020202020204" pitchFamily="34" charset="0"/>
+                  <a:cs typeface="Arial" panose="020B0604020202020204" pitchFamily="34" charset="0"/>
+                </a:rPr>
+                <a:t>Constraint 1 Used to Define Joint M</a:t>
+              </a:r>
+              <a:endParaRPr lang="en-US" sz="1050" dirty="0">
+                <a:solidFill>
+                  <a:schemeClr val="tx1"/>
+                </a:solidFill>
+                <a:latin typeface="Arial" panose="020B0604020202020204" pitchFamily="34" charset="0"/>
+                <a:cs typeface="Arial" panose="020B0604020202020204" pitchFamily="34" charset="0"/>
+              </a:endParaRPr>
+            </a:p>
+          </p:txBody>
+        </p:sp>
+        <p:sp>
+          <p:nvSpPr>
+            <p:cNvPr id="27" name="Rectangle 26"/>
+            <p:cNvSpPr/>
+            <p:nvPr/>
+          </p:nvSpPr>
+          <p:spPr>
+            <a:xfrm>
+              <a:off x="10094844" y="4400550"/>
+              <a:ext cx="1405890" cy="676910"/>
+            </a:xfrm>
+            <a:prstGeom prst="rect">
+              <a:avLst/>
+            </a:prstGeom>
+            <a:noFill/>
+            <a:ln w="38100">
+              <a:solidFill>
+                <a:srgbClr val="FF0000"/>
+              </a:solidFill>
+            </a:ln>
+          </p:spPr>
+          <p:style>
+            <a:lnRef idx="2">
+              <a:schemeClr val="accent1">
+                <a:shade val="50000"/>
+              </a:schemeClr>
+            </a:lnRef>
+            <a:fillRef idx="1">
+              <a:schemeClr val="accent1"/>
+            </a:fillRef>
+            <a:effectRef idx="0">
+              <a:schemeClr val="accent1"/>
+            </a:effectRef>
+            <a:fontRef idx="minor">
+              <a:schemeClr val="lt1"/>
+            </a:fontRef>
+          </p:style>
+          <p:txBody>
+            <a:bodyPr rot="0" spcFirstLastPara="0" vertOverflow="overflow" horzOverflow="overflow" vert="horz" wrap="square" lIns="68580" tIns="34290" rIns="68580" bIns="34290" numCol="1" spcCol="0" rtlCol="0" fromWordArt="0" anchor="ctr" anchorCtr="0" forceAA="0" compatLnSpc="1">
+              <a:prstTxWarp prst="textNoShape">
+                <a:avLst/>
+              </a:prstTxWarp>
+              <a:noAutofit/>
+            </a:bodyPr>
+            <a:lstStyle/>
+            <a:p>
+              <a:pPr algn="ctr"/>
+              <a:r>
+                <a:rPr lang="en-US" sz="1050" dirty="0">
+                  <a:solidFill>
+                    <a:schemeClr val="tx1"/>
+                  </a:solidFill>
+                  <a:latin typeface="Arial" panose="020B0604020202020204" pitchFamily="34" charset="0"/>
+                  <a:cs typeface="Arial" panose="020B0604020202020204" pitchFamily="34" charset="0"/>
+                </a:rPr>
+                <a:t>Constraint P</a:t>
+              </a:r>
+              <a:r>
+                <a:rPr lang="en-US" sz="1050" baseline="-25000" dirty="0">
+                  <a:solidFill>
+                    <a:schemeClr val="tx1"/>
+                  </a:solidFill>
+                  <a:latin typeface="Arial" panose="020B0604020202020204" pitchFamily="34" charset="0"/>
+                  <a:cs typeface="Arial" panose="020B0604020202020204" pitchFamily="34" charset="0"/>
+                </a:rPr>
+                <a:t>M</a:t>
+              </a:r>
+              <a:r>
+                <a:rPr lang="en-US" sz="1050" dirty="0">
+                  <a:solidFill>
+                    <a:schemeClr val="tx1"/>
+                  </a:solidFill>
+                  <a:latin typeface="Arial" panose="020B0604020202020204" pitchFamily="34" charset="0"/>
+                  <a:cs typeface="Arial" panose="020B0604020202020204" pitchFamily="34" charset="0"/>
+                </a:rPr>
+                <a:t> Used to Define Joint M</a:t>
+              </a:r>
+              <a:endParaRPr lang="en-US" sz="1050" dirty="0">
+                <a:solidFill>
+                  <a:schemeClr val="tx1"/>
+                </a:solidFill>
+                <a:latin typeface="Arial" panose="020B0604020202020204" pitchFamily="34" charset="0"/>
+                <a:cs typeface="Arial" panose="020B0604020202020204" pitchFamily="34" charset="0"/>
+              </a:endParaRPr>
+            </a:p>
+          </p:txBody>
+        </p:sp>
+        <p:sp>
+          <p:nvSpPr>
+            <p:cNvPr id="28" name="TextBox 27"/>
+            <p:cNvSpPr txBox="1"/>
+            <p:nvPr/>
+          </p:nvSpPr>
+          <p:spPr>
+            <a:xfrm>
+              <a:off x="1734571" y="4538949"/>
+              <a:ext cx="1223011" cy="400109"/>
+            </a:xfrm>
+            <a:prstGeom prst="rect">
+              <a:avLst/>
+            </a:prstGeom>
+            <a:noFill/>
+            <a:ln w="38100">
+              <a:noFill/>
+            </a:ln>
+          </p:spPr>
+          <p:txBody>
+            <a:bodyPr wrap="square" rtlCol="0">
+              <a:spAutoFit/>
+            </a:bodyPr>
+            <a:lstStyle/>
+            <a:p>
+              <a:pPr algn="ctr"/>
+              <a:r>
+                <a:rPr lang="en-US" sz="1350" dirty="0"/>
+                <a:t>• • •</a:t>
+              </a:r>
+            </a:p>
+          </p:txBody>
+        </p:sp>
+        <p:sp>
+          <p:nvSpPr>
+            <p:cNvPr id="29" name="TextBox 28"/>
+            <p:cNvSpPr txBox="1"/>
+            <p:nvPr/>
+          </p:nvSpPr>
+          <p:spPr>
+            <a:xfrm>
+              <a:off x="5342378" y="4538949"/>
+              <a:ext cx="1223011" cy="400109"/>
+            </a:xfrm>
+            <a:prstGeom prst="rect">
+              <a:avLst/>
+            </a:prstGeom>
+            <a:noFill/>
+          </p:spPr>
+          <p:txBody>
+            <a:bodyPr wrap="square" rtlCol="0">
+              <a:spAutoFit/>
+            </a:bodyPr>
+            <a:lstStyle/>
+            <a:p>
+              <a:pPr algn="ctr"/>
+              <a:r>
+                <a:rPr lang="en-US" sz="1350" dirty="0"/>
+                <a:t>• • •</a:t>
+              </a:r>
+            </a:p>
+          </p:txBody>
+        </p:sp>
+        <p:sp>
+          <p:nvSpPr>
+            <p:cNvPr id="30" name="TextBox 29"/>
+            <p:cNvSpPr txBox="1"/>
+            <p:nvPr/>
+          </p:nvSpPr>
+          <p:spPr>
+            <a:xfrm>
+              <a:off x="9237661" y="4538949"/>
+              <a:ext cx="1223011" cy="400109"/>
+            </a:xfrm>
+            <a:prstGeom prst="rect">
+              <a:avLst/>
+            </a:prstGeom>
+            <a:noFill/>
+          </p:spPr>
+          <p:txBody>
+            <a:bodyPr wrap="square" rtlCol="0">
+              <a:spAutoFit/>
+            </a:bodyPr>
+            <a:lstStyle/>
+            <a:p>
+              <a:pPr algn="ctr"/>
+              <a:r>
+                <a:rPr lang="en-US" sz="1350" dirty="0"/>
+                <a:t>• • •</a:t>
+              </a:r>
+            </a:p>
+          </p:txBody>
+        </p:sp>
+        <p:cxnSp>
+          <p:nvCxnSpPr>
+            <p:cNvPr id="32" name="Elbow Connector 31"/>
+            <p:cNvCxnSpPr>
+              <a:stCxn id="6" idx="2"/>
+              <a:endCxn id="10" idx="1"/>
+            </p:cNvCxnSpPr>
+            <p:nvPr/>
+          </p:nvCxnSpPr>
+          <p:spPr>
+            <a:xfrm rot="16200000" flipH="1">
+              <a:off x="920115" y="3000375"/>
+              <a:ext cx="708660" cy="331470"/>
+            </a:xfrm>
+            <a:prstGeom prst="bentConnector2">
+              <a:avLst/>
+            </a:prstGeom>
+            <a:ln w="31750">
+              <a:solidFill>
+                <a:schemeClr val="tx1"/>
+              </a:solidFill>
+            </a:ln>
+          </p:spPr>
+          <p:style>
+            <a:lnRef idx="1">
+              <a:schemeClr val="accent1"/>
+            </a:lnRef>
+            <a:fillRef idx="0">
+              <a:schemeClr val="accent1"/>
+            </a:fillRef>
+            <a:effectRef idx="0">
+              <a:schemeClr val="accent1"/>
+            </a:effectRef>
+            <a:fontRef idx="minor">
+              <a:schemeClr val="tx1"/>
+            </a:fontRef>
+          </p:style>
+        </p:cxnSp>
+        <p:cxnSp>
+          <p:nvCxnSpPr>
+            <p:cNvPr id="34" name="Elbow Connector 33"/>
+            <p:cNvCxnSpPr>
+              <a:endCxn id="10" idx="3"/>
+            </p:cNvCxnSpPr>
+            <p:nvPr/>
+          </p:nvCxnSpPr>
+          <p:spPr>
+            <a:xfrm rot="5400000">
+              <a:off x="3051810" y="3051809"/>
+              <a:ext cx="708661" cy="228600"/>
+            </a:xfrm>
+            <a:prstGeom prst="bentConnector2">
+              <a:avLst/>
+            </a:prstGeom>
+            <a:ln w="31750">
+              <a:solidFill>
+                <a:schemeClr val="tx1"/>
+              </a:solidFill>
+            </a:ln>
+          </p:spPr>
+          <p:style>
+            <a:lnRef idx="1">
+              <a:schemeClr val="accent1"/>
+            </a:lnRef>
+            <a:fillRef idx="0">
+              <a:schemeClr val="accent1"/>
+            </a:fillRef>
+            <a:effectRef idx="0">
+              <a:schemeClr val="accent1"/>
+            </a:effectRef>
+            <a:fontRef idx="minor">
+              <a:schemeClr val="tx1"/>
+            </a:fontRef>
+          </p:style>
+        </p:cxnSp>
+        <p:cxnSp>
+          <p:nvCxnSpPr>
+            <p:cNvPr id="38" name="Elbow Connector 37"/>
+            <p:cNvCxnSpPr>
+              <a:endCxn id="12" idx="1"/>
+            </p:cNvCxnSpPr>
+            <p:nvPr/>
+          </p:nvCxnSpPr>
+          <p:spPr>
+            <a:xfrm>
+              <a:off x="4114800" y="2811780"/>
+              <a:ext cx="906780" cy="708660"/>
+            </a:xfrm>
+            <a:prstGeom prst="bentConnector3">
+              <a:avLst>
+                <a:gd name="adj1" fmla="val 840"/>
+              </a:avLst>
+            </a:prstGeom>
+            <a:ln w="31750">
+              <a:solidFill>
+                <a:schemeClr val="tx1"/>
+              </a:solidFill>
+            </a:ln>
+          </p:spPr>
+          <p:style>
+            <a:lnRef idx="1">
+              <a:schemeClr val="accent1"/>
+            </a:lnRef>
+            <a:fillRef idx="0">
+              <a:schemeClr val="accent1"/>
+            </a:fillRef>
+            <a:effectRef idx="0">
+              <a:schemeClr val="accent1"/>
+            </a:effectRef>
+            <a:fontRef idx="minor">
+              <a:schemeClr val="tx1"/>
+            </a:fontRef>
+          </p:style>
+        </p:cxnSp>
+        <p:cxnSp>
+          <p:nvCxnSpPr>
+            <p:cNvPr id="42" name="Elbow Connector 41"/>
+            <p:cNvCxnSpPr>
+              <a:endCxn id="12" idx="3"/>
+            </p:cNvCxnSpPr>
+            <p:nvPr/>
+          </p:nvCxnSpPr>
+          <p:spPr>
+            <a:xfrm rot="5400000">
+              <a:off x="6870383" y="2814638"/>
+              <a:ext cx="708660" cy="702945"/>
+            </a:xfrm>
+            <a:prstGeom prst="bentConnector2">
+              <a:avLst/>
+            </a:prstGeom>
+            <a:ln w="31750">
+              <a:solidFill>
+                <a:schemeClr val="tx1"/>
+              </a:solidFill>
+            </a:ln>
+          </p:spPr>
+          <p:style>
+            <a:lnRef idx="1">
+              <a:schemeClr val="accent1"/>
+            </a:lnRef>
+            <a:fillRef idx="0">
+              <a:schemeClr val="accent1"/>
+            </a:fillRef>
+            <a:effectRef idx="0">
+              <a:schemeClr val="accent1"/>
+            </a:effectRef>
+            <a:fontRef idx="minor">
+              <a:schemeClr val="tx1"/>
+            </a:fontRef>
+          </p:style>
+        </p:cxnSp>
+        <p:cxnSp>
+          <p:nvCxnSpPr>
+            <p:cNvPr id="44" name="Elbow Connector 43"/>
+            <p:cNvCxnSpPr>
+              <a:endCxn id="13" idx="1"/>
+            </p:cNvCxnSpPr>
+            <p:nvPr/>
+          </p:nvCxnSpPr>
+          <p:spPr>
+            <a:xfrm rot="16200000" flipH="1">
+              <a:off x="8428672" y="3014662"/>
+              <a:ext cx="708662" cy="302894"/>
+            </a:xfrm>
+            <a:prstGeom prst="bentConnector2">
+              <a:avLst/>
+            </a:prstGeom>
+            <a:ln w="31750">
+              <a:solidFill>
+                <a:schemeClr val="tx1"/>
+              </a:solidFill>
+            </a:ln>
+          </p:spPr>
+          <p:style>
+            <a:lnRef idx="1">
+              <a:schemeClr val="accent1"/>
+            </a:lnRef>
+            <a:fillRef idx="0">
+              <a:schemeClr val="accent1"/>
+            </a:fillRef>
+            <a:effectRef idx="0">
+              <a:schemeClr val="accent1"/>
+            </a:effectRef>
+            <a:fontRef idx="minor">
+              <a:schemeClr val="tx1"/>
+            </a:fontRef>
+          </p:style>
+        </p:cxnSp>
+        <p:cxnSp>
+          <p:nvCxnSpPr>
+            <p:cNvPr id="48" name="Elbow Connector 47"/>
+            <p:cNvCxnSpPr>
+              <a:stCxn id="9" idx="2"/>
+              <a:endCxn id="13" idx="3"/>
+            </p:cNvCxnSpPr>
+            <p:nvPr/>
+          </p:nvCxnSpPr>
+          <p:spPr>
+            <a:xfrm rot="5400000">
+              <a:off x="10586085" y="3011805"/>
+              <a:ext cx="708660" cy="308610"/>
+            </a:xfrm>
+            <a:prstGeom prst="bentConnector2">
+              <a:avLst/>
+            </a:prstGeom>
+            <a:ln w="31750">
+              <a:solidFill>
+                <a:schemeClr val="tx1"/>
+              </a:solidFill>
+            </a:ln>
+          </p:spPr>
+          <p:style>
+            <a:lnRef idx="1">
+              <a:schemeClr val="accent1"/>
+            </a:lnRef>
+            <a:fillRef idx="0">
+              <a:schemeClr val="accent1"/>
+            </a:fillRef>
+            <a:effectRef idx="0">
+              <a:schemeClr val="accent1"/>
+            </a:effectRef>
+            <a:fontRef idx="minor">
+              <a:schemeClr val="tx1"/>
+            </a:fontRef>
+          </p:style>
+        </p:cxnSp>
+        <p:cxnSp>
+          <p:nvCxnSpPr>
+            <p:cNvPr id="50" name="Elbow Connector 49"/>
+            <p:cNvCxnSpPr>
+              <a:stCxn id="10" idx="2"/>
+              <a:endCxn id="11" idx="0"/>
+            </p:cNvCxnSpPr>
+            <p:nvPr/>
+          </p:nvCxnSpPr>
+          <p:spPr>
+            <a:xfrm rot="5400000">
+              <a:off x="1667703" y="3702243"/>
+              <a:ext cx="434340" cy="962275"/>
+            </a:xfrm>
+            <a:prstGeom prst="bentConnector3">
+              <a:avLst/>
+            </a:prstGeom>
+            <a:ln w="31750">
+              <a:solidFill>
+                <a:schemeClr val="tx1"/>
+              </a:solidFill>
+            </a:ln>
+          </p:spPr>
+          <p:style>
+            <a:lnRef idx="1">
+              <a:schemeClr val="accent1"/>
+            </a:lnRef>
+            <a:fillRef idx="0">
+              <a:schemeClr val="accent1"/>
+            </a:fillRef>
+            <a:effectRef idx="0">
+              <a:schemeClr val="accent1"/>
+            </a:effectRef>
+            <a:fontRef idx="minor">
+              <a:schemeClr val="tx1"/>
+            </a:fontRef>
+          </p:style>
+        </p:cxnSp>
+        <p:cxnSp>
+          <p:nvCxnSpPr>
+            <p:cNvPr id="52" name="Elbow Connector 51"/>
+            <p:cNvCxnSpPr>
+              <a:stCxn id="10" idx="2"/>
+              <a:endCxn id="23" idx="0"/>
+            </p:cNvCxnSpPr>
+            <p:nvPr/>
+          </p:nvCxnSpPr>
+          <p:spPr>
+            <a:xfrm rot="16200000" flipH="1">
+              <a:off x="2611502" y="3720718"/>
+              <a:ext cx="434340" cy="925324"/>
+            </a:xfrm>
+            <a:prstGeom prst="bentConnector3">
+              <a:avLst/>
+            </a:prstGeom>
+            <a:ln w="31750">
+              <a:solidFill>
+                <a:schemeClr val="tx1"/>
+              </a:solidFill>
+            </a:ln>
+          </p:spPr>
+          <p:style>
+            <a:lnRef idx="1">
+              <a:schemeClr val="accent1"/>
+            </a:lnRef>
+            <a:fillRef idx="0">
+              <a:schemeClr val="accent1"/>
+            </a:fillRef>
+            <a:effectRef idx="0">
+              <a:schemeClr val="accent1"/>
+            </a:effectRef>
+            <a:fontRef idx="minor">
+              <a:schemeClr val="tx1"/>
+            </a:fontRef>
+          </p:style>
+        </p:cxnSp>
+        <p:cxnSp>
+          <p:nvCxnSpPr>
+            <p:cNvPr id="54" name="Elbow Connector 53"/>
+            <p:cNvCxnSpPr>
+              <a:stCxn id="12" idx="2"/>
+              <a:endCxn id="24" idx="0"/>
+            </p:cNvCxnSpPr>
+            <p:nvPr/>
+          </p:nvCxnSpPr>
+          <p:spPr>
+            <a:xfrm rot="5400000">
+              <a:off x="5253004" y="3706144"/>
+              <a:ext cx="434340" cy="954472"/>
+            </a:xfrm>
+            <a:prstGeom prst="bentConnector3">
+              <a:avLst/>
+            </a:prstGeom>
+            <a:ln w="31750">
+              <a:solidFill>
+                <a:schemeClr val="tx1"/>
+              </a:solidFill>
+            </a:ln>
+          </p:spPr>
+          <p:style>
+            <a:lnRef idx="1">
+              <a:schemeClr val="accent1"/>
+            </a:lnRef>
+            <a:fillRef idx="0">
+              <a:schemeClr val="accent1"/>
+            </a:fillRef>
+            <a:effectRef idx="0">
+              <a:schemeClr val="accent1"/>
+            </a:effectRef>
+            <a:fontRef idx="minor">
+              <a:schemeClr val="tx1"/>
+            </a:fontRef>
+          </p:style>
+        </p:cxnSp>
+        <p:cxnSp>
+          <p:nvCxnSpPr>
+            <p:cNvPr id="56" name="Elbow Connector 55"/>
+            <p:cNvCxnSpPr>
+              <a:stCxn id="12" idx="2"/>
+              <a:endCxn id="25" idx="0"/>
+            </p:cNvCxnSpPr>
+            <p:nvPr/>
+          </p:nvCxnSpPr>
+          <p:spPr>
+            <a:xfrm rot="16200000" flipH="1">
+              <a:off x="6202073" y="3711546"/>
+              <a:ext cx="434340" cy="943667"/>
+            </a:xfrm>
+            <a:prstGeom prst="bentConnector3">
+              <a:avLst/>
+            </a:prstGeom>
+            <a:ln w="31750">
+              <a:solidFill>
+                <a:schemeClr val="tx1"/>
+              </a:solidFill>
+            </a:ln>
+          </p:spPr>
+          <p:style>
+            <a:lnRef idx="1">
+              <a:schemeClr val="accent1"/>
+            </a:lnRef>
+            <a:fillRef idx="0">
+              <a:schemeClr val="accent1"/>
+            </a:fillRef>
+            <a:effectRef idx="0">
+              <a:schemeClr val="accent1"/>
+            </a:effectRef>
+            <a:fontRef idx="minor">
+              <a:schemeClr val="tx1"/>
+            </a:fontRef>
+          </p:style>
+        </p:cxnSp>
+        <p:cxnSp>
+          <p:nvCxnSpPr>
+            <p:cNvPr id="58" name="Elbow Connector 57"/>
+            <p:cNvCxnSpPr>
+              <a:stCxn id="13" idx="2"/>
+              <a:endCxn id="26" idx="0"/>
+            </p:cNvCxnSpPr>
+            <p:nvPr/>
+          </p:nvCxnSpPr>
+          <p:spPr>
+            <a:xfrm rot="5400000">
+              <a:off x="9157526" y="3697796"/>
+              <a:ext cx="434340" cy="971169"/>
+            </a:xfrm>
+            <a:prstGeom prst="bentConnector3">
+              <a:avLst/>
+            </a:prstGeom>
+            <a:ln w="31750">
+              <a:solidFill>
+                <a:schemeClr val="tx1"/>
+              </a:solidFill>
+            </a:ln>
+          </p:spPr>
+          <p:style>
+            <a:lnRef idx="1">
+              <a:schemeClr val="accent1"/>
+            </a:lnRef>
+            <a:fillRef idx="0">
+              <a:schemeClr val="accent1"/>
+            </a:fillRef>
+            <a:effectRef idx="0">
+              <a:schemeClr val="accent1"/>
+            </a:effectRef>
+            <a:fontRef idx="minor">
+              <a:schemeClr val="tx1"/>
+            </a:fontRef>
+          </p:style>
+        </p:cxnSp>
+        <p:cxnSp>
+          <p:nvCxnSpPr>
+            <p:cNvPr id="60" name="Elbow Connector 59"/>
+            <p:cNvCxnSpPr>
+              <a:stCxn id="13" idx="2"/>
+              <a:endCxn id="27" idx="0"/>
+            </p:cNvCxnSpPr>
+            <p:nvPr/>
+          </p:nvCxnSpPr>
+          <p:spPr>
+            <a:xfrm rot="16200000" flipH="1">
+              <a:off x="10111864" y="3714625"/>
+              <a:ext cx="434340" cy="937509"/>
+            </a:xfrm>
+            <a:prstGeom prst="bentConnector3">
+              <a:avLst/>
+            </a:prstGeom>
+            <a:ln w="31750">
+              <a:solidFill>
+                <a:schemeClr val="tx1"/>
+              </a:solidFill>
+            </a:ln>
+          </p:spPr>
+          <p:style>
+            <a:lnRef idx="1">
+              <a:schemeClr val="accent1"/>
+            </a:lnRef>
+            <a:fillRef idx="0">
+              <a:schemeClr val="accent1"/>
+            </a:fillRef>
+            <a:effectRef idx="0">
+              <a:schemeClr val="accent1"/>
+            </a:effectRef>
+            <a:fontRef idx="minor">
+              <a:schemeClr val="tx1"/>
+            </a:fontRef>
+          </p:style>
+        </p:cxnSp>
+        <p:cxnSp>
+          <p:nvCxnSpPr>
+            <p:cNvPr id="64" name="Elbow Connector 63"/>
+            <p:cNvCxnSpPr>
+              <a:stCxn id="5" idx="2"/>
+              <a:endCxn id="6" idx="0"/>
+            </p:cNvCxnSpPr>
+            <p:nvPr/>
+          </p:nvCxnSpPr>
+          <p:spPr>
+            <a:xfrm rot="5400000">
+              <a:off x="3186113" y="-900112"/>
+              <a:ext cx="685800" cy="4840605"/>
+            </a:xfrm>
+            <a:prstGeom prst="bentConnector3">
+              <a:avLst/>
+            </a:prstGeom>
+            <a:ln w="31750">
+              <a:solidFill>
+                <a:schemeClr val="tx1"/>
+              </a:solidFill>
+            </a:ln>
+          </p:spPr>
+          <p:style>
+            <a:lnRef idx="1">
+              <a:schemeClr val="accent1"/>
+            </a:lnRef>
+            <a:fillRef idx="0">
+              <a:schemeClr val="accent1"/>
+            </a:fillRef>
+            <a:effectRef idx="0">
+              <a:schemeClr val="accent1"/>
+            </a:effectRef>
+            <a:fontRef idx="minor">
+              <a:schemeClr val="tx1"/>
+            </a:fontRef>
+          </p:style>
+        </p:cxnSp>
+        <p:cxnSp>
+          <p:nvCxnSpPr>
+            <p:cNvPr id="66" name="Elbow Connector 65"/>
+            <p:cNvCxnSpPr>
+              <a:stCxn id="5" idx="2"/>
+              <a:endCxn id="7" idx="0"/>
+            </p:cNvCxnSpPr>
+            <p:nvPr/>
+          </p:nvCxnSpPr>
+          <p:spPr>
+            <a:xfrm rot="5400000">
+              <a:off x="4529138" y="442913"/>
+              <a:ext cx="685800" cy="2154555"/>
+            </a:xfrm>
+            <a:prstGeom prst="bentConnector3">
+              <a:avLst/>
+            </a:prstGeom>
+            <a:ln w="31750">
+              <a:solidFill>
+                <a:schemeClr val="tx1"/>
+              </a:solidFill>
+            </a:ln>
+          </p:spPr>
+          <p:style>
+            <a:lnRef idx="1">
+              <a:schemeClr val="accent1"/>
+            </a:lnRef>
+            <a:fillRef idx="0">
+              <a:schemeClr val="accent1"/>
+            </a:fillRef>
+            <a:effectRef idx="0">
+              <a:schemeClr val="accent1"/>
+            </a:effectRef>
+            <a:fontRef idx="minor">
+              <a:schemeClr val="tx1"/>
+            </a:fontRef>
+          </p:style>
+        </p:cxnSp>
+        <p:cxnSp>
+          <p:nvCxnSpPr>
+            <p:cNvPr id="68" name="Elbow Connector 67"/>
+            <p:cNvCxnSpPr>
+              <a:stCxn id="5" idx="2"/>
+              <a:endCxn id="8" idx="0"/>
+            </p:cNvCxnSpPr>
+            <p:nvPr/>
+          </p:nvCxnSpPr>
+          <p:spPr>
+            <a:xfrm rot="16200000" flipH="1">
+              <a:off x="6725602" y="401002"/>
+              <a:ext cx="685800" cy="2238375"/>
+            </a:xfrm>
+            <a:prstGeom prst="bentConnector3">
+              <a:avLst/>
+            </a:prstGeom>
+            <a:ln w="31750">
+              <a:solidFill>
+                <a:schemeClr val="tx1"/>
+              </a:solidFill>
+            </a:ln>
+          </p:spPr>
+          <p:style>
+            <a:lnRef idx="1">
+              <a:schemeClr val="accent1"/>
+            </a:lnRef>
+            <a:fillRef idx="0">
+              <a:schemeClr val="accent1"/>
+            </a:fillRef>
+            <a:effectRef idx="0">
+              <a:schemeClr val="accent1"/>
+            </a:effectRef>
+            <a:fontRef idx="minor">
+              <a:schemeClr val="tx1"/>
+            </a:fontRef>
+          </p:style>
+        </p:cxnSp>
+        <p:cxnSp>
+          <p:nvCxnSpPr>
+            <p:cNvPr id="70" name="Elbow Connector 69"/>
+            <p:cNvCxnSpPr>
+              <a:stCxn id="5" idx="2"/>
+              <a:endCxn id="9" idx="0"/>
+            </p:cNvCxnSpPr>
+            <p:nvPr/>
+          </p:nvCxnSpPr>
+          <p:spPr>
+            <a:xfrm rot="16200000" flipH="1">
+              <a:off x="8179117" y="-1052513"/>
+              <a:ext cx="685800" cy="5145405"/>
+            </a:xfrm>
+            <a:prstGeom prst="bentConnector3">
+              <a:avLst/>
+            </a:prstGeom>
+            <a:ln w="31750">
+              <a:solidFill>
+                <a:schemeClr val="tx1"/>
+              </a:solidFill>
+            </a:ln>
+          </p:spPr>
+          <p:style>
+            <a:lnRef idx="1">
+              <a:schemeClr val="accent1"/>
+            </a:lnRef>
+            <a:fillRef idx="0">
+              <a:schemeClr val="accent1"/>
+            </a:fillRef>
+            <a:effectRef idx="0">
+              <a:schemeClr val="accent1"/>
+            </a:effectRef>
+            <a:fontRef idx="minor">
+              <a:schemeClr val="tx1"/>
+            </a:fontRef>
+          </p:style>
+        </p:cxnSp>
+        <p:sp>
+          <p:nvSpPr>
+            <p:cNvPr id="71" name="TextBox 70"/>
+            <p:cNvSpPr txBox="1"/>
+            <p:nvPr/>
+          </p:nvSpPr>
+          <p:spPr>
+            <a:xfrm>
+              <a:off x="-860092" y="2152768"/>
+              <a:ext cx="1015663" cy="400109"/>
+            </a:xfrm>
+            <a:prstGeom prst="rect">
+              <a:avLst/>
+            </a:prstGeom>
+            <a:noFill/>
+          </p:spPr>
+          <p:txBody>
+            <a:bodyPr wrap="none" rtlCol="0">
+              <a:spAutoFit/>
+            </a:bodyPr>
+            <a:lstStyle/>
+            <a:p>
+              <a:pPr algn="ctr"/>
+              <a:r>
+                <a:rPr lang="en-US" sz="1350" b="1" dirty="0">
+                  <a:latin typeface="Arial" panose="020B0604020202020204" pitchFamily="34" charset="0"/>
+                  <a:cs typeface="Arial" panose="020B0604020202020204" pitchFamily="34" charset="0"/>
+                </a:rPr>
+                <a:t>Bodies</a:t>
+              </a:r>
+            </a:p>
+          </p:txBody>
+        </p:sp>
+        <p:sp>
+          <p:nvSpPr>
+            <p:cNvPr id="72" name="TextBox 71"/>
+            <p:cNvSpPr txBox="1"/>
+            <p:nvPr/>
+          </p:nvSpPr>
+          <p:spPr>
+            <a:xfrm>
+              <a:off x="-815209" y="3317676"/>
+              <a:ext cx="925896" cy="400109"/>
+            </a:xfrm>
+            <a:prstGeom prst="rect">
+              <a:avLst/>
+            </a:prstGeom>
+            <a:noFill/>
+          </p:spPr>
+          <p:txBody>
+            <a:bodyPr wrap="none" rtlCol="0">
+              <a:spAutoFit/>
+            </a:bodyPr>
+            <a:lstStyle/>
+            <a:p>
+              <a:pPr algn="ctr"/>
+              <a:r>
+                <a:rPr lang="en-US" sz="1350" b="1" dirty="0">
+                  <a:latin typeface="Arial" panose="020B0604020202020204" pitchFamily="34" charset="0"/>
+                  <a:cs typeface="Arial" panose="020B0604020202020204" pitchFamily="34" charset="0"/>
+                </a:rPr>
+                <a:t>Joints</a:t>
+              </a:r>
+            </a:p>
+          </p:txBody>
+        </p:sp>
+        <p:sp>
+          <p:nvSpPr>
+            <p:cNvPr id="73" name="TextBox 72"/>
+            <p:cNvSpPr txBox="1"/>
+            <p:nvPr/>
+          </p:nvSpPr>
+          <p:spPr>
+            <a:xfrm>
+              <a:off x="-885743" y="489705"/>
+              <a:ext cx="1066960" cy="400109"/>
+            </a:xfrm>
+            <a:prstGeom prst="rect">
+              <a:avLst/>
+            </a:prstGeom>
+            <a:noFill/>
+          </p:spPr>
+          <p:txBody>
+            <a:bodyPr wrap="none" rtlCol="0">
+              <a:spAutoFit/>
+            </a:bodyPr>
+            <a:lstStyle/>
+            <a:p>
+              <a:pPr algn="ctr"/>
+              <a:r>
+                <a:rPr lang="en-US" sz="1350" b="1" dirty="0">
+                  <a:latin typeface="Arial" panose="020B0604020202020204" pitchFamily="34" charset="0"/>
+                  <a:cs typeface="Arial" panose="020B0604020202020204" pitchFamily="34" charset="0"/>
+                </a:rPr>
+                <a:t>System</a:t>
+              </a:r>
+            </a:p>
+          </p:txBody>
+        </p:sp>
+        <p:sp>
+          <p:nvSpPr>
+            <p:cNvPr id="74" name="TextBox 73"/>
+            <p:cNvSpPr txBox="1"/>
+            <p:nvPr/>
+          </p:nvSpPr>
+          <p:spPr>
+            <a:xfrm>
+              <a:off x="-961615" y="97914"/>
+              <a:ext cx="1218711" cy="430887"/>
+            </a:xfrm>
+            <a:prstGeom prst="rect">
+              <a:avLst/>
+            </a:prstGeom>
+            <a:noFill/>
+          </p:spPr>
+          <p:txBody>
+            <a:bodyPr wrap="none" rtlCol="0">
+              <a:spAutoFit/>
+            </a:bodyPr>
+            <a:lstStyle/>
+            <a:p>
+              <a:pPr algn="ctr"/>
+              <a:r>
+                <a:rPr lang="en-US" sz="1500" b="1" u="sng" dirty="0">
+                  <a:latin typeface="Arial" panose="020B0604020202020204" pitchFamily="34" charset="0"/>
+                  <a:cs typeface="Arial" panose="020B0604020202020204" pitchFamily="34" charset="0"/>
+                </a:rPr>
+                <a:t>Classes</a:t>
+              </a:r>
+            </a:p>
+          </p:txBody>
+        </p:sp>
+        <p:sp>
+          <p:nvSpPr>
+            <p:cNvPr id="75" name="TextBox 74"/>
+            <p:cNvSpPr txBox="1"/>
+            <p:nvPr/>
+          </p:nvSpPr>
+          <p:spPr>
+            <a:xfrm>
+              <a:off x="-1116575" y="4451469"/>
+              <a:ext cx="1528625" cy="677108"/>
+            </a:xfrm>
+            <a:prstGeom prst="rect">
+              <a:avLst/>
+            </a:prstGeom>
+            <a:noFill/>
+          </p:spPr>
+          <p:txBody>
+            <a:bodyPr wrap="none" rtlCol="0">
+              <a:spAutoFit/>
+            </a:bodyPr>
+            <a:lstStyle/>
+            <a:p>
+              <a:pPr algn="ctr"/>
+              <a:r>
+                <a:rPr lang="en-US" sz="1350" b="1" dirty="0">
+                  <a:latin typeface="Arial" panose="020B0604020202020204" pitchFamily="34" charset="0"/>
+                  <a:cs typeface="Arial" panose="020B0604020202020204" pitchFamily="34" charset="0"/>
+                </a:rPr>
+                <a:t>Basic</a:t>
+              </a:r>
+            </a:p>
+            <a:p>
+              <a:pPr algn="ctr"/>
+              <a:r>
+                <a:rPr lang="en-US" sz="1350" b="1" dirty="0">
+                  <a:latin typeface="Arial" panose="020B0604020202020204" pitchFamily="34" charset="0"/>
+                  <a:cs typeface="Arial" panose="020B0604020202020204" pitchFamily="34" charset="0"/>
+                </a:rPr>
+                <a:t>Constraints</a:t>
+              </a:r>
+            </a:p>
+          </p:txBody>
+        </p:sp>
+      </p:grpSp>
+    </p:spTree>
+    <p:extLst>
+      <p:ext uri="{BB962C8B-B14F-4D97-AF65-F5344CB8AC3E}">
+        <p14:creationId xmlns:p14="http://schemas.microsoft.com/office/powerpoint/2010/main" val="2562101714"/>
+      </p:ext>
+    </p:extLst>
+  </p:cSld>
+  <p:clrMapOvr>
+    <a:masterClrMapping/>
+  </p:clrMapOvr>
+</p:sld>
+</file>
+
+<file path=ppt/slides/slide4.xml><?xml version="1.0" encoding="utf-8"?>
+<p:sld xmlns:a="http://schemas.openxmlformats.org/drawingml/2006/main" xmlns:r="http://schemas.openxmlformats.org/officeDocument/2006/relationships" xmlns:p="http://schemas.openxmlformats.org/presentationml/2006/main">
+  <p:cSld>
+    <p:spTree>
+      <p:nvGrpSpPr>
+        <p:cNvPr id="1" name=""/>
+        <p:cNvGrpSpPr/>
+        <p:nvPr/>
+      </p:nvGrpSpPr>
+      <p:grpSpPr>
+        <a:xfrm>
+          <a:off x="0" y="0"/>
+          <a:ext cx="0" cy="0"/>
+          <a:chOff x="0" y="0"/>
+          <a:chExt cx="0" cy="0"/>
+        </a:xfrm>
+      </p:grpSpPr>
+      <p:grpSp>
+        <p:nvGrpSpPr>
+          <p:cNvPr id="26" name="Group 25"/>
+          <p:cNvGrpSpPr/>
+          <p:nvPr/>
+        </p:nvGrpSpPr>
+        <p:grpSpPr>
+          <a:xfrm>
+            <a:off x="877083" y="1862251"/>
+            <a:ext cx="5386557" cy="4516151"/>
+            <a:chOff x="877083" y="1862251"/>
+            <a:chExt cx="5386557" cy="4516151"/>
+          </a:xfrm>
+        </p:grpSpPr>
+        <p:pic>
+          <p:nvPicPr>
+            <p:cNvPr id="4" name="Picture 3"/>
+            <p:cNvPicPr>
+              <a:picLocks noChangeAspect="1"/>
+            </p:cNvPicPr>
+            <p:nvPr/>
+          </p:nvPicPr>
+          <p:blipFill rotWithShape="1">
+            <a:blip r:embed="rId2"/>
+            <a:srcRect l="11149" t="11519" r="4183" b="5444"/>
+            <a:stretch/>
+          </p:blipFill>
+          <p:spPr>
+            <a:xfrm>
+              <a:off x="1219154" y="4416112"/>
+              <a:ext cx="2351157" cy="1962290"/>
+            </a:xfrm>
+            <a:prstGeom prst="rect">
+              <a:avLst/>
+            </a:prstGeom>
+          </p:spPr>
+        </p:pic>
+        <p:pic>
+          <p:nvPicPr>
+            <p:cNvPr id="6" name="Picture 5"/>
+            <p:cNvPicPr>
+              <a:picLocks noChangeAspect="1"/>
+            </p:cNvPicPr>
+            <p:nvPr/>
+          </p:nvPicPr>
+          <p:blipFill rotWithShape="1">
+            <a:blip r:embed="rId3"/>
+            <a:srcRect l="7011" t="1273" r="3323" b="3455"/>
+            <a:stretch/>
+          </p:blipFill>
+          <p:spPr>
+            <a:xfrm>
+              <a:off x="3843309" y="4390037"/>
+              <a:ext cx="2377944" cy="1988365"/>
+            </a:xfrm>
+            <a:prstGeom prst="rect">
+              <a:avLst/>
+            </a:prstGeom>
+          </p:spPr>
+        </p:pic>
+        <p:sp>
+          <p:nvSpPr>
+            <p:cNvPr id="7" name="TextBox 6"/>
+            <p:cNvSpPr txBox="1"/>
+            <p:nvPr/>
+          </p:nvSpPr>
+          <p:spPr>
+            <a:xfrm>
+              <a:off x="4329490" y="4209580"/>
+              <a:ext cx="1251368" cy="300082"/>
+            </a:xfrm>
+            <a:prstGeom prst="rect">
+              <a:avLst/>
+            </a:prstGeom>
+            <a:noFill/>
+          </p:spPr>
+          <p:txBody>
+            <a:bodyPr wrap="none" rtlCol="0">
+              <a:spAutoFit/>
+            </a:bodyPr>
+            <a:lstStyle/>
+            <a:p>
+              <a:r>
+                <a:rPr lang="en-US" sz="1350" b="1" dirty="0"/>
+                <a:t>DP2 Constraint</a:t>
+              </a:r>
+            </a:p>
+          </p:txBody>
+        </p:sp>
+        <p:pic>
+          <p:nvPicPr>
+            <p:cNvPr id="8" name="Picture 7"/>
+            <p:cNvPicPr>
+              <a:picLocks noChangeAspect="1"/>
+            </p:cNvPicPr>
+            <p:nvPr/>
+          </p:nvPicPr>
+          <p:blipFill rotWithShape="1">
+            <a:blip r:embed="rId4"/>
+            <a:srcRect l="4268" t="2650" r="8459" b="5900"/>
+            <a:stretch/>
+          </p:blipFill>
+          <p:spPr>
+            <a:xfrm>
+              <a:off x="3727822" y="2055906"/>
+              <a:ext cx="2493432" cy="2081381"/>
+            </a:xfrm>
+            <a:prstGeom prst="rect">
+              <a:avLst/>
+            </a:prstGeom>
+          </p:spPr>
+        </p:pic>
+        <p:pic>
+          <p:nvPicPr>
+            <p:cNvPr id="9" name="Picture 8"/>
+            <p:cNvPicPr>
+              <a:picLocks noChangeAspect="1"/>
+            </p:cNvPicPr>
+            <p:nvPr/>
+          </p:nvPicPr>
+          <p:blipFill rotWithShape="1">
+            <a:blip r:embed="rId5"/>
+            <a:srcRect l="9464" t="2020" r="3293" b="2391"/>
+            <a:stretch/>
+          </p:blipFill>
+          <p:spPr>
+            <a:xfrm>
+              <a:off x="961014" y="2162228"/>
+              <a:ext cx="2541100" cy="1958063"/>
+            </a:xfrm>
+            <a:prstGeom prst="rect">
+              <a:avLst/>
+            </a:prstGeom>
+          </p:spPr>
+        </p:pic>
+        <p:sp>
+          <p:nvSpPr>
+            <p:cNvPr id="10" name="TextBox 9"/>
+            <p:cNvSpPr txBox="1"/>
+            <p:nvPr/>
+          </p:nvSpPr>
+          <p:spPr>
+            <a:xfrm>
+              <a:off x="4419258" y="1943042"/>
+              <a:ext cx="1071832" cy="300082"/>
+            </a:xfrm>
+            <a:prstGeom prst="rect">
+              <a:avLst/>
+            </a:prstGeom>
+            <a:noFill/>
+          </p:spPr>
+          <p:txBody>
+            <a:bodyPr wrap="none" rtlCol="0">
+              <a:spAutoFit/>
+            </a:bodyPr>
+            <a:lstStyle/>
+            <a:p>
+              <a:r>
+                <a:rPr lang="en-US" sz="1350" b="1" dirty="0"/>
+                <a:t>D Constraint</a:t>
+              </a:r>
+            </a:p>
+          </p:txBody>
+        </p:sp>
+        <p:sp>
+          <p:nvSpPr>
+            <p:cNvPr id="11" name="TextBox 10"/>
+            <p:cNvSpPr txBox="1"/>
+            <p:nvPr/>
+          </p:nvSpPr>
+          <p:spPr>
+            <a:xfrm>
+              <a:off x="1779398" y="1943042"/>
+              <a:ext cx="1163204" cy="300082"/>
+            </a:xfrm>
+            <a:prstGeom prst="rect">
+              <a:avLst/>
+            </a:prstGeom>
+            <a:noFill/>
+          </p:spPr>
+          <p:txBody>
+            <a:bodyPr wrap="none" rtlCol="0">
+              <a:spAutoFit/>
+            </a:bodyPr>
+            <a:lstStyle/>
+            <a:p>
+              <a:r>
+                <a:rPr lang="en-US" sz="1350" b="1" dirty="0"/>
+                <a:t>CD Constraint</a:t>
+              </a:r>
+            </a:p>
+          </p:txBody>
+        </p:sp>
+        <p:sp>
+          <p:nvSpPr>
+            <p:cNvPr id="5" name="TextBox 4"/>
+            <p:cNvSpPr txBox="1"/>
+            <p:nvPr/>
+          </p:nvSpPr>
+          <p:spPr>
+            <a:xfrm>
+              <a:off x="1735316" y="4209580"/>
+              <a:ext cx="1251368" cy="300082"/>
+            </a:xfrm>
+            <a:prstGeom prst="rect">
+              <a:avLst/>
+            </a:prstGeom>
+            <a:noFill/>
+          </p:spPr>
+          <p:txBody>
+            <a:bodyPr wrap="none" rtlCol="0">
+              <a:spAutoFit/>
+            </a:bodyPr>
+            <a:lstStyle/>
+            <a:p>
+              <a:r>
+                <a:rPr lang="en-US" sz="1350" b="1" dirty="0"/>
+                <a:t>DP1 Constraint</a:t>
+              </a:r>
+            </a:p>
+          </p:txBody>
+        </p:sp>
+        <p:cxnSp>
+          <p:nvCxnSpPr>
+            <p:cNvPr id="14" name="Straight Connector 13"/>
+            <p:cNvCxnSpPr/>
+            <p:nvPr/>
+          </p:nvCxnSpPr>
+          <p:spPr>
+            <a:xfrm>
+              <a:off x="3604260" y="1996440"/>
+              <a:ext cx="0" cy="4297680"/>
+            </a:xfrm>
+            <a:prstGeom prst="line">
+              <a:avLst/>
+            </a:prstGeom>
+          </p:spPr>
+          <p:style>
+            <a:lnRef idx="1">
+              <a:schemeClr val="accent1"/>
+            </a:lnRef>
+            <a:fillRef idx="0">
+              <a:schemeClr val="accent1"/>
+            </a:fillRef>
+            <a:effectRef idx="0">
+              <a:schemeClr val="accent1"/>
+            </a:effectRef>
+            <a:fontRef idx="minor">
+              <a:schemeClr val="tx1"/>
+            </a:fontRef>
+          </p:style>
+        </p:cxnSp>
+        <p:cxnSp>
+          <p:nvCxnSpPr>
+            <p:cNvPr id="16" name="Straight Connector 15"/>
+            <p:cNvCxnSpPr/>
+            <p:nvPr/>
+          </p:nvCxnSpPr>
+          <p:spPr>
+            <a:xfrm>
+              <a:off x="3604260" y="1996440"/>
+              <a:ext cx="0" cy="4297680"/>
+            </a:xfrm>
+            <a:prstGeom prst="line">
+              <a:avLst/>
+            </a:prstGeom>
+            <a:ln w="57150">
+              <a:solidFill>
+                <a:schemeClr val="tx1"/>
+              </a:solidFill>
+            </a:ln>
+          </p:spPr>
+          <p:style>
+            <a:lnRef idx="1">
+              <a:schemeClr val="accent1"/>
+            </a:lnRef>
+            <a:fillRef idx="0">
+              <a:schemeClr val="accent1"/>
+            </a:fillRef>
+            <a:effectRef idx="0">
+              <a:schemeClr val="accent1"/>
+            </a:effectRef>
+            <a:fontRef idx="minor">
+              <a:schemeClr val="tx1"/>
+            </a:fontRef>
+          </p:style>
+        </p:cxnSp>
+        <p:cxnSp>
+          <p:nvCxnSpPr>
+            <p:cNvPr id="17" name="Straight Connector 16"/>
+            <p:cNvCxnSpPr/>
+            <p:nvPr/>
+          </p:nvCxnSpPr>
+          <p:spPr>
+            <a:xfrm>
+              <a:off x="944880" y="4191000"/>
+              <a:ext cx="5318760" cy="0"/>
+            </a:xfrm>
+            <a:prstGeom prst="line">
+              <a:avLst/>
+            </a:prstGeom>
+            <a:ln w="57150">
+              <a:solidFill>
+                <a:schemeClr val="tx1"/>
+              </a:solidFill>
+            </a:ln>
+          </p:spPr>
+          <p:style>
+            <a:lnRef idx="1">
+              <a:schemeClr val="accent1"/>
+            </a:lnRef>
+            <a:fillRef idx="0">
+              <a:schemeClr val="accent1"/>
+            </a:fillRef>
+            <a:effectRef idx="0">
+              <a:schemeClr val="accent1"/>
+            </a:effectRef>
+            <a:fontRef idx="minor">
+              <a:schemeClr val="tx1"/>
+            </a:fontRef>
+          </p:style>
+        </p:cxnSp>
+        <p:sp>
+          <p:nvSpPr>
+            <p:cNvPr id="20" name="TextBox 19"/>
+            <p:cNvSpPr txBox="1"/>
+            <p:nvPr/>
+          </p:nvSpPr>
+          <p:spPr>
+            <a:xfrm>
+              <a:off x="877083" y="1862251"/>
+              <a:ext cx="370614" cy="461665"/>
+            </a:xfrm>
+            <a:prstGeom prst="rect">
+              <a:avLst/>
+            </a:prstGeom>
+            <a:noFill/>
+          </p:spPr>
+          <p:txBody>
+            <a:bodyPr wrap="none" rtlCol="0">
+              <a:spAutoFit/>
+            </a:bodyPr>
+            <a:lstStyle/>
+            <a:p>
+              <a:r>
+                <a:rPr lang="en-US" sz="2400" b="1" dirty="0" smtClean="0"/>
+                <a:t>A</a:t>
+              </a:r>
+              <a:endParaRPr lang="en-US" b="1" dirty="0"/>
+            </a:p>
+          </p:txBody>
+        </p:sp>
+        <p:sp>
+          <p:nvSpPr>
+            <p:cNvPr id="21" name="TextBox 20"/>
+            <p:cNvSpPr txBox="1"/>
+            <p:nvPr/>
+          </p:nvSpPr>
+          <p:spPr>
+            <a:xfrm>
+              <a:off x="3588096" y="1862251"/>
+              <a:ext cx="357790" cy="461665"/>
+            </a:xfrm>
+            <a:prstGeom prst="rect">
+              <a:avLst/>
+            </a:prstGeom>
+            <a:noFill/>
+          </p:spPr>
+          <p:txBody>
+            <a:bodyPr wrap="none" rtlCol="0">
+              <a:spAutoFit/>
+            </a:bodyPr>
+            <a:lstStyle/>
+            <a:p>
+              <a:r>
+                <a:rPr lang="en-US" sz="2400" b="1" dirty="0"/>
+                <a:t>B</a:t>
+              </a:r>
+              <a:endParaRPr lang="en-US" b="1" dirty="0"/>
+            </a:p>
+          </p:txBody>
+        </p:sp>
+        <p:sp>
+          <p:nvSpPr>
+            <p:cNvPr id="22" name="TextBox 21"/>
+            <p:cNvSpPr txBox="1"/>
+            <p:nvPr/>
+          </p:nvSpPr>
+          <p:spPr>
+            <a:xfrm>
+              <a:off x="888304" y="4128789"/>
+              <a:ext cx="348172" cy="461665"/>
+            </a:xfrm>
+            <a:prstGeom prst="rect">
+              <a:avLst/>
+            </a:prstGeom>
+            <a:noFill/>
+          </p:spPr>
+          <p:txBody>
+            <a:bodyPr wrap="none" rtlCol="0">
+              <a:spAutoFit/>
+            </a:bodyPr>
+            <a:lstStyle/>
+            <a:p>
+              <a:r>
+                <a:rPr lang="en-US" sz="2400" b="1" dirty="0"/>
+                <a:t>C</a:t>
+              </a:r>
+              <a:endParaRPr lang="en-US" b="1" dirty="0"/>
+            </a:p>
+          </p:txBody>
+        </p:sp>
+        <p:sp>
+          <p:nvSpPr>
+            <p:cNvPr id="23" name="TextBox 22"/>
+            <p:cNvSpPr txBox="1"/>
+            <p:nvPr/>
+          </p:nvSpPr>
+          <p:spPr>
+            <a:xfrm>
+              <a:off x="3577676" y="4128789"/>
+              <a:ext cx="378630" cy="461665"/>
+            </a:xfrm>
+            <a:prstGeom prst="rect">
+              <a:avLst/>
+            </a:prstGeom>
+            <a:noFill/>
+          </p:spPr>
+          <p:txBody>
+            <a:bodyPr wrap="none" rtlCol="0">
+              <a:spAutoFit/>
+            </a:bodyPr>
+            <a:lstStyle/>
+            <a:p>
+              <a:r>
+                <a:rPr lang="en-US" sz="2400" b="1" dirty="0" smtClean="0"/>
+                <a:t>D</a:t>
+              </a:r>
+              <a:endParaRPr lang="en-US" b="1" dirty="0"/>
+            </a:p>
+          </p:txBody>
+        </p:sp>
+      </p:grpSp>
+    </p:spTree>
+    <p:extLst>
+      <p:ext uri="{BB962C8B-B14F-4D97-AF65-F5344CB8AC3E}">
+        <p14:creationId xmlns:p14="http://schemas.microsoft.com/office/powerpoint/2010/main" val="562869091"/>
+      </p:ext>
+    </p:extLst>
+  </p:cSld>
+  <p:clrMapOvr>
+    <a:masterClrMapping/>
+  </p:clrMapOvr>
+</p:sld>
+</file>
+
+<file path=ppt/slides/slide5.xml><?xml version="1.0" encoding="utf-8"?>
+<p:sld xmlns:a="http://schemas.openxmlformats.org/drawingml/2006/main" xmlns:r="http://schemas.openxmlformats.org/officeDocument/2006/relationships" xmlns:p="http://schemas.openxmlformats.org/presentationml/2006/main">
+  <p:cSld>
+    <p:spTree>
+      <p:nvGrpSpPr>
+        <p:cNvPr id="1" name=""/>
+        <p:cNvGrpSpPr/>
+        <p:nvPr/>
+      </p:nvGrpSpPr>
+      <p:grpSpPr>
+        <a:xfrm>
+          <a:off x="0" y="0"/>
+          <a:ext cx="0" cy="0"/>
+          <a:chOff x="0" y="0"/>
+          <a:chExt cx="0" cy="0"/>
+        </a:xfrm>
+      </p:grpSpPr>
+      <p:grpSp>
+        <p:nvGrpSpPr>
+          <p:cNvPr id="13" name="Group 12"/>
+          <p:cNvGrpSpPr/>
+          <p:nvPr/>
+        </p:nvGrpSpPr>
+        <p:grpSpPr>
+          <a:xfrm>
+            <a:off x="-106812" y="1585695"/>
+            <a:ext cx="6761611" cy="3004263"/>
+            <a:chOff x="-106812" y="1585695"/>
+            <a:chExt cx="6761611" cy="3004263"/>
+          </a:xfrm>
+        </p:grpSpPr>
+        <p:pic>
+          <p:nvPicPr>
+            <p:cNvPr id="4" name="Picture 3"/>
+            <p:cNvPicPr>
+              <a:picLocks noChangeAspect="1"/>
+            </p:cNvPicPr>
+            <p:nvPr/>
+          </p:nvPicPr>
+          <p:blipFill rotWithShape="1">
+            <a:blip r:embed="rId2"/>
+            <a:srcRect l="5446" t="5590" r="10151" b="3494"/>
+            <a:stretch/>
+          </p:blipFill>
+          <p:spPr>
+            <a:xfrm>
+              <a:off x="-106812" y="1996440"/>
+              <a:ext cx="3241898" cy="2593518"/>
+            </a:xfrm>
+            <a:prstGeom prst="rect">
+              <a:avLst/>
+            </a:prstGeom>
+          </p:spPr>
+        </p:pic>
+        <p:pic>
+          <p:nvPicPr>
+            <p:cNvPr id="5" name="Picture 4"/>
+            <p:cNvPicPr>
+              <a:picLocks noChangeAspect="1"/>
+            </p:cNvPicPr>
+            <p:nvPr/>
+          </p:nvPicPr>
+          <p:blipFill rotWithShape="1">
+            <a:blip r:embed="rId3"/>
+            <a:srcRect l="5829"/>
+            <a:stretch/>
+          </p:blipFill>
+          <p:spPr>
+            <a:xfrm>
+              <a:off x="3585028" y="1996440"/>
+              <a:ext cx="3069771" cy="2593518"/>
+            </a:xfrm>
+            <a:prstGeom prst="rect">
+              <a:avLst/>
+            </a:prstGeom>
+          </p:spPr>
+        </p:pic>
+        <p:cxnSp>
+          <p:nvCxnSpPr>
+            <p:cNvPr id="6" name="Straight Connector 5"/>
+            <p:cNvCxnSpPr/>
+            <p:nvPr/>
+          </p:nvCxnSpPr>
+          <p:spPr>
+            <a:xfrm>
+              <a:off x="3338286" y="1669143"/>
+              <a:ext cx="1" cy="2920815"/>
+            </a:xfrm>
+            <a:prstGeom prst="line">
+              <a:avLst/>
+            </a:prstGeom>
+            <a:ln w="57150">
+              <a:solidFill>
+                <a:schemeClr val="tx1"/>
+              </a:solidFill>
+            </a:ln>
+          </p:spPr>
+          <p:style>
+            <a:lnRef idx="1">
+              <a:schemeClr val="accent1"/>
+            </a:lnRef>
+            <a:fillRef idx="0">
+              <a:schemeClr val="accent1"/>
+            </a:fillRef>
+            <a:effectRef idx="0">
+              <a:schemeClr val="accent1"/>
+            </a:effectRef>
+            <a:fontRef idx="minor">
+              <a:schemeClr val="tx1"/>
+            </a:fontRef>
+          </p:style>
+        </p:cxnSp>
+        <p:sp>
+          <p:nvSpPr>
+            <p:cNvPr id="9" name="TextBox 8"/>
+            <p:cNvSpPr txBox="1"/>
+            <p:nvPr/>
+          </p:nvSpPr>
+          <p:spPr>
+            <a:xfrm>
+              <a:off x="798287" y="1662639"/>
+              <a:ext cx="1470146" cy="369332"/>
+            </a:xfrm>
+            <a:prstGeom prst="rect">
+              <a:avLst/>
+            </a:prstGeom>
+            <a:noFill/>
+          </p:spPr>
+          <p:txBody>
+            <a:bodyPr wrap="none" rtlCol="0">
+              <a:spAutoFit/>
+            </a:bodyPr>
+            <a:lstStyle/>
+            <a:p>
+              <a:r>
+                <a:rPr lang="en-US" b="1" dirty="0" smtClean="0"/>
+                <a:t>B1 Constraint</a:t>
+              </a:r>
+              <a:endParaRPr lang="en-US" b="1" dirty="0"/>
+            </a:p>
+          </p:txBody>
+        </p:sp>
+        <p:sp>
+          <p:nvSpPr>
+            <p:cNvPr id="10" name="TextBox 9"/>
+            <p:cNvSpPr txBox="1"/>
+            <p:nvPr/>
+          </p:nvSpPr>
+          <p:spPr>
+            <a:xfrm>
+              <a:off x="4248484" y="1662639"/>
+              <a:ext cx="1470146" cy="369332"/>
+            </a:xfrm>
+            <a:prstGeom prst="rect">
+              <a:avLst/>
+            </a:prstGeom>
+            <a:noFill/>
+          </p:spPr>
+          <p:txBody>
+            <a:bodyPr wrap="none" rtlCol="0">
+              <a:spAutoFit/>
+            </a:bodyPr>
+            <a:lstStyle/>
+            <a:p>
+              <a:r>
+                <a:rPr lang="en-US" b="1" dirty="0" smtClean="0"/>
+                <a:t>B2 Constraint</a:t>
+              </a:r>
+              <a:endParaRPr lang="en-US" b="1" dirty="0"/>
+            </a:p>
+          </p:txBody>
+        </p:sp>
+        <p:sp>
+          <p:nvSpPr>
+            <p:cNvPr id="11" name="TextBox 10"/>
+            <p:cNvSpPr txBox="1"/>
+            <p:nvPr/>
+          </p:nvSpPr>
+          <p:spPr>
+            <a:xfrm>
+              <a:off x="-59485" y="1585695"/>
+              <a:ext cx="402674" cy="523220"/>
+            </a:xfrm>
+            <a:prstGeom prst="rect">
+              <a:avLst/>
+            </a:prstGeom>
+            <a:noFill/>
+          </p:spPr>
+          <p:txBody>
+            <a:bodyPr wrap="none" rtlCol="0">
+              <a:spAutoFit/>
+            </a:bodyPr>
+            <a:lstStyle/>
+            <a:p>
+              <a:r>
+                <a:rPr lang="en-US" sz="2800" b="1" dirty="0" smtClean="0"/>
+                <a:t>A</a:t>
+              </a:r>
+              <a:endParaRPr lang="en-US" sz="2800" b="1" dirty="0"/>
+            </a:p>
+          </p:txBody>
+        </p:sp>
+        <p:sp>
+          <p:nvSpPr>
+            <p:cNvPr id="12" name="TextBox 11"/>
+            <p:cNvSpPr txBox="1"/>
+            <p:nvPr/>
+          </p:nvSpPr>
+          <p:spPr>
+            <a:xfrm>
+              <a:off x="3340150" y="1585695"/>
+              <a:ext cx="386644" cy="523220"/>
+            </a:xfrm>
+            <a:prstGeom prst="rect">
+              <a:avLst/>
+            </a:prstGeom>
+            <a:noFill/>
+          </p:spPr>
+          <p:txBody>
+            <a:bodyPr wrap="none" rtlCol="0">
+              <a:spAutoFit/>
+            </a:bodyPr>
+            <a:lstStyle/>
+            <a:p>
+              <a:r>
+                <a:rPr lang="en-US" sz="2800" b="1" dirty="0"/>
+                <a:t>B</a:t>
+              </a:r>
+              <a:endParaRPr lang="en-US" sz="2800" b="1" dirty="0"/>
+            </a:p>
+          </p:txBody>
+        </p:sp>
+      </p:grpSp>
+    </p:spTree>
+    <p:extLst>
+      <p:ext uri="{BB962C8B-B14F-4D97-AF65-F5344CB8AC3E}">
+        <p14:creationId xmlns:p14="http://schemas.microsoft.com/office/powerpoint/2010/main" val="2699513584"/>
+      </p:ext>
+    </p:extLst>
+  </p:cSld>
+  <p:clrMapOvr>
+    <a:masterClrMapping/>
+  </p:clrMapOvr>
+</p:sld>
+</file>
+
 <file path=ppt/theme/theme1.xml><?xml version="1.0" encoding="utf-8"?>
+<a:theme xmlns:a="http://schemas.openxmlformats.org/drawingml/2006/main" name="Office Theme">
+  <a:themeElements>
+    <a:clrScheme name="Office Theme">
+      <a:dk1>
+        <a:sysClr val="windowText" lastClr="000000"/>
+      </a:dk1>
+      <a:lt1>
+        <a:sysClr val="window" lastClr="FFFFFF"/>
+      </a:lt1>
+      <a:dk2>
+        <a:srgbClr val="44546A"/>
+      </a:dk2>
+      <a:lt2>
+        <a:srgbClr val="E7E6E6"/>
+      </a:lt2>
+      <a:accent1>
+        <a:srgbClr val="5B9BD5"/>
+      </a:accent1>
+      <a:accent2>
+        <a:srgbClr val="ED7D31"/>
+      </a:accent2>
+      <a:accent3>
+        <a:srgbClr val="A5A5A5"/>
+      </a:accent3>
+      <a:accent4>
+        <a:srgbClr val="FFC000"/>
+      </a:accent4>
+      <a:accent5>
+        <a:srgbClr val="4472C4"/>
+      </a:accent5>
+      <a:accent6>
+        <a:srgbClr val="70AD47"/>
+      </a:accent6>
+      <a:hlink>
+        <a:srgbClr val="0563C1"/>
+      </a:hlink>
+      <a:folHlink>
+        <a:srgbClr val="954F72"/>
+      </a:folHlink>
+    </a:clrScheme>
+    <a:fontScheme name="Office Theme">
+      <a:majorFont>
+        <a:latin typeface="Calibri Light" panose="020F0302020204030204"/>
+        <a:ea typeface=""/>
+        <a:cs typeface=""/>
+        <a:font script="Jpan" typeface="ＭＳ Ｐゴシック"/>
+        <a:font script="Hang" typeface="맑은 고딕"/>
+        <a:font script="Hans" typeface="宋体"/>
+        <a:font script="Hant" typeface="新細明體"/>
+        <a:font script="Arab" typeface="Times New Roman"/>
+        <a:font script="Hebr" typeface="Times New Roman"/>
+        <a:font script="Thai" typeface="Angsana New"/>
+        <a:font script="Ethi" typeface="Nyala"/>
+        <a:font script="Beng" typeface="Vrinda"/>
+        <a:font script="Gujr" typeface="Shruti"/>
+        <a:font script="Khmr" typeface="MoolBoran"/>
+        <a:font script="Knda" typeface="Tunga"/>
+        <a:font script="Guru" typeface="Raavi"/>
+        <a:font script="Cans" typeface="Euphemia"/>
+        <a:font script="Cher" typeface="Plantagenet Cherokee"/>
+        <a:font script="Yiii" typeface="Microsoft Yi Baiti"/>
+        <a:font script="Tibt" typeface="Microsoft Himalaya"/>
+        <a:font script="Thaa" typeface="MV Boli"/>
+        <a:font script="Deva" typeface="Mangal"/>
+        <a:font script="Telu" typeface="Gautami"/>
+        <a:font script="Taml" typeface="Latha"/>
+        <a:font script="Syrc" typeface="Estrangelo Edessa"/>
+        <a:font script="Orya" typeface="Kalinga"/>
+        <a:font script="Mlym" typeface="Kartika"/>
+        <a:font script="Laoo" typeface="DokChampa"/>
+        <a:font script="Sinh" typeface="Iskoola Pota"/>
+        <a:font script="Mong" typeface="Mongolian Baiti"/>
+        <a:font script="Viet" typeface="Times New Roman"/>
+        <a:font script="Uigh" typeface="Microsoft Uighur"/>
+        <a:font script="Geor" typeface="Sylfaen"/>
+      </a:majorFont>
+      <a:minorFont>
+        <a:latin typeface="Calibri" panose="020F0502020204030204"/>
+        <a:ea typeface=""/>
+        <a:cs typeface=""/>
+        <a:font script="Jpan" typeface="ＭＳ Ｐゴシック"/>
+        <a:font script="Hang" typeface="맑은 고딕"/>
+        <a:font script="Hans" typeface="宋体"/>
+        <a:font script="Hant" typeface="新細明體"/>
+        <a:font script="Arab" typeface="Arial"/>
+        <a:font script="Hebr" typeface="Arial"/>
+        <a:font script="Thai" typeface="Cordia New"/>
+        <a:font script="Ethi" typeface="Nyala"/>
+        <a:font script="Beng" typeface="Vrinda"/>
+        <a:font script="Gujr" typeface="Shruti"/>
+        <a:font script="Khmr" typeface="DaunPenh"/>
+        <a:font script="Knda" typeface="Tunga"/>
+        <a:font script="Guru" typeface="Raavi"/>
+        <a:font script="Cans" typeface="Euphemia"/>
+        <a:font script="Cher" typeface="Plantagenet Cherokee"/>
+        <a:font script="Yiii" typeface="Microsoft Yi Baiti"/>
+        <a:font script="Tibt" typeface="Microsoft Himalaya"/>
+        <a:font script="Thaa" typeface="MV Boli"/>
+        <a:font script="Deva" typeface="Mangal"/>
+        <a:font script="Telu" typeface="Gautami"/>
+        <a:font script="Taml" typeface="Latha"/>
+        <a:font script="Syrc" typeface="Estrangelo Edessa"/>
+        <a:font script="Orya" typeface="Kalinga"/>
+        <a:font script="Mlym" typeface="Kartika"/>
+        <a:font script="Laoo" typeface="DokChampa"/>
+        <a:font script="Sinh" typeface="Iskoola Pota"/>
+        <a:font script="Mong" typeface="Mongolian Baiti"/>
+        <a:font script="Viet" typeface="Arial"/>
+        <a:font script="Uigh" typeface="Microsoft Uighur"/>
+        <a:font script="Geor" typeface="Sylfaen"/>
+      </a:minorFont>
+    </a:fontScheme>
+    <a:fmtScheme name="Office Theme">
+      <a:fillStyleLst>
+        <a:solidFill>
+          <a:schemeClr val="phClr"/>
+        </a:solidFill>
+        <a:gradFill rotWithShape="1">
+          <a:gsLst>
+            <a:gs pos="0">
+              <a:schemeClr val="phClr">
+                <a:lumMod val="110000"/>
+                <a:satMod val="105000"/>
+                <a:tint val="67000"/>
+              </a:schemeClr>
+            </a:gs>
+            <a:gs pos="50000">
+              <a:schemeClr val="phClr">
+                <a:lumMod val="105000"/>
+                <a:satMod val="103000"/>
+                <a:tint val="73000"/>
+              </a:schemeClr>
+            </a:gs>
+            <a:gs pos="100000">
+              <a:schemeClr val="phClr">
+                <a:lumMod val="105000"/>
+                <a:satMod val="109000"/>
+                <a:tint val="81000"/>
+              </a:schemeClr>
+            </a:gs>
+          </a:gsLst>
+          <a:lin ang="5400000" scaled="0"/>
+        </a:gradFill>
+        <a:gradFill rotWithShape="1">
+          <a:gsLst>
+            <a:gs pos="0">
+              <a:schemeClr val="phClr">
+                <a:satMod val="103000"/>
+                <a:lumMod val="102000"/>
+                <a:tint val="94000"/>
+              </a:schemeClr>
+            </a:gs>
+            <a:gs pos="50000">
+              <a:schemeClr val="phClr">
+                <a:satMod val="110000"/>
+                <a:lumMod val="100000"/>
+                <a:shade val="100000"/>
+              </a:schemeClr>
+            </a:gs>
+            <a:gs pos="100000">
+              <a:schemeClr val="phClr">
+                <a:lumMod val="99000"/>
+                <a:satMod val="120000"/>
+                <a:shade val="78000"/>
+              </a:schemeClr>
+            </a:gs>
+          </a:gsLst>
+          <a:lin ang="5400000" scaled="0"/>
+        </a:gradFill>
+      </a:fillStyleLst>
+      <a:lnStyleLst>
+        <a:ln w="6350" cap="flat" cmpd="sng" algn="ctr">
+          <a:solidFill>
+            <a:schemeClr val="phClr"/>
+          </a:solidFill>
+          <a:prstDash val="solid"/>
+          <a:miter lim="800000"/>
+        </a:ln>
+        <a:ln w="12700" cap="flat" cmpd="sng" algn="ctr">
+          <a:solidFill>
+            <a:schemeClr val="phClr"/>
+          </a:solidFill>
+          <a:prstDash val="solid"/>
+          <a:miter lim="800000"/>
+        </a:ln>
+        <a:ln w="19050" cap="flat" cmpd="sng" algn="ctr">
+          <a:solidFill>
+            <a:schemeClr val="phClr"/>
+          </a:solidFill>
+          <a:prstDash val="solid"/>
+          <a:miter lim="800000"/>
+        </a:ln>
+      </a:lnStyleLst>
+      <a:effectStyleLst>
+        <a:effectStyle>
+          <a:effectLst/>
+        </a:effectStyle>
+        <a:effectStyle>
+          <a:effectLst/>
+        </a:effectStyle>
+        <a:effectStyle>
+          <a:effectLst>
+            <a:outerShdw blurRad="57150" dist="19050" dir="5400000" algn="ctr" rotWithShape="0">
+              <a:srgbClr val="000000">
+                <a:alpha val="63000"/>
+              </a:srgbClr>
+            </a:outerShdw>
+          </a:effectLst>
+        </a:effectStyle>
+      </a:effectStyleLst>
+      <a:bgFillStyleLst>
+        <a:solidFill>
+          <a:schemeClr val="phClr"/>
+        </a:solidFill>
+        <a:solidFill>
+          <a:schemeClr val="phClr">
+            <a:tint val="95000"/>
+            <a:satMod val="170000"/>
+          </a:schemeClr>
+        </a:solidFill>
+        <a:gradFill rotWithShape="1">
+          <a:gsLst>
+            <a:gs pos="0">
+              <a:schemeClr val="phClr">
+                <a:tint val="93000"/>
+                <a:satMod val="150000"/>
+                <a:shade val="98000"/>
+                <a:lumMod val="102000"/>
+              </a:schemeClr>
+            </a:gs>
+            <a:gs pos="50000">
+              <a:schemeClr val="phClr">
+                <a:tint val="98000"/>
+                <a:satMod val="130000"/>
+                <a:shade val="90000"/>
+                <a:lumMod val="103000"/>
+              </a:schemeClr>
+            </a:gs>
+            <a:gs pos="100000">
+              <a:schemeClr val="phClr">
+                <a:shade val="63000"/>
+                <a:satMod val="120000"/>
+              </a:schemeClr>
+            </a:gs>
+          </a:gsLst>
+          <a:lin ang="5400000" scaled="0"/>
+        </a:gradFill>
+      </a:bgFillStyleLst>
+    </a:fmtScheme>
+  </a:themeElements>
+  <a:objectDefaults/>
+  <a:extraClrSchemeLst/>
+  <a:extLst>
+    <a:ext uri="{05A4C25C-085E-4340-85A3-A5531E510DB2}">
+      <thm15:themeFamily xmlns:thm15="http://schemas.microsoft.com/office/thememl/2012/main" name="Office Theme" id="{62F939B6-93AF-4DB8-9C6B-D6C7DFDC589F}" vid="{4A3C46E8-61CC-4603-A589-7422A47A8E4A}"/>
+    </a:ext>
+  </a:extLst>
+</a:theme>
+</file>
+
+<file path=ppt/theme/theme2.xml><?xml version="1.0" encoding="utf-8"?>
 <a:theme xmlns:a="http://schemas.openxmlformats.org/drawingml/2006/main" name="Office Theme">
   <a:themeElements>
     <a:clrScheme name="Office">

--- a/Report/ME751_simEngine3D_Figures.pptx
+++ b/Report/ME751_simEngine3D_Figures.pptx
@@ -5,7 +5,7 @@
     <p:sldMasterId id="2147483672" r:id="rId1"/>
   </p:sldMasterIdLst>
   <p:notesMasterIdLst>
-    <p:notesMasterId r:id="rId7"/>
+    <p:notesMasterId r:id="rId8"/>
   </p:notesMasterIdLst>
   <p:sldIdLst>
     <p:sldId id="256" r:id="rId2"/>
@@ -13,6 +13,7 @@
     <p:sldId id="258" r:id="rId4"/>
     <p:sldId id="259" r:id="rId5"/>
     <p:sldId id="260" r:id="rId6"/>
+    <p:sldId id="261" r:id="rId7"/>
   </p:sldIdLst>
   <p:sldSz cx="6858000" cy="9144000" type="letter"/>
   <p:notesSz cx="6858000" cy="9144000"/>
@@ -201,7 +202,7 @@
           <a:p>
             <a:fld id="{CA9BF98D-B652-476D-90AB-259FD4B345FA}" type="datetimeFigureOut">
               <a:rPr lang="en-US" smtClean="0"/>
-              <a:t>12/14/2016</a:t>
+              <a:t>12/15/2016</a:t>
             </a:fld>
             <a:endParaRPr lang="en-US"/>
           </a:p>
@@ -689,7 +690,7 @@
           <a:p>
             <a:fld id="{0A43AB49-A39C-4186-BD22-733D2FFD79FF}" type="datetimeFigureOut">
               <a:rPr lang="en-US" smtClean="0"/>
-              <a:t>12/13/2016</a:t>
+              <a:t>12/15/2016</a:t>
             </a:fld>
             <a:endParaRPr lang="en-US"/>
           </a:p>
@@ -859,7 +860,7 @@
           <a:p>
             <a:fld id="{0A43AB49-A39C-4186-BD22-733D2FFD79FF}" type="datetimeFigureOut">
               <a:rPr lang="en-US" smtClean="0"/>
-              <a:t>12/13/2016</a:t>
+              <a:t>12/15/2016</a:t>
             </a:fld>
             <a:endParaRPr lang="en-US"/>
           </a:p>
@@ -1039,7 +1040,7 @@
           <a:p>
             <a:fld id="{0A43AB49-A39C-4186-BD22-733D2FFD79FF}" type="datetimeFigureOut">
               <a:rPr lang="en-US" smtClean="0"/>
-              <a:t>12/13/2016</a:t>
+              <a:t>12/15/2016</a:t>
             </a:fld>
             <a:endParaRPr lang="en-US"/>
           </a:p>
@@ -1209,7 +1210,7 @@
           <a:p>
             <a:fld id="{0A43AB49-A39C-4186-BD22-733D2FFD79FF}" type="datetimeFigureOut">
               <a:rPr lang="en-US" smtClean="0"/>
-              <a:t>12/13/2016</a:t>
+              <a:t>12/15/2016</a:t>
             </a:fld>
             <a:endParaRPr lang="en-US"/>
           </a:p>
@@ -1453,7 +1454,7 @@
           <a:p>
             <a:fld id="{0A43AB49-A39C-4186-BD22-733D2FFD79FF}" type="datetimeFigureOut">
               <a:rPr lang="en-US" smtClean="0"/>
-              <a:t>12/13/2016</a:t>
+              <a:t>12/15/2016</a:t>
             </a:fld>
             <a:endParaRPr lang="en-US"/>
           </a:p>
@@ -1685,7 +1686,7 @@
           <a:p>
             <a:fld id="{0A43AB49-A39C-4186-BD22-733D2FFD79FF}" type="datetimeFigureOut">
               <a:rPr lang="en-US" smtClean="0"/>
-              <a:t>12/13/2016</a:t>
+              <a:t>12/15/2016</a:t>
             </a:fld>
             <a:endParaRPr lang="en-US"/>
           </a:p>
@@ -2052,7 +2053,7 @@
           <a:p>
             <a:fld id="{0A43AB49-A39C-4186-BD22-733D2FFD79FF}" type="datetimeFigureOut">
               <a:rPr lang="en-US" smtClean="0"/>
-              <a:t>12/13/2016</a:t>
+              <a:t>12/15/2016</a:t>
             </a:fld>
             <a:endParaRPr lang="en-US"/>
           </a:p>
@@ -2170,7 +2171,7 @@
           <a:p>
             <a:fld id="{0A43AB49-A39C-4186-BD22-733D2FFD79FF}" type="datetimeFigureOut">
               <a:rPr lang="en-US" smtClean="0"/>
-              <a:t>12/13/2016</a:t>
+              <a:t>12/15/2016</a:t>
             </a:fld>
             <a:endParaRPr lang="en-US"/>
           </a:p>
@@ -2265,7 +2266,7 @@
           <a:p>
             <a:fld id="{0A43AB49-A39C-4186-BD22-733D2FFD79FF}" type="datetimeFigureOut">
               <a:rPr lang="en-US" smtClean="0"/>
-              <a:t>12/13/2016</a:t>
+              <a:t>12/15/2016</a:t>
             </a:fld>
             <a:endParaRPr lang="en-US"/>
           </a:p>
@@ -2542,7 +2543,7 @@
           <a:p>
             <a:fld id="{0A43AB49-A39C-4186-BD22-733D2FFD79FF}" type="datetimeFigureOut">
               <a:rPr lang="en-US" smtClean="0"/>
-              <a:t>12/13/2016</a:t>
+              <a:t>12/15/2016</a:t>
             </a:fld>
             <a:endParaRPr lang="en-US"/>
           </a:p>
@@ -2799,7 +2800,7 @@
           <a:p>
             <a:fld id="{0A43AB49-A39C-4186-BD22-733D2FFD79FF}" type="datetimeFigureOut">
               <a:rPr lang="en-US" smtClean="0"/>
-              <a:t>12/13/2016</a:t>
+              <a:t>12/15/2016</a:t>
             </a:fld>
             <a:endParaRPr lang="en-US"/>
           </a:p>
@@ -3012,7 +3013,7 @@
           <a:p>
             <a:fld id="{0A43AB49-A39C-4186-BD22-733D2FFD79FF}" type="datetimeFigureOut">
               <a:rPr lang="en-US" smtClean="0"/>
-              <a:t>12/13/2016</a:t>
+              <a:t>12/15/2016</a:t>
             </a:fld>
             <a:endParaRPr lang="en-US"/>
           </a:p>
@@ -3825,7 +3826,6 @@
                 <a:rPr lang="en-US" b="1" dirty="0"/>
                 <a:t>45°</a:t>
               </a:r>
-              <a:endParaRPr lang="en-US" b="1" dirty="0"/>
             </a:p>
           </p:txBody>
         </p:sp>
@@ -4045,7 +4045,6 @@
                 <a:rPr lang="en-US" sz="2100" b="1" dirty="0"/>
                 <a:t>X</a:t>
               </a:r>
-              <a:endParaRPr lang="en-US" sz="2100" b="1" dirty="0"/>
             </a:p>
           </p:txBody>
         </p:sp>
@@ -4558,13 +4557,6 @@
                 </a:rPr>
                 <a:t>Body N</a:t>
               </a:r>
-              <a:endParaRPr lang="en-US" sz="1350" b="1" dirty="0">
-                <a:solidFill>
-                  <a:schemeClr val="tx1"/>
-                </a:solidFill>
-                <a:latin typeface="Arial" panose="020B0604020202020204" pitchFamily="34" charset="0"/>
-                <a:cs typeface="Arial" panose="020B0604020202020204" pitchFamily="34" charset="0"/>
-              </a:endParaRPr>
             </a:p>
           </p:txBody>
         </p:sp>
@@ -4745,13 +4737,6 @@
                 </a:rPr>
                 <a:t>Joint 2</a:t>
               </a:r>
-              <a:endParaRPr lang="en-US" sz="1350" b="1" dirty="0">
-                <a:solidFill>
-                  <a:schemeClr val="tx1"/>
-                </a:solidFill>
-                <a:latin typeface="Arial" panose="020B0604020202020204" pitchFamily="34" charset="0"/>
-                <a:cs typeface="Arial" panose="020B0604020202020204" pitchFamily="34" charset="0"/>
-              </a:endParaRPr>
             </a:p>
           </p:txBody>
         </p:sp>
@@ -4812,13 +4797,6 @@
                 </a:rPr>
                 <a:t>Joint M</a:t>
               </a:r>
-              <a:endParaRPr lang="en-US" sz="1350" b="1" dirty="0">
-                <a:solidFill>
-                  <a:schemeClr val="tx1"/>
-                </a:solidFill>
-                <a:latin typeface="Arial" panose="020B0604020202020204" pitchFamily="34" charset="0"/>
-                <a:cs typeface="Arial" panose="020B0604020202020204" pitchFamily="34" charset="0"/>
-              </a:endParaRPr>
             </a:p>
           </p:txBody>
         </p:sp>
@@ -4959,13 +4937,6 @@
                 </a:rPr>
                 <a:t> Used to Define Joint 1</a:t>
               </a:r>
-              <a:endParaRPr lang="en-US" sz="1050" dirty="0">
-                <a:solidFill>
-                  <a:schemeClr val="tx1"/>
-                </a:solidFill>
-                <a:latin typeface="Arial" panose="020B0604020202020204" pitchFamily="34" charset="0"/>
-                <a:cs typeface="Arial" panose="020B0604020202020204" pitchFamily="34" charset="0"/>
-              </a:endParaRPr>
             </a:p>
           </p:txBody>
         </p:sp>
@@ -5026,13 +4997,6 @@
                 </a:rPr>
                 <a:t>Constraint 1 Used to Define Joint 2</a:t>
               </a:r>
-              <a:endParaRPr lang="en-US" sz="1050" dirty="0">
-                <a:solidFill>
-                  <a:schemeClr val="tx1"/>
-                </a:solidFill>
-                <a:latin typeface="Arial" panose="020B0604020202020204" pitchFamily="34" charset="0"/>
-                <a:cs typeface="Arial" panose="020B0604020202020204" pitchFamily="34" charset="0"/>
-              </a:endParaRPr>
             </a:p>
           </p:txBody>
         </p:sp>
@@ -5113,13 +5077,6 @@
                 </a:rPr>
                 <a:t> Used to Define Joint 2</a:t>
               </a:r>
-              <a:endParaRPr lang="en-US" sz="1050" dirty="0">
-                <a:solidFill>
-                  <a:schemeClr val="tx1"/>
-                </a:solidFill>
-                <a:latin typeface="Arial" panose="020B0604020202020204" pitchFamily="34" charset="0"/>
-                <a:cs typeface="Arial" panose="020B0604020202020204" pitchFamily="34" charset="0"/>
-              </a:endParaRPr>
             </a:p>
           </p:txBody>
         </p:sp>
@@ -5180,13 +5137,6 @@
                 </a:rPr>
                 <a:t>Constraint 1 Used to Define Joint M</a:t>
               </a:r>
-              <a:endParaRPr lang="en-US" sz="1050" dirty="0">
-                <a:solidFill>
-                  <a:schemeClr val="tx1"/>
-                </a:solidFill>
-                <a:latin typeface="Arial" panose="020B0604020202020204" pitchFamily="34" charset="0"/>
-                <a:cs typeface="Arial" panose="020B0604020202020204" pitchFamily="34" charset="0"/>
-              </a:endParaRPr>
             </a:p>
           </p:txBody>
         </p:sp>
@@ -5267,13 +5217,6 @@
                 </a:rPr>
                 <a:t> Used to Define Joint M</a:t>
               </a:r>
-              <a:endParaRPr lang="en-US" sz="1050" dirty="0">
-                <a:solidFill>
-                  <a:schemeClr val="tx1"/>
-                </a:solidFill>
-                <a:latin typeface="Arial" panose="020B0604020202020204" pitchFamily="34" charset="0"/>
-                <a:cs typeface="Arial" panose="020B0604020202020204" pitchFamily="34" charset="0"/>
-              </a:endParaRPr>
             </a:p>
           </p:txBody>
         </p:sp>
@@ -6866,7 +6809,6 @@
                 <a:rPr lang="en-US" sz="2800" b="1" dirty="0"/>
                 <a:t>B</a:t>
               </a:r>
-              <a:endParaRPr lang="en-US" sz="2800" b="1" dirty="0"/>
             </a:p>
           </p:txBody>
         </p:sp>
@@ -6875,6 +6817,98 @@
     <p:extLst>
       <p:ext uri="{BB962C8B-B14F-4D97-AF65-F5344CB8AC3E}">
         <p14:creationId xmlns:p14="http://schemas.microsoft.com/office/powerpoint/2010/main" val="2699513584"/>
+      </p:ext>
+    </p:extLst>
+  </p:cSld>
+  <p:clrMapOvr>
+    <a:masterClrMapping/>
+  </p:clrMapOvr>
+</p:sld>
+</file>
+
+<file path=ppt/slides/slide6.xml><?xml version="1.0" encoding="utf-8"?>
+<p:sld xmlns:a="http://schemas.openxmlformats.org/drawingml/2006/main" xmlns:r="http://schemas.openxmlformats.org/officeDocument/2006/relationships" xmlns:p="http://schemas.openxmlformats.org/presentationml/2006/main">
+  <p:cSld>
+    <p:spTree>
+      <p:nvGrpSpPr>
+        <p:cNvPr id="1" name=""/>
+        <p:cNvGrpSpPr/>
+        <p:nvPr/>
+      </p:nvGrpSpPr>
+      <p:grpSpPr>
+        <a:xfrm>
+          <a:off x="0" y="0"/>
+          <a:ext cx="0" cy="0"/>
+          <a:chOff x="0" y="0"/>
+          <a:chExt cx="0" cy="0"/>
+        </a:xfrm>
+      </p:grpSpPr>
+      <p:grpSp>
+        <p:nvGrpSpPr>
+          <p:cNvPr id="8" name="Group 7"/>
+          <p:cNvGrpSpPr/>
+          <p:nvPr/>
+        </p:nvGrpSpPr>
+        <p:grpSpPr>
+          <a:xfrm>
+            <a:off x="1294974" y="793986"/>
+            <a:ext cx="3568575" cy="4491922"/>
+            <a:chOff x="66675" y="-120414"/>
+            <a:chExt cx="6795227" cy="8553450"/>
+          </a:xfrm>
+        </p:grpSpPr>
+        <p:pic>
+          <p:nvPicPr>
+            <p:cNvPr id="6" name="Picture 5"/>
+            <p:cNvPicPr>
+              <a:picLocks noChangeAspect="1"/>
+            </p:cNvPicPr>
+            <p:nvPr/>
+          </p:nvPicPr>
+          <p:blipFill>
+            <a:blip r:embed="rId2"/>
+            <a:stretch>
+              <a:fillRect/>
+            </a:stretch>
+          </p:blipFill>
+          <p:spPr>
+            <a:xfrm>
+              <a:off x="66675" y="-120414"/>
+              <a:ext cx="6791325" cy="6191250"/>
+            </a:xfrm>
+            <a:prstGeom prst="rect">
+              <a:avLst/>
+            </a:prstGeom>
+          </p:spPr>
+        </p:pic>
+        <p:pic>
+          <p:nvPicPr>
+            <p:cNvPr id="7" name="Picture 6"/>
+            <p:cNvPicPr>
+              <a:picLocks noChangeAspect="1"/>
+            </p:cNvPicPr>
+            <p:nvPr/>
+          </p:nvPicPr>
+          <p:blipFill rotWithShape="1">
+            <a:blip r:embed="rId3"/>
+            <a:srcRect r="2003"/>
+            <a:stretch/>
+          </p:blipFill>
+          <p:spPr>
+            <a:xfrm>
+              <a:off x="66677" y="6070836"/>
+              <a:ext cx="6795225" cy="2362200"/>
+            </a:xfrm>
+            <a:prstGeom prst="rect">
+              <a:avLst/>
+            </a:prstGeom>
+          </p:spPr>
+        </p:pic>
+      </p:grpSp>
+    </p:spTree>
+    <p:extLst>
+      <p:ext uri="{BB962C8B-B14F-4D97-AF65-F5344CB8AC3E}">
+        <p14:creationId xmlns:p14="http://schemas.microsoft.com/office/powerpoint/2010/main" val="3630318058"/>
       </p:ext>
     </p:extLst>
   </p:cSld>
